--- a/2_ADF/PPT/15_Interview Questions/1_Azurelib/2_ADF/Question 38.pptx
+++ b/2_ADF/PPT/15_Interview Questions/1_Azurelib/2_ADF/Question 38.pptx
@@ -3,11 +3,13 @@
 <p:presentation xmlns:a="http://schemas.openxmlformats.org/drawingml/2006/main" xmlns:r="http://schemas.openxmlformats.org/officeDocument/2006/relationships" xmlns:p="http://schemas.openxmlformats.org/presentationml/2006/main" saveSubsetFonts="1">
   <p:sldMasterIdLst>
     <p:sldMasterId id="2147483648" r:id="rId1"/>
+    <p:sldMasterId id="2147483660" r:id="rId2"/>
   </p:sldMasterIdLst>
   <p:sldIdLst>
-    <p:sldId id="256" r:id="rId2"/>
-    <p:sldId id="257" r:id="rId3"/>
-    <p:sldId id="258" r:id="rId4"/>
+    <p:sldId id="256" r:id="rId3"/>
+    <p:sldId id="257" r:id="rId4"/>
+    <p:sldId id="269" r:id="rId5"/>
+    <p:sldId id="270" r:id="rId6"/>
   </p:sldIdLst>
   <p:sldSz cx="12192000" cy="6858000"/>
   <p:notesSz cx="6858000" cy="9144000"/>
@@ -106,6 +108,11 @@
       </a:defRPr>
     </a:lvl9pPr>
   </p:defaultTextStyle>
+  <p:extLst>
+    <p:ext uri="{EFAFB233-063F-42B5-8137-9DF3F51BA10A}">
+      <p15:sldGuideLst xmlns:p15="http://schemas.microsoft.com/office/powerpoint/2012/main"/>
+    </p:ext>
+  </p:extLst>
 </p:presentation>
 </file>
 
@@ -258,7 +265,7 @@
           <a:p>
             <a:fld id="{53C1140A-26D8-4E67-88F6-AE2606B82657}" type="datetimeFigureOut">
               <a:rPr lang="en-IN" smtClean="0"/>
-              <a:t>31-01-2023</a:t>
+              <a:t>03-02-2023</a:t>
             </a:fld>
             <a:endParaRPr lang="en-IN"/>
           </a:p>
@@ -458,7 +465,7 @@
           <a:p>
             <a:fld id="{53C1140A-26D8-4E67-88F6-AE2606B82657}" type="datetimeFigureOut">
               <a:rPr lang="en-IN" smtClean="0"/>
-              <a:t>31-01-2023</a:t>
+              <a:t>03-02-2023</a:t>
             </a:fld>
             <a:endParaRPr lang="en-IN"/>
           </a:p>
@@ -668,7 +675,7 @@
           <a:p>
             <a:fld id="{53C1140A-26D8-4E67-88F6-AE2606B82657}" type="datetimeFigureOut">
               <a:rPr lang="en-IN" smtClean="0"/>
-              <a:t>31-01-2023</a:t>
+              <a:t>03-02-2023</a:t>
             </a:fld>
             <a:endParaRPr lang="en-IN"/>
           </a:p>
@@ -732,6 +739,1941 @@
     <p:extLst>
       <p:ext uri="{BB962C8B-B14F-4D97-AF65-F5344CB8AC3E}">
         <p14:creationId xmlns:p14="http://schemas.microsoft.com/office/powerpoint/2010/main" val="345459521"/>
+      </p:ext>
+    </p:extLst>
+  </p:cSld>
+  <p:clrMapOvr>
+    <a:masterClrMapping/>
+  </p:clrMapOvr>
+</p:sldLayout>
+</file>
+
+<file path=ppt/slideLayouts/slideLayout12.xml><?xml version="1.0" encoding="utf-8"?>
+<p:sldLayout xmlns:a="http://schemas.openxmlformats.org/drawingml/2006/main" xmlns:r="http://schemas.openxmlformats.org/officeDocument/2006/relationships" xmlns:p="http://schemas.openxmlformats.org/presentationml/2006/main" type="title" preserve="1">
+  <p:cSld name="Title Slide">
+    <p:spTree>
+      <p:nvGrpSpPr>
+        <p:cNvPr id="1" name=""/>
+        <p:cNvGrpSpPr/>
+        <p:nvPr/>
+      </p:nvGrpSpPr>
+      <p:grpSpPr>
+        <a:xfrm>
+          <a:off x="0" y="0"/>
+          <a:ext cx="0" cy="0"/>
+          <a:chOff x="0" y="0"/>
+          <a:chExt cx="0" cy="0"/>
+        </a:xfrm>
+      </p:grpSpPr>
+      <p:sp>
+        <p:nvSpPr>
+          <p:cNvPr id="2" name="Title 1">
+            <a:extLst>
+              <a:ext uri="{FF2B5EF4-FFF2-40B4-BE49-F238E27FC236}">
+                <a16:creationId xmlns:a16="http://schemas.microsoft.com/office/drawing/2014/main" id="{D96FCA30-2547-436D-BED0-9BE92BC14C05}"/>
+              </a:ext>
+            </a:extLst>
+          </p:cNvPr>
+          <p:cNvSpPr>
+            <a:spLocks noGrp="1"/>
+          </p:cNvSpPr>
+          <p:nvPr>
+            <p:ph type="ctrTitle"/>
+          </p:nvPr>
+        </p:nvSpPr>
+        <p:spPr>
+          <a:xfrm>
+            <a:off x="1524000" y="1122363"/>
+            <a:ext cx="9144000" cy="2387600"/>
+          </a:xfrm>
+        </p:spPr>
+        <p:txBody>
+          <a:bodyPr anchor="b"/>
+          <a:lstStyle>
+            <a:lvl1pPr algn="ctr">
+              <a:defRPr sz="6000"/>
+            </a:lvl1pPr>
+          </a:lstStyle>
+          <a:p>
+            <a:r>
+              <a:rPr lang="en-US"/>
+              <a:t>Click to edit Master title style</a:t>
+            </a:r>
+          </a:p>
+        </p:txBody>
+      </p:sp>
+      <p:sp>
+        <p:nvSpPr>
+          <p:cNvPr id="3" name="Subtitle 2">
+            <a:extLst>
+              <a:ext uri="{FF2B5EF4-FFF2-40B4-BE49-F238E27FC236}">
+                <a16:creationId xmlns:a16="http://schemas.microsoft.com/office/drawing/2014/main" id="{D721DB07-0FAC-4A20-A220-714A8B1EF36B}"/>
+              </a:ext>
+            </a:extLst>
+          </p:cNvPr>
+          <p:cNvSpPr>
+            <a:spLocks noGrp="1"/>
+          </p:cNvSpPr>
+          <p:nvPr>
+            <p:ph type="subTitle" idx="1"/>
+          </p:nvPr>
+        </p:nvSpPr>
+        <p:spPr>
+          <a:xfrm>
+            <a:off x="1524000" y="3602038"/>
+            <a:ext cx="9144000" cy="1655762"/>
+          </a:xfrm>
+        </p:spPr>
+        <p:txBody>
+          <a:bodyPr/>
+          <a:lstStyle>
+            <a:lvl1pPr marL="0" indent="0" algn="ctr">
+              <a:buNone/>
+              <a:defRPr sz="2400"/>
+            </a:lvl1pPr>
+            <a:lvl2pPr marL="457200" indent="0" algn="ctr">
+              <a:buNone/>
+              <a:defRPr sz="2000"/>
+            </a:lvl2pPr>
+            <a:lvl3pPr marL="914400" indent="0" algn="ctr">
+              <a:buNone/>
+              <a:defRPr sz="1800"/>
+            </a:lvl3pPr>
+            <a:lvl4pPr marL="1371600" indent="0" algn="ctr">
+              <a:buNone/>
+              <a:defRPr sz="1600"/>
+            </a:lvl4pPr>
+            <a:lvl5pPr marL="1828800" indent="0" algn="ctr">
+              <a:buNone/>
+              <a:defRPr sz="1600"/>
+            </a:lvl5pPr>
+            <a:lvl6pPr marL="2286000" indent="0" algn="ctr">
+              <a:buNone/>
+              <a:defRPr sz="1600"/>
+            </a:lvl6pPr>
+            <a:lvl7pPr marL="2743200" indent="0" algn="ctr">
+              <a:buNone/>
+              <a:defRPr sz="1600"/>
+            </a:lvl7pPr>
+            <a:lvl8pPr marL="3200400" indent="0" algn="ctr">
+              <a:buNone/>
+              <a:defRPr sz="1600"/>
+            </a:lvl8pPr>
+            <a:lvl9pPr marL="3657600" indent="0" algn="ctr">
+              <a:buNone/>
+              <a:defRPr sz="1600"/>
+            </a:lvl9pPr>
+          </a:lstStyle>
+          <a:p>
+            <a:r>
+              <a:rPr lang="en-US"/>
+              <a:t>Click to edit Master subtitle style</a:t>
+            </a:r>
+          </a:p>
+        </p:txBody>
+      </p:sp>
+      <p:sp>
+        <p:nvSpPr>
+          <p:cNvPr id="4" name="Date Placeholder 3">
+            <a:extLst>
+              <a:ext uri="{FF2B5EF4-FFF2-40B4-BE49-F238E27FC236}">
+                <a16:creationId xmlns:a16="http://schemas.microsoft.com/office/drawing/2014/main" id="{4A9844D0-0399-47FF-BF7C-195895300E4D}"/>
+              </a:ext>
+            </a:extLst>
+          </p:cNvPr>
+          <p:cNvSpPr>
+            <a:spLocks noGrp="1"/>
+          </p:cNvSpPr>
+          <p:nvPr>
+            <p:ph type="dt" sz="half" idx="10"/>
+          </p:nvPr>
+        </p:nvSpPr>
+        <p:spPr/>
+        <p:txBody>
+          <a:bodyPr/>
+          <a:lstStyle/>
+          <a:p>
+            <a:fld id="{EF9567E5-5AFA-4DF7-B3AB-E8068D7777E4}" type="datetimeFigureOut">
+              <a:rPr lang="en-US" smtClean="0"/>
+              <a:t>2/3/2023</a:t>
+            </a:fld>
+            <a:endParaRPr lang="en-US"/>
+          </a:p>
+        </p:txBody>
+      </p:sp>
+      <p:sp>
+        <p:nvSpPr>
+          <p:cNvPr id="5" name="Footer Placeholder 4">
+            <a:extLst>
+              <a:ext uri="{FF2B5EF4-FFF2-40B4-BE49-F238E27FC236}">
+                <a16:creationId xmlns:a16="http://schemas.microsoft.com/office/drawing/2014/main" id="{1BCCCD6E-A056-45E8-9E8E-4A81A9E95AF3}"/>
+              </a:ext>
+            </a:extLst>
+          </p:cNvPr>
+          <p:cNvSpPr>
+            <a:spLocks noGrp="1"/>
+          </p:cNvSpPr>
+          <p:nvPr>
+            <p:ph type="ftr" sz="quarter" idx="11"/>
+          </p:nvPr>
+        </p:nvSpPr>
+        <p:spPr/>
+        <p:txBody>
+          <a:bodyPr/>
+          <a:lstStyle/>
+          <a:p>
+            <a:endParaRPr lang="en-US"/>
+          </a:p>
+        </p:txBody>
+      </p:sp>
+      <p:sp>
+        <p:nvSpPr>
+          <p:cNvPr id="6" name="Slide Number Placeholder 5">
+            <a:extLst>
+              <a:ext uri="{FF2B5EF4-FFF2-40B4-BE49-F238E27FC236}">
+                <a16:creationId xmlns:a16="http://schemas.microsoft.com/office/drawing/2014/main" id="{28FB04C0-5A58-40E4-912C-6E8B750612F9}"/>
+              </a:ext>
+            </a:extLst>
+          </p:cNvPr>
+          <p:cNvSpPr>
+            <a:spLocks noGrp="1"/>
+          </p:cNvSpPr>
+          <p:nvPr>
+            <p:ph type="sldNum" sz="quarter" idx="12"/>
+          </p:nvPr>
+        </p:nvSpPr>
+        <p:spPr/>
+        <p:txBody>
+          <a:bodyPr/>
+          <a:lstStyle/>
+          <a:p>
+            <a:fld id="{429812D8-2AB3-46F6-9FC7-630D3F80435C}" type="slidenum">
+              <a:rPr lang="en-US" smtClean="0"/>
+              <a:t>‹#›</a:t>
+            </a:fld>
+            <a:endParaRPr lang="en-US"/>
+          </a:p>
+        </p:txBody>
+      </p:sp>
+    </p:spTree>
+    <p:extLst>
+      <p:ext uri="{BB962C8B-B14F-4D97-AF65-F5344CB8AC3E}">
+        <p14:creationId xmlns:p14="http://schemas.microsoft.com/office/powerpoint/2010/main" val="2573477982"/>
+      </p:ext>
+    </p:extLst>
+  </p:cSld>
+  <p:clrMapOvr>
+    <a:masterClrMapping/>
+  </p:clrMapOvr>
+</p:sldLayout>
+</file>
+
+<file path=ppt/slideLayouts/slideLayout13.xml><?xml version="1.0" encoding="utf-8"?>
+<p:sldLayout xmlns:a="http://schemas.openxmlformats.org/drawingml/2006/main" xmlns:r="http://schemas.openxmlformats.org/officeDocument/2006/relationships" xmlns:p="http://schemas.openxmlformats.org/presentationml/2006/main" type="obj" preserve="1">
+  <p:cSld name="Title and Content">
+    <p:spTree>
+      <p:nvGrpSpPr>
+        <p:cNvPr id="1" name=""/>
+        <p:cNvGrpSpPr/>
+        <p:nvPr/>
+      </p:nvGrpSpPr>
+      <p:grpSpPr>
+        <a:xfrm>
+          <a:off x="0" y="0"/>
+          <a:ext cx="0" cy="0"/>
+          <a:chOff x="0" y="0"/>
+          <a:chExt cx="0" cy="0"/>
+        </a:xfrm>
+      </p:grpSpPr>
+      <p:sp>
+        <p:nvSpPr>
+          <p:cNvPr id="2" name="Title 1">
+            <a:extLst>
+              <a:ext uri="{FF2B5EF4-FFF2-40B4-BE49-F238E27FC236}">
+                <a16:creationId xmlns:a16="http://schemas.microsoft.com/office/drawing/2014/main" id="{84D32F66-0601-45B6-9CDC-4401CEDABD4B}"/>
+              </a:ext>
+            </a:extLst>
+          </p:cNvPr>
+          <p:cNvSpPr>
+            <a:spLocks noGrp="1"/>
+          </p:cNvSpPr>
+          <p:nvPr>
+            <p:ph type="title"/>
+          </p:nvPr>
+        </p:nvSpPr>
+        <p:spPr/>
+        <p:txBody>
+          <a:bodyPr/>
+          <a:lstStyle/>
+          <a:p>
+            <a:r>
+              <a:rPr lang="en-US"/>
+              <a:t>Click to edit Master title style</a:t>
+            </a:r>
+          </a:p>
+        </p:txBody>
+      </p:sp>
+      <p:sp>
+        <p:nvSpPr>
+          <p:cNvPr id="3" name="Content Placeholder 2">
+            <a:extLst>
+              <a:ext uri="{FF2B5EF4-FFF2-40B4-BE49-F238E27FC236}">
+                <a16:creationId xmlns:a16="http://schemas.microsoft.com/office/drawing/2014/main" id="{98DEB10D-A2F3-48C1-A57B-09B67B6C8015}"/>
+              </a:ext>
+            </a:extLst>
+          </p:cNvPr>
+          <p:cNvSpPr>
+            <a:spLocks noGrp="1"/>
+          </p:cNvSpPr>
+          <p:nvPr>
+            <p:ph idx="1"/>
+          </p:nvPr>
+        </p:nvSpPr>
+        <p:spPr/>
+        <p:txBody>
+          <a:bodyPr/>
+          <a:lstStyle/>
+          <a:p>
+            <a:pPr lvl="0"/>
+            <a:r>
+              <a:rPr lang="en-US"/>
+              <a:t>Click to edit Master text styles</a:t>
+            </a:r>
+          </a:p>
+          <a:p>
+            <a:pPr lvl="1"/>
+            <a:r>
+              <a:rPr lang="en-US"/>
+              <a:t>Second level</a:t>
+            </a:r>
+          </a:p>
+          <a:p>
+            <a:pPr lvl="2"/>
+            <a:r>
+              <a:rPr lang="en-US"/>
+              <a:t>Third level</a:t>
+            </a:r>
+          </a:p>
+          <a:p>
+            <a:pPr lvl="3"/>
+            <a:r>
+              <a:rPr lang="en-US"/>
+              <a:t>Fourth level</a:t>
+            </a:r>
+          </a:p>
+          <a:p>
+            <a:pPr lvl="4"/>
+            <a:r>
+              <a:rPr lang="en-US"/>
+              <a:t>Fifth level</a:t>
+            </a:r>
+          </a:p>
+        </p:txBody>
+      </p:sp>
+      <p:sp>
+        <p:nvSpPr>
+          <p:cNvPr id="4" name="Date Placeholder 3">
+            <a:extLst>
+              <a:ext uri="{FF2B5EF4-FFF2-40B4-BE49-F238E27FC236}">
+                <a16:creationId xmlns:a16="http://schemas.microsoft.com/office/drawing/2014/main" id="{531CF083-6589-4149-AFC3-956E4E50535A}"/>
+              </a:ext>
+            </a:extLst>
+          </p:cNvPr>
+          <p:cNvSpPr>
+            <a:spLocks noGrp="1"/>
+          </p:cNvSpPr>
+          <p:nvPr>
+            <p:ph type="dt" sz="half" idx="10"/>
+          </p:nvPr>
+        </p:nvSpPr>
+        <p:spPr/>
+        <p:txBody>
+          <a:bodyPr/>
+          <a:lstStyle/>
+          <a:p>
+            <a:fld id="{EF9567E5-5AFA-4DF7-B3AB-E8068D7777E4}" type="datetimeFigureOut">
+              <a:rPr lang="en-US" smtClean="0"/>
+              <a:t>2/3/2023</a:t>
+            </a:fld>
+            <a:endParaRPr lang="en-US"/>
+          </a:p>
+        </p:txBody>
+      </p:sp>
+      <p:sp>
+        <p:nvSpPr>
+          <p:cNvPr id="5" name="Footer Placeholder 4">
+            <a:extLst>
+              <a:ext uri="{FF2B5EF4-FFF2-40B4-BE49-F238E27FC236}">
+                <a16:creationId xmlns:a16="http://schemas.microsoft.com/office/drawing/2014/main" id="{A324F644-D429-4118-8EC3-94D7E5EF2682}"/>
+              </a:ext>
+            </a:extLst>
+          </p:cNvPr>
+          <p:cNvSpPr>
+            <a:spLocks noGrp="1"/>
+          </p:cNvSpPr>
+          <p:nvPr>
+            <p:ph type="ftr" sz="quarter" idx="11"/>
+          </p:nvPr>
+        </p:nvSpPr>
+        <p:spPr/>
+        <p:txBody>
+          <a:bodyPr/>
+          <a:lstStyle/>
+          <a:p>
+            <a:endParaRPr lang="en-US"/>
+          </a:p>
+        </p:txBody>
+      </p:sp>
+      <p:sp>
+        <p:nvSpPr>
+          <p:cNvPr id="6" name="Slide Number Placeholder 5">
+            <a:extLst>
+              <a:ext uri="{FF2B5EF4-FFF2-40B4-BE49-F238E27FC236}">
+                <a16:creationId xmlns:a16="http://schemas.microsoft.com/office/drawing/2014/main" id="{64E6A304-C741-4C6E-B810-E1D39305C921}"/>
+              </a:ext>
+            </a:extLst>
+          </p:cNvPr>
+          <p:cNvSpPr>
+            <a:spLocks noGrp="1"/>
+          </p:cNvSpPr>
+          <p:nvPr>
+            <p:ph type="sldNum" sz="quarter" idx="12"/>
+          </p:nvPr>
+        </p:nvSpPr>
+        <p:spPr/>
+        <p:txBody>
+          <a:bodyPr/>
+          <a:lstStyle/>
+          <a:p>
+            <a:fld id="{429812D8-2AB3-46F6-9FC7-630D3F80435C}" type="slidenum">
+              <a:rPr lang="en-US" smtClean="0"/>
+              <a:t>‹#›</a:t>
+            </a:fld>
+            <a:endParaRPr lang="en-US"/>
+          </a:p>
+        </p:txBody>
+      </p:sp>
+    </p:spTree>
+    <p:extLst>
+      <p:ext uri="{BB962C8B-B14F-4D97-AF65-F5344CB8AC3E}">
+        <p14:creationId xmlns:p14="http://schemas.microsoft.com/office/powerpoint/2010/main" val="1544091218"/>
+      </p:ext>
+    </p:extLst>
+  </p:cSld>
+  <p:clrMapOvr>
+    <a:masterClrMapping/>
+  </p:clrMapOvr>
+</p:sldLayout>
+</file>
+
+<file path=ppt/slideLayouts/slideLayout14.xml><?xml version="1.0" encoding="utf-8"?>
+<p:sldLayout xmlns:a="http://schemas.openxmlformats.org/drawingml/2006/main" xmlns:r="http://schemas.openxmlformats.org/officeDocument/2006/relationships" xmlns:p="http://schemas.openxmlformats.org/presentationml/2006/main" type="secHead" preserve="1">
+  <p:cSld name="Section Header">
+    <p:spTree>
+      <p:nvGrpSpPr>
+        <p:cNvPr id="1" name=""/>
+        <p:cNvGrpSpPr/>
+        <p:nvPr/>
+      </p:nvGrpSpPr>
+      <p:grpSpPr>
+        <a:xfrm>
+          <a:off x="0" y="0"/>
+          <a:ext cx="0" cy="0"/>
+          <a:chOff x="0" y="0"/>
+          <a:chExt cx="0" cy="0"/>
+        </a:xfrm>
+      </p:grpSpPr>
+      <p:sp>
+        <p:nvSpPr>
+          <p:cNvPr id="2" name="Title 1">
+            <a:extLst>
+              <a:ext uri="{FF2B5EF4-FFF2-40B4-BE49-F238E27FC236}">
+                <a16:creationId xmlns:a16="http://schemas.microsoft.com/office/drawing/2014/main" id="{9C3E9170-7992-42EF-9E58-C33BDB5AD019}"/>
+              </a:ext>
+            </a:extLst>
+          </p:cNvPr>
+          <p:cNvSpPr>
+            <a:spLocks noGrp="1"/>
+          </p:cNvSpPr>
+          <p:nvPr>
+            <p:ph type="title"/>
+          </p:nvPr>
+        </p:nvSpPr>
+        <p:spPr>
+          <a:xfrm>
+            <a:off x="831850" y="1709738"/>
+            <a:ext cx="10515600" cy="2852737"/>
+          </a:xfrm>
+        </p:spPr>
+        <p:txBody>
+          <a:bodyPr anchor="b"/>
+          <a:lstStyle>
+            <a:lvl1pPr>
+              <a:defRPr sz="6000"/>
+            </a:lvl1pPr>
+          </a:lstStyle>
+          <a:p>
+            <a:r>
+              <a:rPr lang="en-US"/>
+              <a:t>Click to edit Master title style</a:t>
+            </a:r>
+          </a:p>
+        </p:txBody>
+      </p:sp>
+      <p:sp>
+        <p:nvSpPr>
+          <p:cNvPr id="3" name="Text Placeholder 2">
+            <a:extLst>
+              <a:ext uri="{FF2B5EF4-FFF2-40B4-BE49-F238E27FC236}">
+                <a16:creationId xmlns:a16="http://schemas.microsoft.com/office/drawing/2014/main" id="{75C0797A-904F-4673-8BA1-095C5415EA6C}"/>
+              </a:ext>
+            </a:extLst>
+          </p:cNvPr>
+          <p:cNvSpPr>
+            <a:spLocks noGrp="1"/>
+          </p:cNvSpPr>
+          <p:nvPr>
+            <p:ph type="body" idx="1"/>
+          </p:nvPr>
+        </p:nvSpPr>
+        <p:spPr>
+          <a:xfrm>
+            <a:off x="831850" y="4589463"/>
+            <a:ext cx="10515600" cy="1500187"/>
+          </a:xfrm>
+        </p:spPr>
+        <p:txBody>
+          <a:bodyPr/>
+          <a:lstStyle>
+            <a:lvl1pPr marL="0" indent="0">
+              <a:buNone/>
+              <a:defRPr sz="2400">
+                <a:solidFill>
+                  <a:schemeClr val="tx1">
+                    <a:tint val="75000"/>
+                  </a:schemeClr>
+                </a:solidFill>
+              </a:defRPr>
+            </a:lvl1pPr>
+            <a:lvl2pPr marL="457200" indent="0">
+              <a:buNone/>
+              <a:defRPr sz="2000">
+                <a:solidFill>
+                  <a:schemeClr val="tx1">
+                    <a:tint val="75000"/>
+                  </a:schemeClr>
+                </a:solidFill>
+              </a:defRPr>
+            </a:lvl2pPr>
+            <a:lvl3pPr marL="914400" indent="0">
+              <a:buNone/>
+              <a:defRPr sz="1800">
+                <a:solidFill>
+                  <a:schemeClr val="tx1">
+                    <a:tint val="75000"/>
+                  </a:schemeClr>
+                </a:solidFill>
+              </a:defRPr>
+            </a:lvl3pPr>
+            <a:lvl4pPr marL="1371600" indent="0">
+              <a:buNone/>
+              <a:defRPr sz="1600">
+                <a:solidFill>
+                  <a:schemeClr val="tx1">
+                    <a:tint val="75000"/>
+                  </a:schemeClr>
+                </a:solidFill>
+              </a:defRPr>
+            </a:lvl4pPr>
+            <a:lvl5pPr marL="1828800" indent="0">
+              <a:buNone/>
+              <a:defRPr sz="1600">
+                <a:solidFill>
+                  <a:schemeClr val="tx1">
+                    <a:tint val="75000"/>
+                  </a:schemeClr>
+                </a:solidFill>
+              </a:defRPr>
+            </a:lvl5pPr>
+            <a:lvl6pPr marL="2286000" indent="0">
+              <a:buNone/>
+              <a:defRPr sz="1600">
+                <a:solidFill>
+                  <a:schemeClr val="tx1">
+                    <a:tint val="75000"/>
+                  </a:schemeClr>
+                </a:solidFill>
+              </a:defRPr>
+            </a:lvl6pPr>
+            <a:lvl7pPr marL="2743200" indent="0">
+              <a:buNone/>
+              <a:defRPr sz="1600">
+                <a:solidFill>
+                  <a:schemeClr val="tx1">
+                    <a:tint val="75000"/>
+                  </a:schemeClr>
+                </a:solidFill>
+              </a:defRPr>
+            </a:lvl7pPr>
+            <a:lvl8pPr marL="3200400" indent="0">
+              <a:buNone/>
+              <a:defRPr sz="1600">
+                <a:solidFill>
+                  <a:schemeClr val="tx1">
+                    <a:tint val="75000"/>
+                  </a:schemeClr>
+                </a:solidFill>
+              </a:defRPr>
+            </a:lvl8pPr>
+            <a:lvl9pPr marL="3657600" indent="0">
+              <a:buNone/>
+              <a:defRPr sz="1600">
+                <a:solidFill>
+                  <a:schemeClr val="tx1">
+                    <a:tint val="75000"/>
+                  </a:schemeClr>
+                </a:solidFill>
+              </a:defRPr>
+            </a:lvl9pPr>
+          </a:lstStyle>
+          <a:p>
+            <a:pPr lvl="0"/>
+            <a:r>
+              <a:rPr lang="en-US"/>
+              <a:t>Click to edit Master text styles</a:t>
+            </a:r>
+          </a:p>
+        </p:txBody>
+      </p:sp>
+      <p:sp>
+        <p:nvSpPr>
+          <p:cNvPr id="4" name="Date Placeholder 3">
+            <a:extLst>
+              <a:ext uri="{FF2B5EF4-FFF2-40B4-BE49-F238E27FC236}">
+                <a16:creationId xmlns:a16="http://schemas.microsoft.com/office/drawing/2014/main" id="{DC1BDD45-1616-418B-8BB3-CB026E9B576C}"/>
+              </a:ext>
+            </a:extLst>
+          </p:cNvPr>
+          <p:cNvSpPr>
+            <a:spLocks noGrp="1"/>
+          </p:cNvSpPr>
+          <p:nvPr>
+            <p:ph type="dt" sz="half" idx="10"/>
+          </p:nvPr>
+        </p:nvSpPr>
+        <p:spPr/>
+        <p:txBody>
+          <a:bodyPr/>
+          <a:lstStyle/>
+          <a:p>
+            <a:fld id="{EF9567E5-5AFA-4DF7-B3AB-E8068D7777E4}" type="datetimeFigureOut">
+              <a:rPr lang="en-US" smtClean="0"/>
+              <a:t>2/3/2023</a:t>
+            </a:fld>
+            <a:endParaRPr lang="en-US"/>
+          </a:p>
+        </p:txBody>
+      </p:sp>
+      <p:sp>
+        <p:nvSpPr>
+          <p:cNvPr id="5" name="Footer Placeholder 4">
+            <a:extLst>
+              <a:ext uri="{FF2B5EF4-FFF2-40B4-BE49-F238E27FC236}">
+                <a16:creationId xmlns:a16="http://schemas.microsoft.com/office/drawing/2014/main" id="{7F09BD4A-F19F-4834-84DF-21677798FD45}"/>
+              </a:ext>
+            </a:extLst>
+          </p:cNvPr>
+          <p:cNvSpPr>
+            <a:spLocks noGrp="1"/>
+          </p:cNvSpPr>
+          <p:nvPr>
+            <p:ph type="ftr" sz="quarter" idx="11"/>
+          </p:nvPr>
+        </p:nvSpPr>
+        <p:spPr/>
+        <p:txBody>
+          <a:bodyPr/>
+          <a:lstStyle/>
+          <a:p>
+            <a:endParaRPr lang="en-US"/>
+          </a:p>
+        </p:txBody>
+      </p:sp>
+      <p:sp>
+        <p:nvSpPr>
+          <p:cNvPr id="6" name="Slide Number Placeholder 5">
+            <a:extLst>
+              <a:ext uri="{FF2B5EF4-FFF2-40B4-BE49-F238E27FC236}">
+                <a16:creationId xmlns:a16="http://schemas.microsoft.com/office/drawing/2014/main" id="{6C50A756-BDA9-4BE2-87AF-850F9583DD61}"/>
+              </a:ext>
+            </a:extLst>
+          </p:cNvPr>
+          <p:cNvSpPr>
+            <a:spLocks noGrp="1"/>
+          </p:cNvSpPr>
+          <p:nvPr>
+            <p:ph type="sldNum" sz="quarter" idx="12"/>
+          </p:nvPr>
+        </p:nvSpPr>
+        <p:spPr/>
+        <p:txBody>
+          <a:bodyPr/>
+          <a:lstStyle/>
+          <a:p>
+            <a:fld id="{429812D8-2AB3-46F6-9FC7-630D3F80435C}" type="slidenum">
+              <a:rPr lang="en-US" smtClean="0"/>
+              <a:t>‹#›</a:t>
+            </a:fld>
+            <a:endParaRPr lang="en-US"/>
+          </a:p>
+        </p:txBody>
+      </p:sp>
+    </p:spTree>
+    <p:extLst>
+      <p:ext uri="{BB962C8B-B14F-4D97-AF65-F5344CB8AC3E}">
+        <p14:creationId xmlns:p14="http://schemas.microsoft.com/office/powerpoint/2010/main" val="3400729611"/>
+      </p:ext>
+    </p:extLst>
+  </p:cSld>
+  <p:clrMapOvr>
+    <a:masterClrMapping/>
+  </p:clrMapOvr>
+</p:sldLayout>
+</file>
+
+<file path=ppt/slideLayouts/slideLayout15.xml><?xml version="1.0" encoding="utf-8"?>
+<p:sldLayout xmlns:a="http://schemas.openxmlformats.org/drawingml/2006/main" xmlns:r="http://schemas.openxmlformats.org/officeDocument/2006/relationships" xmlns:p="http://schemas.openxmlformats.org/presentationml/2006/main" type="twoObj" preserve="1">
+  <p:cSld name="Two Content">
+    <p:spTree>
+      <p:nvGrpSpPr>
+        <p:cNvPr id="1" name=""/>
+        <p:cNvGrpSpPr/>
+        <p:nvPr/>
+      </p:nvGrpSpPr>
+      <p:grpSpPr>
+        <a:xfrm>
+          <a:off x="0" y="0"/>
+          <a:ext cx="0" cy="0"/>
+          <a:chOff x="0" y="0"/>
+          <a:chExt cx="0" cy="0"/>
+        </a:xfrm>
+      </p:grpSpPr>
+      <p:sp>
+        <p:nvSpPr>
+          <p:cNvPr id="2" name="Title 1">
+            <a:extLst>
+              <a:ext uri="{FF2B5EF4-FFF2-40B4-BE49-F238E27FC236}">
+                <a16:creationId xmlns:a16="http://schemas.microsoft.com/office/drawing/2014/main" id="{126965C0-6DD6-4940-B473-F51F017A27D2}"/>
+              </a:ext>
+            </a:extLst>
+          </p:cNvPr>
+          <p:cNvSpPr>
+            <a:spLocks noGrp="1"/>
+          </p:cNvSpPr>
+          <p:nvPr>
+            <p:ph type="title"/>
+          </p:nvPr>
+        </p:nvSpPr>
+        <p:spPr/>
+        <p:txBody>
+          <a:bodyPr/>
+          <a:lstStyle/>
+          <a:p>
+            <a:r>
+              <a:rPr lang="en-US"/>
+              <a:t>Click to edit Master title style</a:t>
+            </a:r>
+          </a:p>
+        </p:txBody>
+      </p:sp>
+      <p:sp>
+        <p:nvSpPr>
+          <p:cNvPr id="3" name="Content Placeholder 2">
+            <a:extLst>
+              <a:ext uri="{FF2B5EF4-FFF2-40B4-BE49-F238E27FC236}">
+                <a16:creationId xmlns:a16="http://schemas.microsoft.com/office/drawing/2014/main" id="{840FCA79-ECD5-48A8-A023-E5CFE71CFF89}"/>
+              </a:ext>
+            </a:extLst>
+          </p:cNvPr>
+          <p:cNvSpPr>
+            <a:spLocks noGrp="1"/>
+          </p:cNvSpPr>
+          <p:nvPr>
+            <p:ph sz="half" idx="1"/>
+          </p:nvPr>
+        </p:nvSpPr>
+        <p:spPr>
+          <a:xfrm>
+            <a:off x="838200" y="1825625"/>
+            <a:ext cx="5181600" cy="4351338"/>
+          </a:xfrm>
+        </p:spPr>
+        <p:txBody>
+          <a:bodyPr/>
+          <a:lstStyle/>
+          <a:p>
+            <a:pPr lvl="0"/>
+            <a:r>
+              <a:rPr lang="en-US"/>
+              <a:t>Click to edit Master text styles</a:t>
+            </a:r>
+          </a:p>
+          <a:p>
+            <a:pPr lvl="1"/>
+            <a:r>
+              <a:rPr lang="en-US"/>
+              <a:t>Second level</a:t>
+            </a:r>
+          </a:p>
+          <a:p>
+            <a:pPr lvl="2"/>
+            <a:r>
+              <a:rPr lang="en-US"/>
+              <a:t>Third level</a:t>
+            </a:r>
+          </a:p>
+          <a:p>
+            <a:pPr lvl="3"/>
+            <a:r>
+              <a:rPr lang="en-US"/>
+              <a:t>Fourth level</a:t>
+            </a:r>
+          </a:p>
+          <a:p>
+            <a:pPr lvl="4"/>
+            <a:r>
+              <a:rPr lang="en-US"/>
+              <a:t>Fifth level</a:t>
+            </a:r>
+          </a:p>
+        </p:txBody>
+      </p:sp>
+      <p:sp>
+        <p:nvSpPr>
+          <p:cNvPr id="4" name="Content Placeholder 3">
+            <a:extLst>
+              <a:ext uri="{FF2B5EF4-FFF2-40B4-BE49-F238E27FC236}">
+                <a16:creationId xmlns:a16="http://schemas.microsoft.com/office/drawing/2014/main" id="{2D8D3B72-87AC-4A61-B21B-69C739FD66F0}"/>
+              </a:ext>
+            </a:extLst>
+          </p:cNvPr>
+          <p:cNvSpPr>
+            <a:spLocks noGrp="1"/>
+          </p:cNvSpPr>
+          <p:nvPr>
+            <p:ph sz="half" idx="2"/>
+          </p:nvPr>
+        </p:nvSpPr>
+        <p:spPr>
+          <a:xfrm>
+            <a:off x="6172200" y="1825625"/>
+            <a:ext cx="5181600" cy="4351338"/>
+          </a:xfrm>
+        </p:spPr>
+        <p:txBody>
+          <a:bodyPr/>
+          <a:lstStyle/>
+          <a:p>
+            <a:pPr lvl="0"/>
+            <a:r>
+              <a:rPr lang="en-US"/>
+              <a:t>Click to edit Master text styles</a:t>
+            </a:r>
+          </a:p>
+          <a:p>
+            <a:pPr lvl="1"/>
+            <a:r>
+              <a:rPr lang="en-US"/>
+              <a:t>Second level</a:t>
+            </a:r>
+          </a:p>
+          <a:p>
+            <a:pPr lvl="2"/>
+            <a:r>
+              <a:rPr lang="en-US"/>
+              <a:t>Third level</a:t>
+            </a:r>
+          </a:p>
+          <a:p>
+            <a:pPr lvl="3"/>
+            <a:r>
+              <a:rPr lang="en-US"/>
+              <a:t>Fourth level</a:t>
+            </a:r>
+          </a:p>
+          <a:p>
+            <a:pPr lvl="4"/>
+            <a:r>
+              <a:rPr lang="en-US"/>
+              <a:t>Fifth level</a:t>
+            </a:r>
+          </a:p>
+        </p:txBody>
+      </p:sp>
+      <p:sp>
+        <p:nvSpPr>
+          <p:cNvPr id="5" name="Date Placeholder 4">
+            <a:extLst>
+              <a:ext uri="{FF2B5EF4-FFF2-40B4-BE49-F238E27FC236}">
+                <a16:creationId xmlns:a16="http://schemas.microsoft.com/office/drawing/2014/main" id="{2908AB40-FDAD-48D1-9C9A-CD24A6D21B33}"/>
+              </a:ext>
+            </a:extLst>
+          </p:cNvPr>
+          <p:cNvSpPr>
+            <a:spLocks noGrp="1"/>
+          </p:cNvSpPr>
+          <p:nvPr>
+            <p:ph type="dt" sz="half" idx="10"/>
+          </p:nvPr>
+        </p:nvSpPr>
+        <p:spPr/>
+        <p:txBody>
+          <a:bodyPr/>
+          <a:lstStyle/>
+          <a:p>
+            <a:fld id="{EF9567E5-5AFA-4DF7-B3AB-E8068D7777E4}" type="datetimeFigureOut">
+              <a:rPr lang="en-US" smtClean="0"/>
+              <a:t>2/3/2023</a:t>
+            </a:fld>
+            <a:endParaRPr lang="en-US"/>
+          </a:p>
+        </p:txBody>
+      </p:sp>
+      <p:sp>
+        <p:nvSpPr>
+          <p:cNvPr id="6" name="Footer Placeholder 5">
+            <a:extLst>
+              <a:ext uri="{FF2B5EF4-FFF2-40B4-BE49-F238E27FC236}">
+                <a16:creationId xmlns:a16="http://schemas.microsoft.com/office/drawing/2014/main" id="{BEC2AFC6-DD84-44D5-B478-27619A969E8A}"/>
+              </a:ext>
+            </a:extLst>
+          </p:cNvPr>
+          <p:cNvSpPr>
+            <a:spLocks noGrp="1"/>
+          </p:cNvSpPr>
+          <p:nvPr>
+            <p:ph type="ftr" sz="quarter" idx="11"/>
+          </p:nvPr>
+        </p:nvSpPr>
+        <p:spPr/>
+        <p:txBody>
+          <a:bodyPr/>
+          <a:lstStyle/>
+          <a:p>
+            <a:endParaRPr lang="en-US"/>
+          </a:p>
+        </p:txBody>
+      </p:sp>
+      <p:sp>
+        <p:nvSpPr>
+          <p:cNvPr id="7" name="Slide Number Placeholder 6">
+            <a:extLst>
+              <a:ext uri="{FF2B5EF4-FFF2-40B4-BE49-F238E27FC236}">
+                <a16:creationId xmlns:a16="http://schemas.microsoft.com/office/drawing/2014/main" id="{005F1B69-287F-48A5-BB3E-69DD7CEE0150}"/>
+              </a:ext>
+            </a:extLst>
+          </p:cNvPr>
+          <p:cNvSpPr>
+            <a:spLocks noGrp="1"/>
+          </p:cNvSpPr>
+          <p:nvPr>
+            <p:ph type="sldNum" sz="quarter" idx="12"/>
+          </p:nvPr>
+        </p:nvSpPr>
+        <p:spPr/>
+        <p:txBody>
+          <a:bodyPr/>
+          <a:lstStyle/>
+          <a:p>
+            <a:fld id="{429812D8-2AB3-46F6-9FC7-630D3F80435C}" type="slidenum">
+              <a:rPr lang="en-US" smtClean="0"/>
+              <a:t>‹#›</a:t>
+            </a:fld>
+            <a:endParaRPr lang="en-US"/>
+          </a:p>
+        </p:txBody>
+      </p:sp>
+    </p:spTree>
+    <p:extLst>
+      <p:ext uri="{BB962C8B-B14F-4D97-AF65-F5344CB8AC3E}">
+        <p14:creationId xmlns:p14="http://schemas.microsoft.com/office/powerpoint/2010/main" val="1627530288"/>
+      </p:ext>
+    </p:extLst>
+  </p:cSld>
+  <p:clrMapOvr>
+    <a:masterClrMapping/>
+  </p:clrMapOvr>
+</p:sldLayout>
+</file>
+
+<file path=ppt/slideLayouts/slideLayout16.xml><?xml version="1.0" encoding="utf-8"?>
+<p:sldLayout xmlns:a="http://schemas.openxmlformats.org/drawingml/2006/main" xmlns:r="http://schemas.openxmlformats.org/officeDocument/2006/relationships" xmlns:p="http://schemas.openxmlformats.org/presentationml/2006/main" type="twoTxTwoObj" preserve="1">
+  <p:cSld name="Comparison">
+    <p:spTree>
+      <p:nvGrpSpPr>
+        <p:cNvPr id="1" name=""/>
+        <p:cNvGrpSpPr/>
+        <p:nvPr/>
+      </p:nvGrpSpPr>
+      <p:grpSpPr>
+        <a:xfrm>
+          <a:off x="0" y="0"/>
+          <a:ext cx="0" cy="0"/>
+          <a:chOff x="0" y="0"/>
+          <a:chExt cx="0" cy="0"/>
+        </a:xfrm>
+      </p:grpSpPr>
+      <p:sp>
+        <p:nvSpPr>
+          <p:cNvPr id="2" name="Title 1">
+            <a:extLst>
+              <a:ext uri="{FF2B5EF4-FFF2-40B4-BE49-F238E27FC236}">
+                <a16:creationId xmlns:a16="http://schemas.microsoft.com/office/drawing/2014/main" id="{23925EE0-16A8-4A0F-B95D-D4AA49B20685}"/>
+              </a:ext>
+            </a:extLst>
+          </p:cNvPr>
+          <p:cNvSpPr>
+            <a:spLocks noGrp="1"/>
+          </p:cNvSpPr>
+          <p:nvPr>
+            <p:ph type="title"/>
+          </p:nvPr>
+        </p:nvSpPr>
+        <p:spPr>
+          <a:xfrm>
+            <a:off x="839788" y="365125"/>
+            <a:ext cx="10515600" cy="1325563"/>
+          </a:xfrm>
+        </p:spPr>
+        <p:txBody>
+          <a:bodyPr/>
+          <a:lstStyle/>
+          <a:p>
+            <a:r>
+              <a:rPr lang="en-US"/>
+              <a:t>Click to edit Master title style</a:t>
+            </a:r>
+          </a:p>
+        </p:txBody>
+      </p:sp>
+      <p:sp>
+        <p:nvSpPr>
+          <p:cNvPr id="3" name="Text Placeholder 2">
+            <a:extLst>
+              <a:ext uri="{FF2B5EF4-FFF2-40B4-BE49-F238E27FC236}">
+                <a16:creationId xmlns:a16="http://schemas.microsoft.com/office/drawing/2014/main" id="{2763BB32-3D0E-4D3F-94B2-476B71D2B35C}"/>
+              </a:ext>
+            </a:extLst>
+          </p:cNvPr>
+          <p:cNvSpPr>
+            <a:spLocks noGrp="1"/>
+          </p:cNvSpPr>
+          <p:nvPr>
+            <p:ph type="body" idx="1"/>
+          </p:nvPr>
+        </p:nvSpPr>
+        <p:spPr>
+          <a:xfrm>
+            <a:off x="839788" y="1681163"/>
+            <a:ext cx="5157787" cy="823912"/>
+          </a:xfrm>
+        </p:spPr>
+        <p:txBody>
+          <a:bodyPr anchor="b"/>
+          <a:lstStyle>
+            <a:lvl1pPr marL="0" indent="0">
+              <a:buNone/>
+              <a:defRPr sz="2400" b="1"/>
+            </a:lvl1pPr>
+            <a:lvl2pPr marL="457200" indent="0">
+              <a:buNone/>
+              <a:defRPr sz="2000" b="1"/>
+            </a:lvl2pPr>
+            <a:lvl3pPr marL="914400" indent="0">
+              <a:buNone/>
+              <a:defRPr sz="1800" b="1"/>
+            </a:lvl3pPr>
+            <a:lvl4pPr marL="1371600" indent="0">
+              <a:buNone/>
+              <a:defRPr sz="1600" b="1"/>
+            </a:lvl4pPr>
+            <a:lvl5pPr marL="1828800" indent="0">
+              <a:buNone/>
+              <a:defRPr sz="1600" b="1"/>
+            </a:lvl5pPr>
+            <a:lvl6pPr marL="2286000" indent="0">
+              <a:buNone/>
+              <a:defRPr sz="1600" b="1"/>
+            </a:lvl6pPr>
+            <a:lvl7pPr marL="2743200" indent="0">
+              <a:buNone/>
+              <a:defRPr sz="1600" b="1"/>
+            </a:lvl7pPr>
+            <a:lvl8pPr marL="3200400" indent="0">
+              <a:buNone/>
+              <a:defRPr sz="1600" b="1"/>
+            </a:lvl8pPr>
+            <a:lvl9pPr marL="3657600" indent="0">
+              <a:buNone/>
+              <a:defRPr sz="1600" b="1"/>
+            </a:lvl9pPr>
+          </a:lstStyle>
+          <a:p>
+            <a:pPr lvl="0"/>
+            <a:r>
+              <a:rPr lang="en-US"/>
+              <a:t>Click to edit Master text styles</a:t>
+            </a:r>
+          </a:p>
+        </p:txBody>
+      </p:sp>
+      <p:sp>
+        <p:nvSpPr>
+          <p:cNvPr id="4" name="Content Placeholder 3">
+            <a:extLst>
+              <a:ext uri="{FF2B5EF4-FFF2-40B4-BE49-F238E27FC236}">
+                <a16:creationId xmlns:a16="http://schemas.microsoft.com/office/drawing/2014/main" id="{FC91132C-EAFD-4157-8ED4-7803F7167C8E}"/>
+              </a:ext>
+            </a:extLst>
+          </p:cNvPr>
+          <p:cNvSpPr>
+            <a:spLocks noGrp="1"/>
+          </p:cNvSpPr>
+          <p:nvPr>
+            <p:ph sz="half" idx="2"/>
+          </p:nvPr>
+        </p:nvSpPr>
+        <p:spPr>
+          <a:xfrm>
+            <a:off x="839788" y="2505075"/>
+            <a:ext cx="5157787" cy="3684588"/>
+          </a:xfrm>
+        </p:spPr>
+        <p:txBody>
+          <a:bodyPr/>
+          <a:lstStyle/>
+          <a:p>
+            <a:pPr lvl="0"/>
+            <a:r>
+              <a:rPr lang="en-US"/>
+              <a:t>Click to edit Master text styles</a:t>
+            </a:r>
+          </a:p>
+          <a:p>
+            <a:pPr lvl="1"/>
+            <a:r>
+              <a:rPr lang="en-US"/>
+              <a:t>Second level</a:t>
+            </a:r>
+          </a:p>
+          <a:p>
+            <a:pPr lvl="2"/>
+            <a:r>
+              <a:rPr lang="en-US"/>
+              <a:t>Third level</a:t>
+            </a:r>
+          </a:p>
+          <a:p>
+            <a:pPr lvl="3"/>
+            <a:r>
+              <a:rPr lang="en-US"/>
+              <a:t>Fourth level</a:t>
+            </a:r>
+          </a:p>
+          <a:p>
+            <a:pPr lvl="4"/>
+            <a:r>
+              <a:rPr lang="en-US"/>
+              <a:t>Fifth level</a:t>
+            </a:r>
+          </a:p>
+        </p:txBody>
+      </p:sp>
+      <p:sp>
+        <p:nvSpPr>
+          <p:cNvPr id="5" name="Text Placeholder 4">
+            <a:extLst>
+              <a:ext uri="{FF2B5EF4-FFF2-40B4-BE49-F238E27FC236}">
+                <a16:creationId xmlns:a16="http://schemas.microsoft.com/office/drawing/2014/main" id="{9C7C6BE9-16F7-4A30-B175-215D2859A4F2}"/>
+              </a:ext>
+            </a:extLst>
+          </p:cNvPr>
+          <p:cNvSpPr>
+            <a:spLocks noGrp="1"/>
+          </p:cNvSpPr>
+          <p:nvPr>
+            <p:ph type="body" sz="quarter" idx="3"/>
+          </p:nvPr>
+        </p:nvSpPr>
+        <p:spPr>
+          <a:xfrm>
+            <a:off x="6172200" y="1681163"/>
+            <a:ext cx="5183188" cy="823912"/>
+          </a:xfrm>
+        </p:spPr>
+        <p:txBody>
+          <a:bodyPr anchor="b"/>
+          <a:lstStyle>
+            <a:lvl1pPr marL="0" indent="0">
+              <a:buNone/>
+              <a:defRPr sz="2400" b="1"/>
+            </a:lvl1pPr>
+            <a:lvl2pPr marL="457200" indent="0">
+              <a:buNone/>
+              <a:defRPr sz="2000" b="1"/>
+            </a:lvl2pPr>
+            <a:lvl3pPr marL="914400" indent="0">
+              <a:buNone/>
+              <a:defRPr sz="1800" b="1"/>
+            </a:lvl3pPr>
+            <a:lvl4pPr marL="1371600" indent="0">
+              <a:buNone/>
+              <a:defRPr sz="1600" b="1"/>
+            </a:lvl4pPr>
+            <a:lvl5pPr marL="1828800" indent="0">
+              <a:buNone/>
+              <a:defRPr sz="1600" b="1"/>
+            </a:lvl5pPr>
+            <a:lvl6pPr marL="2286000" indent="0">
+              <a:buNone/>
+              <a:defRPr sz="1600" b="1"/>
+            </a:lvl6pPr>
+            <a:lvl7pPr marL="2743200" indent="0">
+              <a:buNone/>
+              <a:defRPr sz="1600" b="1"/>
+            </a:lvl7pPr>
+            <a:lvl8pPr marL="3200400" indent="0">
+              <a:buNone/>
+              <a:defRPr sz="1600" b="1"/>
+            </a:lvl8pPr>
+            <a:lvl9pPr marL="3657600" indent="0">
+              <a:buNone/>
+              <a:defRPr sz="1600" b="1"/>
+            </a:lvl9pPr>
+          </a:lstStyle>
+          <a:p>
+            <a:pPr lvl="0"/>
+            <a:r>
+              <a:rPr lang="en-US"/>
+              <a:t>Click to edit Master text styles</a:t>
+            </a:r>
+          </a:p>
+        </p:txBody>
+      </p:sp>
+      <p:sp>
+        <p:nvSpPr>
+          <p:cNvPr id="6" name="Content Placeholder 5">
+            <a:extLst>
+              <a:ext uri="{FF2B5EF4-FFF2-40B4-BE49-F238E27FC236}">
+                <a16:creationId xmlns:a16="http://schemas.microsoft.com/office/drawing/2014/main" id="{C8C002BF-B066-40C7-A02B-52DFA898E907}"/>
+              </a:ext>
+            </a:extLst>
+          </p:cNvPr>
+          <p:cNvSpPr>
+            <a:spLocks noGrp="1"/>
+          </p:cNvSpPr>
+          <p:nvPr>
+            <p:ph sz="quarter" idx="4"/>
+          </p:nvPr>
+        </p:nvSpPr>
+        <p:spPr>
+          <a:xfrm>
+            <a:off x="6172200" y="2505075"/>
+            <a:ext cx="5183188" cy="3684588"/>
+          </a:xfrm>
+        </p:spPr>
+        <p:txBody>
+          <a:bodyPr/>
+          <a:lstStyle/>
+          <a:p>
+            <a:pPr lvl="0"/>
+            <a:r>
+              <a:rPr lang="en-US"/>
+              <a:t>Click to edit Master text styles</a:t>
+            </a:r>
+          </a:p>
+          <a:p>
+            <a:pPr lvl="1"/>
+            <a:r>
+              <a:rPr lang="en-US"/>
+              <a:t>Second level</a:t>
+            </a:r>
+          </a:p>
+          <a:p>
+            <a:pPr lvl="2"/>
+            <a:r>
+              <a:rPr lang="en-US"/>
+              <a:t>Third level</a:t>
+            </a:r>
+          </a:p>
+          <a:p>
+            <a:pPr lvl="3"/>
+            <a:r>
+              <a:rPr lang="en-US"/>
+              <a:t>Fourth level</a:t>
+            </a:r>
+          </a:p>
+          <a:p>
+            <a:pPr lvl="4"/>
+            <a:r>
+              <a:rPr lang="en-US"/>
+              <a:t>Fifth level</a:t>
+            </a:r>
+          </a:p>
+        </p:txBody>
+      </p:sp>
+      <p:sp>
+        <p:nvSpPr>
+          <p:cNvPr id="7" name="Date Placeholder 6">
+            <a:extLst>
+              <a:ext uri="{FF2B5EF4-FFF2-40B4-BE49-F238E27FC236}">
+                <a16:creationId xmlns:a16="http://schemas.microsoft.com/office/drawing/2014/main" id="{4E948BE3-D197-4A5B-9E19-E0E90BAB6426}"/>
+              </a:ext>
+            </a:extLst>
+          </p:cNvPr>
+          <p:cNvSpPr>
+            <a:spLocks noGrp="1"/>
+          </p:cNvSpPr>
+          <p:nvPr>
+            <p:ph type="dt" sz="half" idx="10"/>
+          </p:nvPr>
+        </p:nvSpPr>
+        <p:spPr/>
+        <p:txBody>
+          <a:bodyPr/>
+          <a:lstStyle/>
+          <a:p>
+            <a:fld id="{EF9567E5-5AFA-4DF7-B3AB-E8068D7777E4}" type="datetimeFigureOut">
+              <a:rPr lang="en-US" smtClean="0"/>
+              <a:t>2/3/2023</a:t>
+            </a:fld>
+            <a:endParaRPr lang="en-US"/>
+          </a:p>
+        </p:txBody>
+      </p:sp>
+      <p:sp>
+        <p:nvSpPr>
+          <p:cNvPr id="8" name="Footer Placeholder 7">
+            <a:extLst>
+              <a:ext uri="{FF2B5EF4-FFF2-40B4-BE49-F238E27FC236}">
+                <a16:creationId xmlns:a16="http://schemas.microsoft.com/office/drawing/2014/main" id="{49CE389A-E32D-4009-8353-01DA1E4D4D42}"/>
+              </a:ext>
+            </a:extLst>
+          </p:cNvPr>
+          <p:cNvSpPr>
+            <a:spLocks noGrp="1"/>
+          </p:cNvSpPr>
+          <p:nvPr>
+            <p:ph type="ftr" sz="quarter" idx="11"/>
+          </p:nvPr>
+        </p:nvSpPr>
+        <p:spPr/>
+        <p:txBody>
+          <a:bodyPr/>
+          <a:lstStyle/>
+          <a:p>
+            <a:endParaRPr lang="en-US"/>
+          </a:p>
+        </p:txBody>
+      </p:sp>
+      <p:sp>
+        <p:nvSpPr>
+          <p:cNvPr id="9" name="Slide Number Placeholder 8">
+            <a:extLst>
+              <a:ext uri="{FF2B5EF4-FFF2-40B4-BE49-F238E27FC236}">
+                <a16:creationId xmlns:a16="http://schemas.microsoft.com/office/drawing/2014/main" id="{C643FEAC-D835-4EB4-8338-AABFE324B89B}"/>
+              </a:ext>
+            </a:extLst>
+          </p:cNvPr>
+          <p:cNvSpPr>
+            <a:spLocks noGrp="1"/>
+          </p:cNvSpPr>
+          <p:nvPr>
+            <p:ph type="sldNum" sz="quarter" idx="12"/>
+          </p:nvPr>
+        </p:nvSpPr>
+        <p:spPr/>
+        <p:txBody>
+          <a:bodyPr/>
+          <a:lstStyle/>
+          <a:p>
+            <a:fld id="{429812D8-2AB3-46F6-9FC7-630D3F80435C}" type="slidenum">
+              <a:rPr lang="en-US" smtClean="0"/>
+              <a:t>‹#›</a:t>
+            </a:fld>
+            <a:endParaRPr lang="en-US"/>
+          </a:p>
+        </p:txBody>
+      </p:sp>
+    </p:spTree>
+    <p:extLst>
+      <p:ext uri="{BB962C8B-B14F-4D97-AF65-F5344CB8AC3E}">
+        <p14:creationId xmlns:p14="http://schemas.microsoft.com/office/powerpoint/2010/main" val="645484731"/>
+      </p:ext>
+    </p:extLst>
+  </p:cSld>
+  <p:clrMapOvr>
+    <a:masterClrMapping/>
+  </p:clrMapOvr>
+</p:sldLayout>
+</file>
+
+<file path=ppt/slideLayouts/slideLayout17.xml><?xml version="1.0" encoding="utf-8"?>
+<p:sldLayout xmlns:a="http://schemas.openxmlformats.org/drawingml/2006/main" xmlns:r="http://schemas.openxmlformats.org/officeDocument/2006/relationships" xmlns:p="http://schemas.openxmlformats.org/presentationml/2006/main" type="titleOnly" preserve="1">
+  <p:cSld name="Title Only">
+    <p:spTree>
+      <p:nvGrpSpPr>
+        <p:cNvPr id="1" name=""/>
+        <p:cNvGrpSpPr/>
+        <p:nvPr/>
+      </p:nvGrpSpPr>
+      <p:grpSpPr>
+        <a:xfrm>
+          <a:off x="0" y="0"/>
+          <a:ext cx="0" cy="0"/>
+          <a:chOff x="0" y="0"/>
+          <a:chExt cx="0" cy="0"/>
+        </a:xfrm>
+      </p:grpSpPr>
+      <p:sp>
+        <p:nvSpPr>
+          <p:cNvPr id="2" name="Title 1">
+            <a:extLst>
+              <a:ext uri="{FF2B5EF4-FFF2-40B4-BE49-F238E27FC236}">
+                <a16:creationId xmlns:a16="http://schemas.microsoft.com/office/drawing/2014/main" id="{857DF22B-EDE3-439A-9A82-1F6C152AF794}"/>
+              </a:ext>
+            </a:extLst>
+          </p:cNvPr>
+          <p:cNvSpPr>
+            <a:spLocks noGrp="1"/>
+          </p:cNvSpPr>
+          <p:nvPr>
+            <p:ph type="title"/>
+          </p:nvPr>
+        </p:nvSpPr>
+        <p:spPr/>
+        <p:txBody>
+          <a:bodyPr/>
+          <a:lstStyle/>
+          <a:p>
+            <a:r>
+              <a:rPr lang="en-US"/>
+              <a:t>Click to edit Master title style</a:t>
+            </a:r>
+          </a:p>
+        </p:txBody>
+      </p:sp>
+      <p:sp>
+        <p:nvSpPr>
+          <p:cNvPr id="3" name="Date Placeholder 2">
+            <a:extLst>
+              <a:ext uri="{FF2B5EF4-FFF2-40B4-BE49-F238E27FC236}">
+                <a16:creationId xmlns:a16="http://schemas.microsoft.com/office/drawing/2014/main" id="{A3791C8A-0B79-4353-B610-C3447D047221}"/>
+              </a:ext>
+            </a:extLst>
+          </p:cNvPr>
+          <p:cNvSpPr>
+            <a:spLocks noGrp="1"/>
+          </p:cNvSpPr>
+          <p:nvPr>
+            <p:ph type="dt" sz="half" idx="10"/>
+          </p:nvPr>
+        </p:nvSpPr>
+        <p:spPr/>
+        <p:txBody>
+          <a:bodyPr/>
+          <a:lstStyle/>
+          <a:p>
+            <a:fld id="{EF9567E5-5AFA-4DF7-B3AB-E8068D7777E4}" type="datetimeFigureOut">
+              <a:rPr lang="en-US" smtClean="0"/>
+              <a:t>2/3/2023</a:t>
+            </a:fld>
+            <a:endParaRPr lang="en-US"/>
+          </a:p>
+        </p:txBody>
+      </p:sp>
+      <p:sp>
+        <p:nvSpPr>
+          <p:cNvPr id="4" name="Footer Placeholder 3">
+            <a:extLst>
+              <a:ext uri="{FF2B5EF4-FFF2-40B4-BE49-F238E27FC236}">
+                <a16:creationId xmlns:a16="http://schemas.microsoft.com/office/drawing/2014/main" id="{515DFA3D-0ADD-4F31-A4DC-1E8F291DA744}"/>
+              </a:ext>
+            </a:extLst>
+          </p:cNvPr>
+          <p:cNvSpPr>
+            <a:spLocks noGrp="1"/>
+          </p:cNvSpPr>
+          <p:nvPr>
+            <p:ph type="ftr" sz="quarter" idx="11"/>
+          </p:nvPr>
+        </p:nvSpPr>
+        <p:spPr/>
+        <p:txBody>
+          <a:bodyPr/>
+          <a:lstStyle/>
+          <a:p>
+            <a:endParaRPr lang="en-US"/>
+          </a:p>
+        </p:txBody>
+      </p:sp>
+      <p:sp>
+        <p:nvSpPr>
+          <p:cNvPr id="5" name="Slide Number Placeholder 4">
+            <a:extLst>
+              <a:ext uri="{FF2B5EF4-FFF2-40B4-BE49-F238E27FC236}">
+                <a16:creationId xmlns:a16="http://schemas.microsoft.com/office/drawing/2014/main" id="{E21AEA6A-8F11-4A64-A1F8-5B8D22201493}"/>
+              </a:ext>
+            </a:extLst>
+          </p:cNvPr>
+          <p:cNvSpPr>
+            <a:spLocks noGrp="1"/>
+          </p:cNvSpPr>
+          <p:nvPr>
+            <p:ph type="sldNum" sz="quarter" idx="12"/>
+          </p:nvPr>
+        </p:nvSpPr>
+        <p:spPr/>
+        <p:txBody>
+          <a:bodyPr/>
+          <a:lstStyle/>
+          <a:p>
+            <a:fld id="{429812D8-2AB3-46F6-9FC7-630D3F80435C}" type="slidenum">
+              <a:rPr lang="en-US" smtClean="0"/>
+              <a:t>‹#›</a:t>
+            </a:fld>
+            <a:endParaRPr lang="en-US"/>
+          </a:p>
+        </p:txBody>
+      </p:sp>
+    </p:spTree>
+    <p:extLst>
+      <p:ext uri="{BB962C8B-B14F-4D97-AF65-F5344CB8AC3E}">
+        <p14:creationId xmlns:p14="http://schemas.microsoft.com/office/powerpoint/2010/main" val="4217848306"/>
+      </p:ext>
+    </p:extLst>
+  </p:cSld>
+  <p:clrMapOvr>
+    <a:masterClrMapping/>
+  </p:clrMapOvr>
+</p:sldLayout>
+</file>
+
+<file path=ppt/slideLayouts/slideLayout18.xml><?xml version="1.0" encoding="utf-8"?>
+<p:sldLayout xmlns:a="http://schemas.openxmlformats.org/drawingml/2006/main" xmlns:r="http://schemas.openxmlformats.org/officeDocument/2006/relationships" xmlns:p="http://schemas.openxmlformats.org/presentationml/2006/main" type="blank" preserve="1">
+  <p:cSld name="Blank">
+    <p:spTree>
+      <p:nvGrpSpPr>
+        <p:cNvPr id="1" name=""/>
+        <p:cNvGrpSpPr/>
+        <p:nvPr/>
+      </p:nvGrpSpPr>
+      <p:grpSpPr>
+        <a:xfrm>
+          <a:off x="0" y="0"/>
+          <a:ext cx="0" cy="0"/>
+          <a:chOff x="0" y="0"/>
+          <a:chExt cx="0" cy="0"/>
+        </a:xfrm>
+      </p:grpSpPr>
+      <p:sp>
+        <p:nvSpPr>
+          <p:cNvPr id="2" name="Date Placeholder 1">
+            <a:extLst>
+              <a:ext uri="{FF2B5EF4-FFF2-40B4-BE49-F238E27FC236}">
+                <a16:creationId xmlns:a16="http://schemas.microsoft.com/office/drawing/2014/main" id="{35EE87B6-4238-4044-AD19-892480B6BBF8}"/>
+              </a:ext>
+            </a:extLst>
+          </p:cNvPr>
+          <p:cNvSpPr>
+            <a:spLocks noGrp="1"/>
+          </p:cNvSpPr>
+          <p:nvPr>
+            <p:ph type="dt" sz="half" idx="10"/>
+          </p:nvPr>
+        </p:nvSpPr>
+        <p:spPr/>
+        <p:txBody>
+          <a:bodyPr/>
+          <a:lstStyle/>
+          <a:p>
+            <a:fld id="{EF9567E5-5AFA-4DF7-B3AB-E8068D7777E4}" type="datetimeFigureOut">
+              <a:rPr lang="en-US" smtClean="0"/>
+              <a:t>2/3/2023</a:t>
+            </a:fld>
+            <a:endParaRPr lang="en-US"/>
+          </a:p>
+        </p:txBody>
+      </p:sp>
+      <p:sp>
+        <p:nvSpPr>
+          <p:cNvPr id="3" name="Footer Placeholder 2">
+            <a:extLst>
+              <a:ext uri="{FF2B5EF4-FFF2-40B4-BE49-F238E27FC236}">
+                <a16:creationId xmlns:a16="http://schemas.microsoft.com/office/drawing/2014/main" id="{87F4D29F-0DE7-4C04-9E32-9ADD47CE0CC1}"/>
+              </a:ext>
+            </a:extLst>
+          </p:cNvPr>
+          <p:cNvSpPr>
+            <a:spLocks noGrp="1"/>
+          </p:cNvSpPr>
+          <p:nvPr>
+            <p:ph type="ftr" sz="quarter" idx="11"/>
+          </p:nvPr>
+        </p:nvSpPr>
+        <p:spPr/>
+        <p:txBody>
+          <a:bodyPr/>
+          <a:lstStyle/>
+          <a:p>
+            <a:endParaRPr lang="en-US"/>
+          </a:p>
+        </p:txBody>
+      </p:sp>
+      <p:sp>
+        <p:nvSpPr>
+          <p:cNvPr id="4" name="Slide Number Placeholder 3">
+            <a:extLst>
+              <a:ext uri="{FF2B5EF4-FFF2-40B4-BE49-F238E27FC236}">
+                <a16:creationId xmlns:a16="http://schemas.microsoft.com/office/drawing/2014/main" id="{A8A68114-E8B9-4A18-9868-27BB0C4E9029}"/>
+              </a:ext>
+            </a:extLst>
+          </p:cNvPr>
+          <p:cNvSpPr>
+            <a:spLocks noGrp="1"/>
+          </p:cNvSpPr>
+          <p:nvPr>
+            <p:ph type="sldNum" sz="quarter" idx="12"/>
+          </p:nvPr>
+        </p:nvSpPr>
+        <p:spPr/>
+        <p:txBody>
+          <a:bodyPr/>
+          <a:lstStyle/>
+          <a:p>
+            <a:fld id="{429812D8-2AB3-46F6-9FC7-630D3F80435C}" type="slidenum">
+              <a:rPr lang="en-US" smtClean="0"/>
+              <a:t>‹#›</a:t>
+            </a:fld>
+            <a:endParaRPr lang="en-US"/>
+          </a:p>
+        </p:txBody>
+      </p:sp>
+    </p:spTree>
+    <p:extLst>
+      <p:ext uri="{BB962C8B-B14F-4D97-AF65-F5344CB8AC3E}">
+        <p14:creationId xmlns:p14="http://schemas.microsoft.com/office/powerpoint/2010/main" val="3589581116"/>
+      </p:ext>
+    </p:extLst>
+  </p:cSld>
+  <p:clrMapOvr>
+    <a:masterClrMapping/>
+  </p:clrMapOvr>
+</p:sldLayout>
+</file>
+
+<file path=ppt/slideLayouts/slideLayout19.xml><?xml version="1.0" encoding="utf-8"?>
+<p:sldLayout xmlns:a="http://schemas.openxmlformats.org/drawingml/2006/main" xmlns:r="http://schemas.openxmlformats.org/officeDocument/2006/relationships" xmlns:p="http://schemas.openxmlformats.org/presentationml/2006/main" type="objTx" preserve="1">
+  <p:cSld name="Content with Caption">
+    <p:spTree>
+      <p:nvGrpSpPr>
+        <p:cNvPr id="1" name=""/>
+        <p:cNvGrpSpPr/>
+        <p:nvPr/>
+      </p:nvGrpSpPr>
+      <p:grpSpPr>
+        <a:xfrm>
+          <a:off x="0" y="0"/>
+          <a:ext cx="0" cy="0"/>
+          <a:chOff x="0" y="0"/>
+          <a:chExt cx="0" cy="0"/>
+        </a:xfrm>
+      </p:grpSpPr>
+      <p:sp>
+        <p:nvSpPr>
+          <p:cNvPr id="2" name="Title 1">
+            <a:extLst>
+              <a:ext uri="{FF2B5EF4-FFF2-40B4-BE49-F238E27FC236}">
+                <a16:creationId xmlns:a16="http://schemas.microsoft.com/office/drawing/2014/main" id="{76FDB28E-6AE9-48AC-A87B-82C3490A75B6}"/>
+              </a:ext>
+            </a:extLst>
+          </p:cNvPr>
+          <p:cNvSpPr>
+            <a:spLocks noGrp="1"/>
+          </p:cNvSpPr>
+          <p:nvPr>
+            <p:ph type="title"/>
+          </p:nvPr>
+        </p:nvSpPr>
+        <p:spPr>
+          <a:xfrm>
+            <a:off x="839788" y="457200"/>
+            <a:ext cx="3932237" cy="1600200"/>
+          </a:xfrm>
+        </p:spPr>
+        <p:txBody>
+          <a:bodyPr anchor="b"/>
+          <a:lstStyle>
+            <a:lvl1pPr>
+              <a:defRPr sz="3200"/>
+            </a:lvl1pPr>
+          </a:lstStyle>
+          <a:p>
+            <a:r>
+              <a:rPr lang="en-US"/>
+              <a:t>Click to edit Master title style</a:t>
+            </a:r>
+          </a:p>
+        </p:txBody>
+      </p:sp>
+      <p:sp>
+        <p:nvSpPr>
+          <p:cNvPr id="3" name="Content Placeholder 2">
+            <a:extLst>
+              <a:ext uri="{FF2B5EF4-FFF2-40B4-BE49-F238E27FC236}">
+                <a16:creationId xmlns:a16="http://schemas.microsoft.com/office/drawing/2014/main" id="{2D817757-3E20-4E34-8DEB-D209D50AE3D5}"/>
+              </a:ext>
+            </a:extLst>
+          </p:cNvPr>
+          <p:cNvSpPr>
+            <a:spLocks noGrp="1"/>
+          </p:cNvSpPr>
+          <p:nvPr>
+            <p:ph idx="1"/>
+          </p:nvPr>
+        </p:nvSpPr>
+        <p:spPr>
+          <a:xfrm>
+            <a:off x="5183188" y="987425"/>
+            <a:ext cx="6172200" cy="4873625"/>
+          </a:xfrm>
+        </p:spPr>
+        <p:txBody>
+          <a:bodyPr/>
+          <a:lstStyle>
+            <a:lvl1pPr>
+              <a:defRPr sz="3200"/>
+            </a:lvl1pPr>
+            <a:lvl2pPr>
+              <a:defRPr sz="2800"/>
+            </a:lvl2pPr>
+            <a:lvl3pPr>
+              <a:defRPr sz="2400"/>
+            </a:lvl3pPr>
+            <a:lvl4pPr>
+              <a:defRPr sz="2000"/>
+            </a:lvl4pPr>
+            <a:lvl5pPr>
+              <a:defRPr sz="2000"/>
+            </a:lvl5pPr>
+            <a:lvl6pPr>
+              <a:defRPr sz="2000"/>
+            </a:lvl6pPr>
+            <a:lvl7pPr>
+              <a:defRPr sz="2000"/>
+            </a:lvl7pPr>
+            <a:lvl8pPr>
+              <a:defRPr sz="2000"/>
+            </a:lvl8pPr>
+            <a:lvl9pPr>
+              <a:defRPr sz="2000"/>
+            </a:lvl9pPr>
+          </a:lstStyle>
+          <a:p>
+            <a:pPr lvl="0"/>
+            <a:r>
+              <a:rPr lang="en-US"/>
+              <a:t>Click to edit Master text styles</a:t>
+            </a:r>
+          </a:p>
+          <a:p>
+            <a:pPr lvl="1"/>
+            <a:r>
+              <a:rPr lang="en-US"/>
+              <a:t>Second level</a:t>
+            </a:r>
+          </a:p>
+          <a:p>
+            <a:pPr lvl="2"/>
+            <a:r>
+              <a:rPr lang="en-US"/>
+              <a:t>Third level</a:t>
+            </a:r>
+          </a:p>
+          <a:p>
+            <a:pPr lvl="3"/>
+            <a:r>
+              <a:rPr lang="en-US"/>
+              <a:t>Fourth level</a:t>
+            </a:r>
+          </a:p>
+          <a:p>
+            <a:pPr lvl="4"/>
+            <a:r>
+              <a:rPr lang="en-US"/>
+              <a:t>Fifth level</a:t>
+            </a:r>
+          </a:p>
+        </p:txBody>
+      </p:sp>
+      <p:sp>
+        <p:nvSpPr>
+          <p:cNvPr id="4" name="Text Placeholder 3">
+            <a:extLst>
+              <a:ext uri="{FF2B5EF4-FFF2-40B4-BE49-F238E27FC236}">
+                <a16:creationId xmlns:a16="http://schemas.microsoft.com/office/drawing/2014/main" id="{406661B4-F174-41A4-842E-A02BF69DD591}"/>
+              </a:ext>
+            </a:extLst>
+          </p:cNvPr>
+          <p:cNvSpPr>
+            <a:spLocks noGrp="1"/>
+          </p:cNvSpPr>
+          <p:nvPr>
+            <p:ph type="body" sz="half" idx="2"/>
+          </p:nvPr>
+        </p:nvSpPr>
+        <p:spPr>
+          <a:xfrm>
+            <a:off x="839788" y="2057400"/>
+            <a:ext cx="3932237" cy="3811588"/>
+          </a:xfrm>
+        </p:spPr>
+        <p:txBody>
+          <a:bodyPr/>
+          <a:lstStyle>
+            <a:lvl1pPr marL="0" indent="0">
+              <a:buNone/>
+              <a:defRPr sz="1600"/>
+            </a:lvl1pPr>
+            <a:lvl2pPr marL="457200" indent="0">
+              <a:buNone/>
+              <a:defRPr sz="1400"/>
+            </a:lvl2pPr>
+            <a:lvl3pPr marL="914400" indent="0">
+              <a:buNone/>
+              <a:defRPr sz="1200"/>
+            </a:lvl3pPr>
+            <a:lvl4pPr marL="1371600" indent="0">
+              <a:buNone/>
+              <a:defRPr sz="1000"/>
+            </a:lvl4pPr>
+            <a:lvl5pPr marL="1828800" indent="0">
+              <a:buNone/>
+              <a:defRPr sz="1000"/>
+            </a:lvl5pPr>
+            <a:lvl6pPr marL="2286000" indent="0">
+              <a:buNone/>
+              <a:defRPr sz="1000"/>
+            </a:lvl6pPr>
+            <a:lvl7pPr marL="2743200" indent="0">
+              <a:buNone/>
+              <a:defRPr sz="1000"/>
+            </a:lvl7pPr>
+            <a:lvl8pPr marL="3200400" indent="0">
+              <a:buNone/>
+              <a:defRPr sz="1000"/>
+            </a:lvl8pPr>
+            <a:lvl9pPr marL="3657600" indent="0">
+              <a:buNone/>
+              <a:defRPr sz="1000"/>
+            </a:lvl9pPr>
+          </a:lstStyle>
+          <a:p>
+            <a:pPr lvl="0"/>
+            <a:r>
+              <a:rPr lang="en-US"/>
+              <a:t>Click to edit Master text styles</a:t>
+            </a:r>
+          </a:p>
+        </p:txBody>
+      </p:sp>
+      <p:sp>
+        <p:nvSpPr>
+          <p:cNvPr id="5" name="Date Placeholder 4">
+            <a:extLst>
+              <a:ext uri="{FF2B5EF4-FFF2-40B4-BE49-F238E27FC236}">
+                <a16:creationId xmlns:a16="http://schemas.microsoft.com/office/drawing/2014/main" id="{488E3875-C994-4E36-902B-6951CD0A1749}"/>
+              </a:ext>
+            </a:extLst>
+          </p:cNvPr>
+          <p:cNvSpPr>
+            <a:spLocks noGrp="1"/>
+          </p:cNvSpPr>
+          <p:nvPr>
+            <p:ph type="dt" sz="half" idx="10"/>
+          </p:nvPr>
+        </p:nvSpPr>
+        <p:spPr/>
+        <p:txBody>
+          <a:bodyPr/>
+          <a:lstStyle/>
+          <a:p>
+            <a:fld id="{EF9567E5-5AFA-4DF7-B3AB-E8068D7777E4}" type="datetimeFigureOut">
+              <a:rPr lang="en-US" smtClean="0"/>
+              <a:t>2/3/2023</a:t>
+            </a:fld>
+            <a:endParaRPr lang="en-US"/>
+          </a:p>
+        </p:txBody>
+      </p:sp>
+      <p:sp>
+        <p:nvSpPr>
+          <p:cNvPr id="6" name="Footer Placeholder 5">
+            <a:extLst>
+              <a:ext uri="{FF2B5EF4-FFF2-40B4-BE49-F238E27FC236}">
+                <a16:creationId xmlns:a16="http://schemas.microsoft.com/office/drawing/2014/main" id="{0C357D3A-B52C-4E63-B013-47C6E0DA302A}"/>
+              </a:ext>
+            </a:extLst>
+          </p:cNvPr>
+          <p:cNvSpPr>
+            <a:spLocks noGrp="1"/>
+          </p:cNvSpPr>
+          <p:nvPr>
+            <p:ph type="ftr" sz="quarter" idx="11"/>
+          </p:nvPr>
+        </p:nvSpPr>
+        <p:spPr/>
+        <p:txBody>
+          <a:bodyPr/>
+          <a:lstStyle/>
+          <a:p>
+            <a:endParaRPr lang="en-US"/>
+          </a:p>
+        </p:txBody>
+      </p:sp>
+      <p:sp>
+        <p:nvSpPr>
+          <p:cNvPr id="7" name="Slide Number Placeholder 6">
+            <a:extLst>
+              <a:ext uri="{FF2B5EF4-FFF2-40B4-BE49-F238E27FC236}">
+                <a16:creationId xmlns:a16="http://schemas.microsoft.com/office/drawing/2014/main" id="{23504668-CE3A-4782-AF7E-80111C6BA1B1}"/>
+              </a:ext>
+            </a:extLst>
+          </p:cNvPr>
+          <p:cNvSpPr>
+            <a:spLocks noGrp="1"/>
+          </p:cNvSpPr>
+          <p:nvPr>
+            <p:ph type="sldNum" sz="quarter" idx="12"/>
+          </p:nvPr>
+        </p:nvSpPr>
+        <p:spPr/>
+        <p:txBody>
+          <a:bodyPr/>
+          <a:lstStyle/>
+          <a:p>
+            <a:fld id="{429812D8-2AB3-46F6-9FC7-630D3F80435C}" type="slidenum">
+              <a:rPr lang="en-US" smtClean="0"/>
+              <a:t>‹#›</a:t>
+            </a:fld>
+            <a:endParaRPr lang="en-US"/>
+          </a:p>
+        </p:txBody>
+      </p:sp>
+    </p:spTree>
+    <p:extLst>
+      <p:ext uri="{BB962C8B-B14F-4D97-AF65-F5344CB8AC3E}">
+        <p14:creationId xmlns:p14="http://schemas.microsoft.com/office/powerpoint/2010/main" val="1244369955"/>
       </p:ext>
     </p:extLst>
   </p:cSld>
@@ -868,7 +2810,7 @@
           <a:p>
             <a:fld id="{53C1140A-26D8-4E67-88F6-AE2606B82657}" type="datetimeFigureOut">
               <a:rPr lang="en-IN" smtClean="0"/>
-              <a:t>31-01-2023</a:t>
+              <a:t>03-02-2023</a:t>
             </a:fld>
             <a:endParaRPr lang="en-IN"/>
           </a:p>
@@ -932,6 +2874,700 @@
     <p:extLst>
       <p:ext uri="{BB962C8B-B14F-4D97-AF65-F5344CB8AC3E}">
         <p14:creationId xmlns:p14="http://schemas.microsoft.com/office/powerpoint/2010/main" val="2123624011"/>
+      </p:ext>
+    </p:extLst>
+  </p:cSld>
+  <p:clrMapOvr>
+    <a:masterClrMapping/>
+  </p:clrMapOvr>
+</p:sldLayout>
+</file>
+
+<file path=ppt/slideLayouts/slideLayout20.xml><?xml version="1.0" encoding="utf-8"?>
+<p:sldLayout xmlns:a="http://schemas.openxmlformats.org/drawingml/2006/main" xmlns:r="http://schemas.openxmlformats.org/officeDocument/2006/relationships" xmlns:p="http://schemas.openxmlformats.org/presentationml/2006/main" type="picTx" preserve="1">
+  <p:cSld name="Picture with Caption">
+    <p:spTree>
+      <p:nvGrpSpPr>
+        <p:cNvPr id="1" name=""/>
+        <p:cNvGrpSpPr/>
+        <p:nvPr/>
+      </p:nvGrpSpPr>
+      <p:grpSpPr>
+        <a:xfrm>
+          <a:off x="0" y="0"/>
+          <a:ext cx="0" cy="0"/>
+          <a:chOff x="0" y="0"/>
+          <a:chExt cx="0" cy="0"/>
+        </a:xfrm>
+      </p:grpSpPr>
+      <p:sp>
+        <p:nvSpPr>
+          <p:cNvPr id="2" name="Title 1">
+            <a:extLst>
+              <a:ext uri="{FF2B5EF4-FFF2-40B4-BE49-F238E27FC236}">
+                <a16:creationId xmlns:a16="http://schemas.microsoft.com/office/drawing/2014/main" id="{076F6A92-F40A-4A85-B458-E8F9D93C8729}"/>
+              </a:ext>
+            </a:extLst>
+          </p:cNvPr>
+          <p:cNvSpPr>
+            <a:spLocks noGrp="1"/>
+          </p:cNvSpPr>
+          <p:nvPr>
+            <p:ph type="title"/>
+          </p:nvPr>
+        </p:nvSpPr>
+        <p:spPr>
+          <a:xfrm>
+            <a:off x="839788" y="457200"/>
+            <a:ext cx="3932237" cy="1600200"/>
+          </a:xfrm>
+        </p:spPr>
+        <p:txBody>
+          <a:bodyPr anchor="b"/>
+          <a:lstStyle>
+            <a:lvl1pPr>
+              <a:defRPr sz="3200"/>
+            </a:lvl1pPr>
+          </a:lstStyle>
+          <a:p>
+            <a:r>
+              <a:rPr lang="en-US"/>
+              <a:t>Click to edit Master title style</a:t>
+            </a:r>
+          </a:p>
+        </p:txBody>
+      </p:sp>
+      <p:sp>
+        <p:nvSpPr>
+          <p:cNvPr id="3" name="Picture Placeholder 2">
+            <a:extLst>
+              <a:ext uri="{FF2B5EF4-FFF2-40B4-BE49-F238E27FC236}">
+                <a16:creationId xmlns:a16="http://schemas.microsoft.com/office/drawing/2014/main" id="{F0B655B4-633B-4085-AF79-F5C6F41B6A34}"/>
+              </a:ext>
+            </a:extLst>
+          </p:cNvPr>
+          <p:cNvSpPr>
+            <a:spLocks noGrp="1"/>
+          </p:cNvSpPr>
+          <p:nvPr>
+            <p:ph type="pic" idx="1"/>
+          </p:nvPr>
+        </p:nvSpPr>
+        <p:spPr>
+          <a:xfrm>
+            <a:off x="5183188" y="987425"/>
+            <a:ext cx="6172200" cy="4873625"/>
+          </a:xfrm>
+        </p:spPr>
+        <p:txBody>
+          <a:bodyPr/>
+          <a:lstStyle>
+            <a:lvl1pPr marL="0" indent="0">
+              <a:buNone/>
+              <a:defRPr sz="3200"/>
+            </a:lvl1pPr>
+            <a:lvl2pPr marL="457200" indent="0">
+              <a:buNone/>
+              <a:defRPr sz="2800"/>
+            </a:lvl2pPr>
+            <a:lvl3pPr marL="914400" indent="0">
+              <a:buNone/>
+              <a:defRPr sz="2400"/>
+            </a:lvl3pPr>
+            <a:lvl4pPr marL="1371600" indent="0">
+              <a:buNone/>
+              <a:defRPr sz="2000"/>
+            </a:lvl4pPr>
+            <a:lvl5pPr marL="1828800" indent="0">
+              <a:buNone/>
+              <a:defRPr sz="2000"/>
+            </a:lvl5pPr>
+            <a:lvl6pPr marL="2286000" indent="0">
+              <a:buNone/>
+              <a:defRPr sz="2000"/>
+            </a:lvl6pPr>
+            <a:lvl7pPr marL="2743200" indent="0">
+              <a:buNone/>
+              <a:defRPr sz="2000"/>
+            </a:lvl7pPr>
+            <a:lvl8pPr marL="3200400" indent="0">
+              <a:buNone/>
+              <a:defRPr sz="2000"/>
+            </a:lvl8pPr>
+            <a:lvl9pPr marL="3657600" indent="0">
+              <a:buNone/>
+              <a:defRPr sz="2000"/>
+            </a:lvl9pPr>
+          </a:lstStyle>
+          <a:p>
+            <a:endParaRPr lang="en-US"/>
+          </a:p>
+        </p:txBody>
+      </p:sp>
+      <p:sp>
+        <p:nvSpPr>
+          <p:cNvPr id="4" name="Text Placeholder 3">
+            <a:extLst>
+              <a:ext uri="{FF2B5EF4-FFF2-40B4-BE49-F238E27FC236}">
+                <a16:creationId xmlns:a16="http://schemas.microsoft.com/office/drawing/2014/main" id="{78AB2C0F-B084-487C-BCAA-66A4CA0BDA3A}"/>
+              </a:ext>
+            </a:extLst>
+          </p:cNvPr>
+          <p:cNvSpPr>
+            <a:spLocks noGrp="1"/>
+          </p:cNvSpPr>
+          <p:nvPr>
+            <p:ph type="body" sz="half" idx="2"/>
+          </p:nvPr>
+        </p:nvSpPr>
+        <p:spPr>
+          <a:xfrm>
+            <a:off x="839788" y="2057400"/>
+            <a:ext cx="3932237" cy="3811588"/>
+          </a:xfrm>
+        </p:spPr>
+        <p:txBody>
+          <a:bodyPr/>
+          <a:lstStyle>
+            <a:lvl1pPr marL="0" indent="0">
+              <a:buNone/>
+              <a:defRPr sz="1600"/>
+            </a:lvl1pPr>
+            <a:lvl2pPr marL="457200" indent="0">
+              <a:buNone/>
+              <a:defRPr sz="1400"/>
+            </a:lvl2pPr>
+            <a:lvl3pPr marL="914400" indent="0">
+              <a:buNone/>
+              <a:defRPr sz="1200"/>
+            </a:lvl3pPr>
+            <a:lvl4pPr marL="1371600" indent="0">
+              <a:buNone/>
+              <a:defRPr sz="1000"/>
+            </a:lvl4pPr>
+            <a:lvl5pPr marL="1828800" indent="0">
+              <a:buNone/>
+              <a:defRPr sz="1000"/>
+            </a:lvl5pPr>
+            <a:lvl6pPr marL="2286000" indent="0">
+              <a:buNone/>
+              <a:defRPr sz="1000"/>
+            </a:lvl6pPr>
+            <a:lvl7pPr marL="2743200" indent="0">
+              <a:buNone/>
+              <a:defRPr sz="1000"/>
+            </a:lvl7pPr>
+            <a:lvl8pPr marL="3200400" indent="0">
+              <a:buNone/>
+              <a:defRPr sz="1000"/>
+            </a:lvl8pPr>
+            <a:lvl9pPr marL="3657600" indent="0">
+              <a:buNone/>
+              <a:defRPr sz="1000"/>
+            </a:lvl9pPr>
+          </a:lstStyle>
+          <a:p>
+            <a:pPr lvl="0"/>
+            <a:r>
+              <a:rPr lang="en-US"/>
+              <a:t>Click to edit Master text styles</a:t>
+            </a:r>
+          </a:p>
+        </p:txBody>
+      </p:sp>
+      <p:sp>
+        <p:nvSpPr>
+          <p:cNvPr id="5" name="Date Placeholder 4">
+            <a:extLst>
+              <a:ext uri="{FF2B5EF4-FFF2-40B4-BE49-F238E27FC236}">
+                <a16:creationId xmlns:a16="http://schemas.microsoft.com/office/drawing/2014/main" id="{F18A35C7-A107-4ED2-9437-D535DCC021EC}"/>
+              </a:ext>
+            </a:extLst>
+          </p:cNvPr>
+          <p:cNvSpPr>
+            <a:spLocks noGrp="1"/>
+          </p:cNvSpPr>
+          <p:nvPr>
+            <p:ph type="dt" sz="half" idx="10"/>
+          </p:nvPr>
+        </p:nvSpPr>
+        <p:spPr/>
+        <p:txBody>
+          <a:bodyPr/>
+          <a:lstStyle/>
+          <a:p>
+            <a:fld id="{EF9567E5-5AFA-4DF7-B3AB-E8068D7777E4}" type="datetimeFigureOut">
+              <a:rPr lang="en-US" smtClean="0"/>
+              <a:t>2/3/2023</a:t>
+            </a:fld>
+            <a:endParaRPr lang="en-US"/>
+          </a:p>
+        </p:txBody>
+      </p:sp>
+      <p:sp>
+        <p:nvSpPr>
+          <p:cNvPr id="6" name="Footer Placeholder 5">
+            <a:extLst>
+              <a:ext uri="{FF2B5EF4-FFF2-40B4-BE49-F238E27FC236}">
+                <a16:creationId xmlns:a16="http://schemas.microsoft.com/office/drawing/2014/main" id="{279DA7A6-052D-48D8-8616-E91C6BD4C15F}"/>
+              </a:ext>
+            </a:extLst>
+          </p:cNvPr>
+          <p:cNvSpPr>
+            <a:spLocks noGrp="1"/>
+          </p:cNvSpPr>
+          <p:nvPr>
+            <p:ph type="ftr" sz="quarter" idx="11"/>
+          </p:nvPr>
+        </p:nvSpPr>
+        <p:spPr/>
+        <p:txBody>
+          <a:bodyPr/>
+          <a:lstStyle/>
+          <a:p>
+            <a:endParaRPr lang="en-US"/>
+          </a:p>
+        </p:txBody>
+      </p:sp>
+      <p:sp>
+        <p:nvSpPr>
+          <p:cNvPr id="7" name="Slide Number Placeholder 6">
+            <a:extLst>
+              <a:ext uri="{FF2B5EF4-FFF2-40B4-BE49-F238E27FC236}">
+                <a16:creationId xmlns:a16="http://schemas.microsoft.com/office/drawing/2014/main" id="{5C24B507-663B-4815-911F-C983B574FAFF}"/>
+              </a:ext>
+            </a:extLst>
+          </p:cNvPr>
+          <p:cNvSpPr>
+            <a:spLocks noGrp="1"/>
+          </p:cNvSpPr>
+          <p:nvPr>
+            <p:ph type="sldNum" sz="quarter" idx="12"/>
+          </p:nvPr>
+        </p:nvSpPr>
+        <p:spPr/>
+        <p:txBody>
+          <a:bodyPr/>
+          <a:lstStyle/>
+          <a:p>
+            <a:fld id="{429812D8-2AB3-46F6-9FC7-630D3F80435C}" type="slidenum">
+              <a:rPr lang="en-US" smtClean="0"/>
+              <a:t>‹#›</a:t>
+            </a:fld>
+            <a:endParaRPr lang="en-US"/>
+          </a:p>
+        </p:txBody>
+      </p:sp>
+    </p:spTree>
+    <p:extLst>
+      <p:ext uri="{BB962C8B-B14F-4D97-AF65-F5344CB8AC3E}">
+        <p14:creationId xmlns:p14="http://schemas.microsoft.com/office/powerpoint/2010/main" val="1437823937"/>
+      </p:ext>
+    </p:extLst>
+  </p:cSld>
+  <p:clrMapOvr>
+    <a:masterClrMapping/>
+  </p:clrMapOvr>
+</p:sldLayout>
+</file>
+
+<file path=ppt/slideLayouts/slideLayout21.xml><?xml version="1.0" encoding="utf-8"?>
+<p:sldLayout xmlns:a="http://schemas.openxmlformats.org/drawingml/2006/main" xmlns:r="http://schemas.openxmlformats.org/officeDocument/2006/relationships" xmlns:p="http://schemas.openxmlformats.org/presentationml/2006/main" type="vertTx" preserve="1">
+  <p:cSld name="Title and Vertical Text">
+    <p:spTree>
+      <p:nvGrpSpPr>
+        <p:cNvPr id="1" name=""/>
+        <p:cNvGrpSpPr/>
+        <p:nvPr/>
+      </p:nvGrpSpPr>
+      <p:grpSpPr>
+        <a:xfrm>
+          <a:off x="0" y="0"/>
+          <a:ext cx="0" cy="0"/>
+          <a:chOff x="0" y="0"/>
+          <a:chExt cx="0" cy="0"/>
+        </a:xfrm>
+      </p:grpSpPr>
+      <p:sp>
+        <p:nvSpPr>
+          <p:cNvPr id="2" name="Title 1">
+            <a:extLst>
+              <a:ext uri="{FF2B5EF4-FFF2-40B4-BE49-F238E27FC236}">
+                <a16:creationId xmlns:a16="http://schemas.microsoft.com/office/drawing/2014/main" id="{E1D766A8-98DD-497D-863F-2F9CFEDD0AE3}"/>
+              </a:ext>
+            </a:extLst>
+          </p:cNvPr>
+          <p:cNvSpPr>
+            <a:spLocks noGrp="1"/>
+          </p:cNvSpPr>
+          <p:nvPr>
+            <p:ph type="title"/>
+          </p:nvPr>
+        </p:nvSpPr>
+        <p:spPr/>
+        <p:txBody>
+          <a:bodyPr/>
+          <a:lstStyle/>
+          <a:p>
+            <a:r>
+              <a:rPr lang="en-US"/>
+              <a:t>Click to edit Master title style</a:t>
+            </a:r>
+          </a:p>
+        </p:txBody>
+      </p:sp>
+      <p:sp>
+        <p:nvSpPr>
+          <p:cNvPr id="3" name="Vertical Text Placeholder 2">
+            <a:extLst>
+              <a:ext uri="{FF2B5EF4-FFF2-40B4-BE49-F238E27FC236}">
+                <a16:creationId xmlns:a16="http://schemas.microsoft.com/office/drawing/2014/main" id="{6AB44277-BAD7-4C49-8C0B-5D60D08885DA}"/>
+              </a:ext>
+            </a:extLst>
+          </p:cNvPr>
+          <p:cNvSpPr>
+            <a:spLocks noGrp="1"/>
+          </p:cNvSpPr>
+          <p:nvPr>
+            <p:ph type="body" orient="vert" idx="1"/>
+          </p:nvPr>
+        </p:nvSpPr>
+        <p:spPr/>
+        <p:txBody>
+          <a:bodyPr vert="eaVert"/>
+          <a:lstStyle/>
+          <a:p>
+            <a:pPr lvl="0"/>
+            <a:r>
+              <a:rPr lang="en-US"/>
+              <a:t>Click to edit Master text styles</a:t>
+            </a:r>
+          </a:p>
+          <a:p>
+            <a:pPr lvl="1"/>
+            <a:r>
+              <a:rPr lang="en-US"/>
+              <a:t>Second level</a:t>
+            </a:r>
+          </a:p>
+          <a:p>
+            <a:pPr lvl="2"/>
+            <a:r>
+              <a:rPr lang="en-US"/>
+              <a:t>Third level</a:t>
+            </a:r>
+          </a:p>
+          <a:p>
+            <a:pPr lvl="3"/>
+            <a:r>
+              <a:rPr lang="en-US"/>
+              <a:t>Fourth level</a:t>
+            </a:r>
+          </a:p>
+          <a:p>
+            <a:pPr lvl="4"/>
+            <a:r>
+              <a:rPr lang="en-US"/>
+              <a:t>Fifth level</a:t>
+            </a:r>
+          </a:p>
+        </p:txBody>
+      </p:sp>
+      <p:sp>
+        <p:nvSpPr>
+          <p:cNvPr id="4" name="Date Placeholder 3">
+            <a:extLst>
+              <a:ext uri="{FF2B5EF4-FFF2-40B4-BE49-F238E27FC236}">
+                <a16:creationId xmlns:a16="http://schemas.microsoft.com/office/drawing/2014/main" id="{A8B8C37F-8687-4DAF-954D-08E67A5575BE}"/>
+              </a:ext>
+            </a:extLst>
+          </p:cNvPr>
+          <p:cNvSpPr>
+            <a:spLocks noGrp="1"/>
+          </p:cNvSpPr>
+          <p:nvPr>
+            <p:ph type="dt" sz="half" idx="10"/>
+          </p:nvPr>
+        </p:nvSpPr>
+        <p:spPr/>
+        <p:txBody>
+          <a:bodyPr/>
+          <a:lstStyle/>
+          <a:p>
+            <a:fld id="{EF9567E5-5AFA-4DF7-B3AB-E8068D7777E4}" type="datetimeFigureOut">
+              <a:rPr lang="en-US" smtClean="0"/>
+              <a:t>2/3/2023</a:t>
+            </a:fld>
+            <a:endParaRPr lang="en-US"/>
+          </a:p>
+        </p:txBody>
+      </p:sp>
+      <p:sp>
+        <p:nvSpPr>
+          <p:cNvPr id="5" name="Footer Placeholder 4">
+            <a:extLst>
+              <a:ext uri="{FF2B5EF4-FFF2-40B4-BE49-F238E27FC236}">
+                <a16:creationId xmlns:a16="http://schemas.microsoft.com/office/drawing/2014/main" id="{4E6A27B5-6C1E-4382-9C28-AC3373D7AC1F}"/>
+              </a:ext>
+            </a:extLst>
+          </p:cNvPr>
+          <p:cNvSpPr>
+            <a:spLocks noGrp="1"/>
+          </p:cNvSpPr>
+          <p:nvPr>
+            <p:ph type="ftr" sz="quarter" idx="11"/>
+          </p:nvPr>
+        </p:nvSpPr>
+        <p:spPr/>
+        <p:txBody>
+          <a:bodyPr/>
+          <a:lstStyle/>
+          <a:p>
+            <a:endParaRPr lang="en-US"/>
+          </a:p>
+        </p:txBody>
+      </p:sp>
+      <p:sp>
+        <p:nvSpPr>
+          <p:cNvPr id="6" name="Slide Number Placeholder 5">
+            <a:extLst>
+              <a:ext uri="{FF2B5EF4-FFF2-40B4-BE49-F238E27FC236}">
+                <a16:creationId xmlns:a16="http://schemas.microsoft.com/office/drawing/2014/main" id="{D1BE4B41-8414-4569-BC57-8D0090D05454}"/>
+              </a:ext>
+            </a:extLst>
+          </p:cNvPr>
+          <p:cNvSpPr>
+            <a:spLocks noGrp="1"/>
+          </p:cNvSpPr>
+          <p:nvPr>
+            <p:ph type="sldNum" sz="quarter" idx="12"/>
+          </p:nvPr>
+        </p:nvSpPr>
+        <p:spPr/>
+        <p:txBody>
+          <a:bodyPr/>
+          <a:lstStyle/>
+          <a:p>
+            <a:fld id="{429812D8-2AB3-46F6-9FC7-630D3F80435C}" type="slidenum">
+              <a:rPr lang="en-US" smtClean="0"/>
+              <a:t>‹#›</a:t>
+            </a:fld>
+            <a:endParaRPr lang="en-US"/>
+          </a:p>
+        </p:txBody>
+      </p:sp>
+    </p:spTree>
+    <p:extLst>
+      <p:ext uri="{BB962C8B-B14F-4D97-AF65-F5344CB8AC3E}">
+        <p14:creationId xmlns:p14="http://schemas.microsoft.com/office/powerpoint/2010/main" val="37092155"/>
+      </p:ext>
+    </p:extLst>
+  </p:cSld>
+  <p:clrMapOvr>
+    <a:masterClrMapping/>
+  </p:clrMapOvr>
+</p:sldLayout>
+</file>
+
+<file path=ppt/slideLayouts/slideLayout22.xml><?xml version="1.0" encoding="utf-8"?>
+<p:sldLayout xmlns:a="http://schemas.openxmlformats.org/drawingml/2006/main" xmlns:r="http://schemas.openxmlformats.org/officeDocument/2006/relationships" xmlns:p="http://schemas.openxmlformats.org/presentationml/2006/main" type="vertTitleAndTx" preserve="1">
+  <p:cSld name="Vertical Title and Text">
+    <p:spTree>
+      <p:nvGrpSpPr>
+        <p:cNvPr id="1" name=""/>
+        <p:cNvGrpSpPr/>
+        <p:nvPr/>
+      </p:nvGrpSpPr>
+      <p:grpSpPr>
+        <a:xfrm>
+          <a:off x="0" y="0"/>
+          <a:ext cx="0" cy="0"/>
+          <a:chOff x="0" y="0"/>
+          <a:chExt cx="0" cy="0"/>
+        </a:xfrm>
+      </p:grpSpPr>
+      <p:sp>
+        <p:nvSpPr>
+          <p:cNvPr id="2" name="Vertical Title 1">
+            <a:extLst>
+              <a:ext uri="{FF2B5EF4-FFF2-40B4-BE49-F238E27FC236}">
+                <a16:creationId xmlns:a16="http://schemas.microsoft.com/office/drawing/2014/main" id="{54958588-1ECC-4534-B95F-9B61C48C6590}"/>
+              </a:ext>
+            </a:extLst>
+          </p:cNvPr>
+          <p:cNvSpPr>
+            <a:spLocks noGrp="1"/>
+          </p:cNvSpPr>
+          <p:nvPr>
+            <p:ph type="title" orient="vert"/>
+          </p:nvPr>
+        </p:nvSpPr>
+        <p:spPr>
+          <a:xfrm>
+            <a:off x="8724900" y="365125"/>
+            <a:ext cx="2628900" cy="5811838"/>
+          </a:xfrm>
+        </p:spPr>
+        <p:txBody>
+          <a:bodyPr vert="eaVert"/>
+          <a:lstStyle/>
+          <a:p>
+            <a:r>
+              <a:rPr lang="en-US"/>
+              <a:t>Click to edit Master title style</a:t>
+            </a:r>
+          </a:p>
+        </p:txBody>
+      </p:sp>
+      <p:sp>
+        <p:nvSpPr>
+          <p:cNvPr id="3" name="Vertical Text Placeholder 2">
+            <a:extLst>
+              <a:ext uri="{FF2B5EF4-FFF2-40B4-BE49-F238E27FC236}">
+                <a16:creationId xmlns:a16="http://schemas.microsoft.com/office/drawing/2014/main" id="{0956E7F6-479B-4E76-8A98-6FAE2916A74C}"/>
+              </a:ext>
+            </a:extLst>
+          </p:cNvPr>
+          <p:cNvSpPr>
+            <a:spLocks noGrp="1"/>
+          </p:cNvSpPr>
+          <p:nvPr>
+            <p:ph type="body" orient="vert" idx="1"/>
+          </p:nvPr>
+        </p:nvSpPr>
+        <p:spPr>
+          <a:xfrm>
+            <a:off x="838200" y="365125"/>
+            <a:ext cx="7734300" cy="5811838"/>
+          </a:xfrm>
+        </p:spPr>
+        <p:txBody>
+          <a:bodyPr vert="eaVert"/>
+          <a:lstStyle/>
+          <a:p>
+            <a:pPr lvl="0"/>
+            <a:r>
+              <a:rPr lang="en-US"/>
+              <a:t>Click to edit Master text styles</a:t>
+            </a:r>
+          </a:p>
+          <a:p>
+            <a:pPr lvl="1"/>
+            <a:r>
+              <a:rPr lang="en-US"/>
+              <a:t>Second level</a:t>
+            </a:r>
+          </a:p>
+          <a:p>
+            <a:pPr lvl="2"/>
+            <a:r>
+              <a:rPr lang="en-US"/>
+              <a:t>Third level</a:t>
+            </a:r>
+          </a:p>
+          <a:p>
+            <a:pPr lvl="3"/>
+            <a:r>
+              <a:rPr lang="en-US"/>
+              <a:t>Fourth level</a:t>
+            </a:r>
+          </a:p>
+          <a:p>
+            <a:pPr lvl="4"/>
+            <a:r>
+              <a:rPr lang="en-US"/>
+              <a:t>Fifth level</a:t>
+            </a:r>
+          </a:p>
+        </p:txBody>
+      </p:sp>
+      <p:sp>
+        <p:nvSpPr>
+          <p:cNvPr id="4" name="Date Placeholder 3">
+            <a:extLst>
+              <a:ext uri="{FF2B5EF4-FFF2-40B4-BE49-F238E27FC236}">
+                <a16:creationId xmlns:a16="http://schemas.microsoft.com/office/drawing/2014/main" id="{85A3807E-1B42-4C69-8BFE-B389AC8E1FB1}"/>
+              </a:ext>
+            </a:extLst>
+          </p:cNvPr>
+          <p:cNvSpPr>
+            <a:spLocks noGrp="1"/>
+          </p:cNvSpPr>
+          <p:nvPr>
+            <p:ph type="dt" sz="half" idx="10"/>
+          </p:nvPr>
+        </p:nvSpPr>
+        <p:spPr/>
+        <p:txBody>
+          <a:bodyPr/>
+          <a:lstStyle/>
+          <a:p>
+            <a:fld id="{EF9567E5-5AFA-4DF7-B3AB-E8068D7777E4}" type="datetimeFigureOut">
+              <a:rPr lang="en-US" smtClean="0"/>
+              <a:t>2/3/2023</a:t>
+            </a:fld>
+            <a:endParaRPr lang="en-US"/>
+          </a:p>
+        </p:txBody>
+      </p:sp>
+      <p:sp>
+        <p:nvSpPr>
+          <p:cNvPr id="5" name="Footer Placeholder 4">
+            <a:extLst>
+              <a:ext uri="{FF2B5EF4-FFF2-40B4-BE49-F238E27FC236}">
+                <a16:creationId xmlns:a16="http://schemas.microsoft.com/office/drawing/2014/main" id="{EDC47906-617E-4C29-A1E2-6CD5A399033A}"/>
+              </a:ext>
+            </a:extLst>
+          </p:cNvPr>
+          <p:cNvSpPr>
+            <a:spLocks noGrp="1"/>
+          </p:cNvSpPr>
+          <p:nvPr>
+            <p:ph type="ftr" sz="quarter" idx="11"/>
+          </p:nvPr>
+        </p:nvSpPr>
+        <p:spPr/>
+        <p:txBody>
+          <a:bodyPr/>
+          <a:lstStyle/>
+          <a:p>
+            <a:endParaRPr lang="en-US"/>
+          </a:p>
+        </p:txBody>
+      </p:sp>
+      <p:sp>
+        <p:nvSpPr>
+          <p:cNvPr id="6" name="Slide Number Placeholder 5">
+            <a:extLst>
+              <a:ext uri="{FF2B5EF4-FFF2-40B4-BE49-F238E27FC236}">
+                <a16:creationId xmlns:a16="http://schemas.microsoft.com/office/drawing/2014/main" id="{AEE81961-CD62-4DED-8A4B-28A02DFC8D64}"/>
+              </a:ext>
+            </a:extLst>
+          </p:cNvPr>
+          <p:cNvSpPr>
+            <a:spLocks noGrp="1"/>
+          </p:cNvSpPr>
+          <p:nvPr>
+            <p:ph type="sldNum" sz="quarter" idx="12"/>
+          </p:nvPr>
+        </p:nvSpPr>
+        <p:spPr/>
+        <p:txBody>
+          <a:bodyPr/>
+          <a:lstStyle/>
+          <a:p>
+            <a:fld id="{429812D8-2AB3-46F6-9FC7-630D3F80435C}" type="slidenum">
+              <a:rPr lang="en-US" smtClean="0"/>
+              <a:t>‹#›</a:t>
+            </a:fld>
+            <a:endParaRPr lang="en-US"/>
+          </a:p>
+        </p:txBody>
+      </p:sp>
+    </p:spTree>
+    <p:extLst>
+      <p:ext uri="{BB962C8B-B14F-4D97-AF65-F5344CB8AC3E}">
+        <p14:creationId xmlns:p14="http://schemas.microsoft.com/office/powerpoint/2010/main" val="150280125"/>
       </p:ext>
     </p:extLst>
   </p:cSld>
@@ -1144,7 +3780,7 @@
           <a:p>
             <a:fld id="{53C1140A-26D8-4E67-88F6-AE2606B82657}" type="datetimeFigureOut">
               <a:rPr lang="en-IN" smtClean="0"/>
-              <a:t>31-01-2023</a:t>
+              <a:t>03-02-2023</a:t>
             </a:fld>
             <a:endParaRPr lang="en-IN"/>
           </a:p>
@@ -1412,7 +4048,7 @@
           <a:p>
             <a:fld id="{53C1140A-26D8-4E67-88F6-AE2606B82657}" type="datetimeFigureOut">
               <a:rPr lang="en-IN" smtClean="0"/>
-              <a:t>31-01-2023</a:t>
+              <a:t>03-02-2023</a:t>
             </a:fld>
             <a:endParaRPr lang="en-IN"/>
           </a:p>
@@ -1827,7 +4463,7 @@
           <a:p>
             <a:fld id="{53C1140A-26D8-4E67-88F6-AE2606B82657}" type="datetimeFigureOut">
               <a:rPr lang="en-IN" smtClean="0"/>
-              <a:t>31-01-2023</a:t>
+              <a:t>03-02-2023</a:t>
             </a:fld>
             <a:endParaRPr lang="en-IN"/>
           </a:p>
@@ -1969,7 +4605,7 @@
           <a:p>
             <a:fld id="{53C1140A-26D8-4E67-88F6-AE2606B82657}" type="datetimeFigureOut">
               <a:rPr lang="en-IN" smtClean="0"/>
-              <a:t>31-01-2023</a:t>
+              <a:t>03-02-2023</a:t>
             </a:fld>
             <a:endParaRPr lang="en-IN"/>
           </a:p>
@@ -2082,7 +4718,7 @@
           <a:p>
             <a:fld id="{53C1140A-26D8-4E67-88F6-AE2606B82657}" type="datetimeFigureOut">
               <a:rPr lang="en-IN" smtClean="0"/>
-              <a:t>31-01-2023</a:t>
+              <a:t>03-02-2023</a:t>
             </a:fld>
             <a:endParaRPr lang="en-IN"/>
           </a:p>
@@ -2395,7 +5031,7 @@
           <a:p>
             <a:fld id="{53C1140A-26D8-4E67-88F6-AE2606B82657}" type="datetimeFigureOut">
               <a:rPr lang="en-IN" smtClean="0"/>
-              <a:t>31-01-2023</a:t>
+              <a:t>03-02-2023</a:t>
             </a:fld>
             <a:endParaRPr lang="en-IN"/>
           </a:p>
@@ -2684,7 +5320,7 @@
           <a:p>
             <a:fld id="{53C1140A-26D8-4E67-88F6-AE2606B82657}" type="datetimeFigureOut">
               <a:rPr lang="en-IN" smtClean="0"/>
-              <a:t>31-01-2023</a:t>
+              <a:t>03-02-2023</a:t>
             </a:fld>
             <a:endParaRPr lang="en-IN"/>
           </a:p>
@@ -2927,7 +5563,7 @@
           <a:p>
             <a:fld id="{53C1140A-26D8-4E67-88F6-AE2606B82657}" type="datetimeFigureOut">
               <a:rPr lang="en-IN" smtClean="0"/>
-              <a:t>31-01-2023</a:t>
+              <a:t>03-02-2023</a:t>
             </a:fld>
             <a:endParaRPr lang="en-IN"/>
           </a:p>
@@ -3327,6 +5963,574 @@
 </p:sldMaster>
 </file>
 
+<file path=ppt/slideMasters/slideMaster2.xml><?xml version="1.0" encoding="utf-8"?>
+<p:sldMaster xmlns:a="http://schemas.openxmlformats.org/drawingml/2006/main" xmlns:r="http://schemas.openxmlformats.org/officeDocument/2006/relationships" xmlns:p="http://schemas.openxmlformats.org/presentationml/2006/main">
+  <p:cSld>
+    <p:bg>
+      <p:bgRef idx="1001">
+        <a:schemeClr val="bg1"/>
+      </p:bgRef>
+    </p:bg>
+    <p:spTree>
+      <p:nvGrpSpPr>
+        <p:cNvPr id="1" name=""/>
+        <p:cNvGrpSpPr/>
+        <p:nvPr/>
+      </p:nvGrpSpPr>
+      <p:grpSpPr>
+        <a:xfrm>
+          <a:off x="0" y="0"/>
+          <a:ext cx="0" cy="0"/>
+          <a:chOff x="0" y="0"/>
+          <a:chExt cx="0" cy="0"/>
+        </a:xfrm>
+      </p:grpSpPr>
+      <p:sp>
+        <p:nvSpPr>
+          <p:cNvPr id="2" name="Title Placeholder 1">
+            <a:extLst>
+              <a:ext uri="{FF2B5EF4-FFF2-40B4-BE49-F238E27FC236}">
+                <a16:creationId xmlns:a16="http://schemas.microsoft.com/office/drawing/2014/main" id="{1FA59004-9978-44D2-954A-99D4D0690126}"/>
+              </a:ext>
+            </a:extLst>
+          </p:cNvPr>
+          <p:cNvSpPr>
+            <a:spLocks noGrp="1"/>
+          </p:cNvSpPr>
+          <p:nvPr>
+            <p:ph type="title"/>
+          </p:nvPr>
+        </p:nvSpPr>
+        <p:spPr>
+          <a:xfrm>
+            <a:off x="838200" y="365125"/>
+            <a:ext cx="10515600" cy="1325563"/>
+          </a:xfrm>
+          <a:prstGeom prst="rect">
+            <a:avLst/>
+          </a:prstGeom>
+        </p:spPr>
+        <p:txBody>
+          <a:bodyPr vert="horz" lIns="91440" tIns="45720" rIns="91440" bIns="45720" rtlCol="0" anchor="ctr">
+            <a:normAutofit/>
+          </a:bodyPr>
+          <a:lstStyle/>
+          <a:p>
+            <a:r>
+              <a:rPr lang="en-US"/>
+              <a:t>Click to edit Master title style</a:t>
+            </a:r>
+          </a:p>
+        </p:txBody>
+      </p:sp>
+      <p:sp>
+        <p:nvSpPr>
+          <p:cNvPr id="3" name="Text Placeholder 2">
+            <a:extLst>
+              <a:ext uri="{FF2B5EF4-FFF2-40B4-BE49-F238E27FC236}">
+                <a16:creationId xmlns:a16="http://schemas.microsoft.com/office/drawing/2014/main" id="{9EA881A6-241D-4125-9691-33E29E4DE51A}"/>
+              </a:ext>
+            </a:extLst>
+          </p:cNvPr>
+          <p:cNvSpPr>
+            <a:spLocks noGrp="1"/>
+          </p:cNvSpPr>
+          <p:nvPr>
+            <p:ph type="body" idx="1"/>
+          </p:nvPr>
+        </p:nvSpPr>
+        <p:spPr>
+          <a:xfrm>
+            <a:off x="838200" y="1825625"/>
+            <a:ext cx="10515600" cy="4351338"/>
+          </a:xfrm>
+          <a:prstGeom prst="rect">
+            <a:avLst/>
+          </a:prstGeom>
+        </p:spPr>
+        <p:txBody>
+          <a:bodyPr vert="horz" lIns="91440" tIns="45720" rIns="91440" bIns="45720" rtlCol="0">
+            <a:normAutofit/>
+          </a:bodyPr>
+          <a:lstStyle/>
+          <a:p>
+            <a:pPr lvl="0"/>
+            <a:r>
+              <a:rPr lang="en-US"/>
+              <a:t>Click to edit Master text styles</a:t>
+            </a:r>
+          </a:p>
+          <a:p>
+            <a:pPr lvl="1"/>
+            <a:r>
+              <a:rPr lang="en-US"/>
+              <a:t>Second level</a:t>
+            </a:r>
+          </a:p>
+          <a:p>
+            <a:pPr lvl="2"/>
+            <a:r>
+              <a:rPr lang="en-US"/>
+              <a:t>Third level</a:t>
+            </a:r>
+          </a:p>
+          <a:p>
+            <a:pPr lvl="3"/>
+            <a:r>
+              <a:rPr lang="en-US"/>
+              <a:t>Fourth level</a:t>
+            </a:r>
+          </a:p>
+          <a:p>
+            <a:pPr lvl="4"/>
+            <a:r>
+              <a:rPr lang="en-US"/>
+              <a:t>Fifth level</a:t>
+            </a:r>
+          </a:p>
+        </p:txBody>
+      </p:sp>
+      <p:sp>
+        <p:nvSpPr>
+          <p:cNvPr id="4" name="Date Placeholder 3">
+            <a:extLst>
+              <a:ext uri="{FF2B5EF4-FFF2-40B4-BE49-F238E27FC236}">
+                <a16:creationId xmlns:a16="http://schemas.microsoft.com/office/drawing/2014/main" id="{7365ADE8-DE59-441A-91C3-83B47B201D84}"/>
+              </a:ext>
+            </a:extLst>
+          </p:cNvPr>
+          <p:cNvSpPr>
+            <a:spLocks noGrp="1"/>
+          </p:cNvSpPr>
+          <p:nvPr>
+            <p:ph type="dt" sz="half" idx="2"/>
+          </p:nvPr>
+        </p:nvSpPr>
+        <p:spPr>
+          <a:xfrm>
+            <a:off x="838200" y="6356350"/>
+            <a:ext cx="2743200" cy="365125"/>
+          </a:xfrm>
+          <a:prstGeom prst="rect">
+            <a:avLst/>
+          </a:prstGeom>
+        </p:spPr>
+        <p:txBody>
+          <a:bodyPr vert="horz" lIns="91440" tIns="45720" rIns="91440" bIns="45720" rtlCol="0" anchor="ctr"/>
+          <a:lstStyle>
+            <a:lvl1pPr algn="l">
+              <a:defRPr sz="1200">
+                <a:solidFill>
+                  <a:schemeClr val="tx1">
+                    <a:tint val="75000"/>
+                  </a:schemeClr>
+                </a:solidFill>
+              </a:defRPr>
+            </a:lvl1pPr>
+          </a:lstStyle>
+          <a:p>
+            <a:fld id="{EF9567E5-5AFA-4DF7-B3AB-E8068D7777E4}" type="datetimeFigureOut">
+              <a:rPr lang="en-US" smtClean="0"/>
+              <a:t>2/3/2023</a:t>
+            </a:fld>
+            <a:endParaRPr lang="en-US"/>
+          </a:p>
+        </p:txBody>
+      </p:sp>
+      <p:sp>
+        <p:nvSpPr>
+          <p:cNvPr id="5" name="Footer Placeholder 4">
+            <a:extLst>
+              <a:ext uri="{FF2B5EF4-FFF2-40B4-BE49-F238E27FC236}">
+                <a16:creationId xmlns:a16="http://schemas.microsoft.com/office/drawing/2014/main" id="{36B29A18-AE06-49EB-93C3-0A52B3D2F2E8}"/>
+              </a:ext>
+            </a:extLst>
+          </p:cNvPr>
+          <p:cNvSpPr>
+            <a:spLocks noGrp="1"/>
+          </p:cNvSpPr>
+          <p:nvPr>
+            <p:ph type="ftr" sz="quarter" idx="3"/>
+          </p:nvPr>
+        </p:nvSpPr>
+        <p:spPr>
+          <a:xfrm>
+            <a:off x="4038600" y="6356350"/>
+            <a:ext cx="4114800" cy="365125"/>
+          </a:xfrm>
+          <a:prstGeom prst="rect">
+            <a:avLst/>
+          </a:prstGeom>
+        </p:spPr>
+        <p:txBody>
+          <a:bodyPr vert="horz" lIns="91440" tIns="45720" rIns="91440" bIns="45720" rtlCol="0" anchor="ctr"/>
+          <a:lstStyle>
+            <a:lvl1pPr algn="ctr">
+              <a:defRPr sz="1200">
+                <a:solidFill>
+                  <a:schemeClr val="tx1">
+                    <a:tint val="75000"/>
+                  </a:schemeClr>
+                </a:solidFill>
+              </a:defRPr>
+            </a:lvl1pPr>
+          </a:lstStyle>
+          <a:p>
+            <a:endParaRPr lang="en-US"/>
+          </a:p>
+        </p:txBody>
+      </p:sp>
+      <p:sp>
+        <p:nvSpPr>
+          <p:cNvPr id="6" name="Slide Number Placeholder 5">
+            <a:extLst>
+              <a:ext uri="{FF2B5EF4-FFF2-40B4-BE49-F238E27FC236}">
+                <a16:creationId xmlns:a16="http://schemas.microsoft.com/office/drawing/2014/main" id="{BF2F1C50-F42F-40D4-B94A-CA021A36C724}"/>
+              </a:ext>
+            </a:extLst>
+          </p:cNvPr>
+          <p:cNvSpPr>
+            <a:spLocks noGrp="1"/>
+          </p:cNvSpPr>
+          <p:nvPr>
+            <p:ph type="sldNum" sz="quarter" idx="4"/>
+          </p:nvPr>
+        </p:nvSpPr>
+        <p:spPr>
+          <a:xfrm>
+            <a:off x="8610600" y="6356350"/>
+            <a:ext cx="2743200" cy="365125"/>
+          </a:xfrm>
+          <a:prstGeom prst="rect">
+            <a:avLst/>
+          </a:prstGeom>
+        </p:spPr>
+        <p:txBody>
+          <a:bodyPr vert="horz" lIns="91440" tIns="45720" rIns="91440" bIns="45720" rtlCol="0" anchor="ctr"/>
+          <a:lstStyle>
+            <a:lvl1pPr algn="r">
+              <a:defRPr sz="1200">
+                <a:solidFill>
+                  <a:schemeClr val="tx1">
+                    <a:tint val="75000"/>
+                  </a:schemeClr>
+                </a:solidFill>
+              </a:defRPr>
+            </a:lvl1pPr>
+          </a:lstStyle>
+          <a:p>
+            <a:fld id="{429812D8-2AB3-46F6-9FC7-630D3F80435C}" type="slidenum">
+              <a:rPr lang="en-US" smtClean="0"/>
+              <a:t>‹#›</a:t>
+            </a:fld>
+            <a:endParaRPr lang="en-US"/>
+          </a:p>
+        </p:txBody>
+      </p:sp>
+    </p:spTree>
+    <p:extLst>
+      <p:ext uri="{BB962C8B-B14F-4D97-AF65-F5344CB8AC3E}">
+        <p14:creationId xmlns:p14="http://schemas.microsoft.com/office/powerpoint/2010/main" val="2749229238"/>
+      </p:ext>
+    </p:extLst>
+  </p:cSld>
+  <p:clrMap bg1="lt1" tx1="dk1" bg2="lt2" tx2="dk2" accent1="accent1" accent2="accent2" accent3="accent3" accent4="accent4" accent5="accent5" accent6="accent6" hlink="hlink" folHlink="folHlink"/>
+  <p:sldLayoutIdLst>
+    <p:sldLayoutId id="2147483661" r:id="rId1"/>
+    <p:sldLayoutId id="2147483662" r:id="rId2"/>
+    <p:sldLayoutId id="2147483663" r:id="rId3"/>
+    <p:sldLayoutId id="2147483664" r:id="rId4"/>
+    <p:sldLayoutId id="2147483665" r:id="rId5"/>
+    <p:sldLayoutId id="2147483666" r:id="rId6"/>
+    <p:sldLayoutId id="2147483667" r:id="rId7"/>
+    <p:sldLayoutId id="2147483668" r:id="rId8"/>
+    <p:sldLayoutId id="2147483669" r:id="rId9"/>
+    <p:sldLayoutId id="2147483670" r:id="rId10"/>
+    <p:sldLayoutId id="2147483671" r:id="rId11"/>
+  </p:sldLayoutIdLst>
+  <p:txStyles>
+    <p:titleStyle>
+      <a:lvl1pPr algn="l" defTabSz="914400" rtl="0" eaLnBrk="1" latinLnBrk="0" hangingPunct="1">
+        <a:lnSpc>
+          <a:spcPct val="90000"/>
+        </a:lnSpc>
+        <a:spcBef>
+          <a:spcPct val="0"/>
+        </a:spcBef>
+        <a:buNone/>
+        <a:defRPr sz="4400" kern="1200">
+          <a:solidFill>
+            <a:schemeClr val="tx1"/>
+          </a:solidFill>
+          <a:latin typeface="+mj-lt"/>
+          <a:ea typeface="+mj-ea"/>
+          <a:cs typeface="+mj-cs"/>
+        </a:defRPr>
+      </a:lvl1pPr>
+    </p:titleStyle>
+    <p:bodyStyle>
+      <a:lvl1pPr marL="228600" indent="-228600" algn="l" defTabSz="914400" rtl="0" eaLnBrk="1" latinLnBrk="0" hangingPunct="1">
+        <a:lnSpc>
+          <a:spcPct val="90000"/>
+        </a:lnSpc>
+        <a:spcBef>
+          <a:spcPts val="1000"/>
+        </a:spcBef>
+        <a:buFont typeface="Arial" panose="020B0604020202020204" pitchFamily="34" charset="0"/>
+        <a:buChar char="•"/>
+        <a:defRPr sz="2800" kern="1200">
+          <a:solidFill>
+            <a:schemeClr val="tx1"/>
+          </a:solidFill>
+          <a:latin typeface="+mn-lt"/>
+          <a:ea typeface="+mn-ea"/>
+          <a:cs typeface="+mn-cs"/>
+        </a:defRPr>
+      </a:lvl1pPr>
+      <a:lvl2pPr marL="685800" indent="-228600" algn="l" defTabSz="914400" rtl="0" eaLnBrk="1" latinLnBrk="0" hangingPunct="1">
+        <a:lnSpc>
+          <a:spcPct val="90000"/>
+        </a:lnSpc>
+        <a:spcBef>
+          <a:spcPts val="500"/>
+        </a:spcBef>
+        <a:buFont typeface="Arial" panose="020B0604020202020204" pitchFamily="34" charset="0"/>
+        <a:buChar char="•"/>
+        <a:defRPr sz="2400" kern="1200">
+          <a:solidFill>
+            <a:schemeClr val="tx1"/>
+          </a:solidFill>
+          <a:latin typeface="+mn-lt"/>
+          <a:ea typeface="+mn-ea"/>
+          <a:cs typeface="+mn-cs"/>
+        </a:defRPr>
+      </a:lvl2pPr>
+      <a:lvl3pPr marL="1143000" indent="-228600" algn="l" defTabSz="914400" rtl="0" eaLnBrk="1" latinLnBrk="0" hangingPunct="1">
+        <a:lnSpc>
+          <a:spcPct val="90000"/>
+        </a:lnSpc>
+        <a:spcBef>
+          <a:spcPts val="500"/>
+        </a:spcBef>
+        <a:buFont typeface="Arial" panose="020B0604020202020204" pitchFamily="34" charset="0"/>
+        <a:buChar char="•"/>
+        <a:defRPr sz="2000" kern="1200">
+          <a:solidFill>
+            <a:schemeClr val="tx1"/>
+          </a:solidFill>
+          <a:latin typeface="+mn-lt"/>
+          <a:ea typeface="+mn-ea"/>
+          <a:cs typeface="+mn-cs"/>
+        </a:defRPr>
+      </a:lvl3pPr>
+      <a:lvl4pPr marL="1600200" indent="-228600" algn="l" defTabSz="914400" rtl="0" eaLnBrk="1" latinLnBrk="0" hangingPunct="1">
+        <a:lnSpc>
+          <a:spcPct val="90000"/>
+        </a:lnSpc>
+        <a:spcBef>
+          <a:spcPts val="500"/>
+        </a:spcBef>
+        <a:buFont typeface="Arial" panose="020B0604020202020204" pitchFamily="34" charset="0"/>
+        <a:buChar char="•"/>
+        <a:defRPr sz="1800" kern="1200">
+          <a:solidFill>
+            <a:schemeClr val="tx1"/>
+          </a:solidFill>
+          <a:latin typeface="+mn-lt"/>
+          <a:ea typeface="+mn-ea"/>
+          <a:cs typeface="+mn-cs"/>
+        </a:defRPr>
+      </a:lvl4pPr>
+      <a:lvl5pPr marL="2057400" indent="-228600" algn="l" defTabSz="914400" rtl="0" eaLnBrk="1" latinLnBrk="0" hangingPunct="1">
+        <a:lnSpc>
+          <a:spcPct val="90000"/>
+        </a:lnSpc>
+        <a:spcBef>
+          <a:spcPts val="500"/>
+        </a:spcBef>
+        <a:buFont typeface="Arial" panose="020B0604020202020204" pitchFamily="34" charset="0"/>
+        <a:buChar char="•"/>
+        <a:defRPr sz="1800" kern="1200">
+          <a:solidFill>
+            <a:schemeClr val="tx1"/>
+          </a:solidFill>
+          <a:latin typeface="+mn-lt"/>
+          <a:ea typeface="+mn-ea"/>
+          <a:cs typeface="+mn-cs"/>
+        </a:defRPr>
+      </a:lvl5pPr>
+      <a:lvl6pPr marL="2514600" indent="-228600" algn="l" defTabSz="914400" rtl="0" eaLnBrk="1" latinLnBrk="0" hangingPunct="1">
+        <a:lnSpc>
+          <a:spcPct val="90000"/>
+        </a:lnSpc>
+        <a:spcBef>
+          <a:spcPts val="500"/>
+        </a:spcBef>
+        <a:buFont typeface="Arial" panose="020B0604020202020204" pitchFamily="34" charset="0"/>
+        <a:buChar char="•"/>
+        <a:defRPr sz="1800" kern="1200">
+          <a:solidFill>
+            <a:schemeClr val="tx1"/>
+          </a:solidFill>
+          <a:latin typeface="+mn-lt"/>
+          <a:ea typeface="+mn-ea"/>
+          <a:cs typeface="+mn-cs"/>
+        </a:defRPr>
+      </a:lvl6pPr>
+      <a:lvl7pPr marL="2971800" indent="-228600" algn="l" defTabSz="914400" rtl="0" eaLnBrk="1" latinLnBrk="0" hangingPunct="1">
+        <a:lnSpc>
+          <a:spcPct val="90000"/>
+        </a:lnSpc>
+        <a:spcBef>
+          <a:spcPts val="500"/>
+        </a:spcBef>
+        <a:buFont typeface="Arial" panose="020B0604020202020204" pitchFamily="34" charset="0"/>
+        <a:buChar char="•"/>
+        <a:defRPr sz="1800" kern="1200">
+          <a:solidFill>
+            <a:schemeClr val="tx1"/>
+          </a:solidFill>
+          <a:latin typeface="+mn-lt"/>
+          <a:ea typeface="+mn-ea"/>
+          <a:cs typeface="+mn-cs"/>
+        </a:defRPr>
+      </a:lvl7pPr>
+      <a:lvl8pPr marL="3429000" indent="-228600" algn="l" defTabSz="914400" rtl="0" eaLnBrk="1" latinLnBrk="0" hangingPunct="1">
+        <a:lnSpc>
+          <a:spcPct val="90000"/>
+        </a:lnSpc>
+        <a:spcBef>
+          <a:spcPts val="500"/>
+        </a:spcBef>
+        <a:buFont typeface="Arial" panose="020B0604020202020204" pitchFamily="34" charset="0"/>
+        <a:buChar char="•"/>
+        <a:defRPr sz="1800" kern="1200">
+          <a:solidFill>
+            <a:schemeClr val="tx1"/>
+          </a:solidFill>
+          <a:latin typeface="+mn-lt"/>
+          <a:ea typeface="+mn-ea"/>
+          <a:cs typeface="+mn-cs"/>
+        </a:defRPr>
+      </a:lvl8pPr>
+      <a:lvl9pPr marL="3886200" indent="-228600" algn="l" defTabSz="914400" rtl="0" eaLnBrk="1" latinLnBrk="0" hangingPunct="1">
+        <a:lnSpc>
+          <a:spcPct val="90000"/>
+        </a:lnSpc>
+        <a:spcBef>
+          <a:spcPts val="500"/>
+        </a:spcBef>
+        <a:buFont typeface="Arial" panose="020B0604020202020204" pitchFamily="34" charset="0"/>
+        <a:buChar char="•"/>
+        <a:defRPr sz="1800" kern="1200">
+          <a:solidFill>
+            <a:schemeClr val="tx1"/>
+          </a:solidFill>
+          <a:latin typeface="+mn-lt"/>
+          <a:ea typeface="+mn-ea"/>
+          <a:cs typeface="+mn-cs"/>
+        </a:defRPr>
+      </a:lvl9pPr>
+    </p:bodyStyle>
+    <p:otherStyle>
+      <a:defPPr>
+        <a:defRPr lang="en-US"/>
+      </a:defPPr>
+      <a:lvl1pPr marL="0" algn="l" defTabSz="914400" rtl="0" eaLnBrk="1" latinLnBrk="0" hangingPunct="1">
+        <a:defRPr sz="1800" kern="1200">
+          <a:solidFill>
+            <a:schemeClr val="tx1"/>
+          </a:solidFill>
+          <a:latin typeface="+mn-lt"/>
+          <a:ea typeface="+mn-ea"/>
+          <a:cs typeface="+mn-cs"/>
+        </a:defRPr>
+      </a:lvl1pPr>
+      <a:lvl2pPr marL="457200" algn="l" defTabSz="914400" rtl="0" eaLnBrk="1" latinLnBrk="0" hangingPunct="1">
+        <a:defRPr sz="1800" kern="1200">
+          <a:solidFill>
+            <a:schemeClr val="tx1"/>
+          </a:solidFill>
+          <a:latin typeface="+mn-lt"/>
+          <a:ea typeface="+mn-ea"/>
+          <a:cs typeface="+mn-cs"/>
+        </a:defRPr>
+      </a:lvl2pPr>
+      <a:lvl3pPr marL="914400" algn="l" defTabSz="914400" rtl="0" eaLnBrk="1" latinLnBrk="0" hangingPunct="1">
+        <a:defRPr sz="1800" kern="1200">
+          <a:solidFill>
+            <a:schemeClr val="tx1"/>
+          </a:solidFill>
+          <a:latin typeface="+mn-lt"/>
+          <a:ea typeface="+mn-ea"/>
+          <a:cs typeface="+mn-cs"/>
+        </a:defRPr>
+      </a:lvl3pPr>
+      <a:lvl4pPr marL="1371600" algn="l" defTabSz="914400" rtl="0" eaLnBrk="1" latinLnBrk="0" hangingPunct="1">
+        <a:defRPr sz="1800" kern="1200">
+          <a:solidFill>
+            <a:schemeClr val="tx1"/>
+          </a:solidFill>
+          <a:latin typeface="+mn-lt"/>
+          <a:ea typeface="+mn-ea"/>
+          <a:cs typeface="+mn-cs"/>
+        </a:defRPr>
+      </a:lvl4pPr>
+      <a:lvl5pPr marL="1828800" algn="l" defTabSz="914400" rtl="0" eaLnBrk="1" latinLnBrk="0" hangingPunct="1">
+        <a:defRPr sz="1800" kern="1200">
+          <a:solidFill>
+            <a:schemeClr val="tx1"/>
+          </a:solidFill>
+          <a:latin typeface="+mn-lt"/>
+          <a:ea typeface="+mn-ea"/>
+          <a:cs typeface="+mn-cs"/>
+        </a:defRPr>
+      </a:lvl5pPr>
+      <a:lvl6pPr marL="2286000" algn="l" defTabSz="914400" rtl="0" eaLnBrk="1" latinLnBrk="0" hangingPunct="1">
+        <a:defRPr sz="1800" kern="1200">
+          <a:solidFill>
+            <a:schemeClr val="tx1"/>
+          </a:solidFill>
+          <a:latin typeface="+mn-lt"/>
+          <a:ea typeface="+mn-ea"/>
+          <a:cs typeface="+mn-cs"/>
+        </a:defRPr>
+      </a:lvl6pPr>
+      <a:lvl7pPr marL="2743200" algn="l" defTabSz="914400" rtl="0" eaLnBrk="1" latinLnBrk="0" hangingPunct="1">
+        <a:defRPr sz="1800" kern="1200">
+          <a:solidFill>
+            <a:schemeClr val="tx1"/>
+          </a:solidFill>
+          <a:latin typeface="+mn-lt"/>
+          <a:ea typeface="+mn-ea"/>
+          <a:cs typeface="+mn-cs"/>
+        </a:defRPr>
+      </a:lvl7pPr>
+      <a:lvl8pPr marL="3200400" algn="l" defTabSz="914400" rtl="0" eaLnBrk="1" latinLnBrk="0" hangingPunct="1">
+        <a:defRPr sz="1800" kern="1200">
+          <a:solidFill>
+            <a:schemeClr val="tx1"/>
+          </a:solidFill>
+          <a:latin typeface="+mn-lt"/>
+          <a:ea typeface="+mn-ea"/>
+          <a:cs typeface="+mn-cs"/>
+        </a:defRPr>
+      </a:lvl8pPr>
+      <a:lvl9pPr marL="3657600" algn="l" defTabSz="914400" rtl="0" eaLnBrk="1" latinLnBrk="0" hangingPunct="1">
+        <a:defRPr sz="1800" kern="1200">
+          <a:solidFill>
+            <a:schemeClr val="tx1"/>
+          </a:solidFill>
+          <a:latin typeface="+mn-lt"/>
+          <a:ea typeface="+mn-ea"/>
+          <a:cs typeface="+mn-cs"/>
+        </a:defRPr>
+      </a:lvl9pPr>
+    </p:otherStyle>
+  </p:txStyles>
+</p:sldMaster>
+</file>
+
 <file path=ppt/slides/slide1.xml><?xml version="1.0" encoding="utf-8"?>
 <p:sld xmlns:a="http://schemas.openxmlformats.org/drawingml/2006/main" xmlns:r="http://schemas.openxmlformats.org/officeDocument/2006/relationships" xmlns:p="http://schemas.openxmlformats.org/presentationml/2006/main">
   <p:cSld>
@@ -3377,6 +6581,35 @@
               <a:schemeClr val="tx1"/>
             </a:solidFill>
           </a:ln>
+        </p:spPr>
+      </p:pic>
+      <p:pic>
+        <p:nvPicPr>
+          <p:cNvPr id="3" name="Picture 2">
+            <a:extLst>
+              <a:ext uri="{FF2B5EF4-FFF2-40B4-BE49-F238E27FC236}">
+                <a16:creationId xmlns:a16="http://schemas.microsoft.com/office/drawing/2014/main" id="{6387E689-6880-415D-ACA1-F8E365F91489}"/>
+              </a:ext>
+            </a:extLst>
+          </p:cNvPr>
+          <p:cNvPicPr>
+            <a:picLocks noChangeAspect="1"/>
+          </p:cNvPicPr>
+          <p:nvPr/>
+        </p:nvPicPr>
+        <p:blipFill rotWithShape="1">
+          <a:blip r:embed="rId3"/>
+          <a:srcRect l="4664" t="13333" r="8386" b="52579"/>
+          <a:stretch/>
+        </p:blipFill>
+        <p:spPr>
+          <a:xfrm>
+            <a:off x="222418" y="2884211"/>
+            <a:ext cx="4446764" cy="1089578"/>
+          </a:xfrm>
+          <a:prstGeom prst="rect">
+            <a:avLst/>
+          </a:prstGeom>
         </p:spPr>
       </p:pic>
     </p:spTree>
@@ -3411,10 +6644,10 @@
       </p:grpSpPr>
       <p:pic>
         <p:nvPicPr>
-          <p:cNvPr id="5" name="Picture 4">
-            <a:extLst>
-              <a:ext uri="{FF2B5EF4-FFF2-40B4-BE49-F238E27FC236}">
-                <a16:creationId xmlns:a16="http://schemas.microsoft.com/office/drawing/2014/main" id="{3534B590-EA8D-4ACD-826B-EE7C54D21028}"/>
+          <p:cNvPr id="3" name="Picture 2">
+            <a:extLst>
+              <a:ext uri="{FF2B5EF4-FFF2-40B4-BE49-F238E27FC236}">
+                <a16:creationId xmlns:a16="http://schemas.microsoft.com/office/drawing/2014/main" id="{91B22FF7-05E0-42B3-8E74-F29A6994526D}"/>
               </a:ext>
             </a:extLst>
           </p:cNvPr>
@@ -3425,46 +6658,12 @@
         </p:nvPicPr>
         <p:blipFill rotWithShape="1">
           <a:blip r:embed="rId2"/>
-          <a:srcRect l="41077" t="23547" r="4225" b="14752"/>
-          <a:stretch/>
-        </p:blipFill>
-        <p:spPr>
-          <a:xfrm>
-            <a:off x="214007" y="729576"/>
-            <a:ext cx="7450717" cy="5252936"/>
-          </a:xfrm>
-          <a:prstGeom prst="rect">
-            <a:avLst/>
-          </a:prstGeom>
-          <a:ln w="15875">
-            <a:solidFill>
-              <a:schemeClr val="tx1"/>
-            </a:solidFill>
-          </a:ln>
-        </p:spPr>
-      </p:pic>
-      <p:pic>
-        <p:nvPicPr>
-          <p:cNvPr id="3" name="Picture 2">
-            <a:extLst>
-              <a:ext uri="{FF2B5EF4-FFF2-40B4-BE49-F238E27FC236}">
-                <a16:creationId xmlns:a16="http://schemas.microsoft.com/office/drawing/2014/main" id="{91B22FF7-05E0-42B3-8E74-F29A6994526D}"/>
-              </a:ext>
-            </a:extLst>
-          </p:cNvPr>
-          <p:cNvPicPr>
-            <a:picLocks noChangeAspect="1"/>
-          </p:cNvPicPr>
-          <p:nvPr/>
-        </p:nvPicPr>
-        <p:blipFill rotWithShape="1">
-          <a:blip r:embed="rId3"/>
           <a:srcRect l="56944" t="60000" r="37471" b="16170"/>
           <a:stretch/>
         </p:blipFill>
         <p:spPr>
           <a:xfrm>
-            <a:off x="4990289" y="4036981"/>
+            <a:off x="5204299" y="4036981"/>
             <a:ext cx="729575" cy="1945532"/>
           </a:xfrm>
           <a:prstGeom prst="rect">
@@ -3479,10 +6678,10 @@
       </p:pic>
       <p:sp>
         <p:nvSpPr>
-          <p:cNvPr id="6" name="Rectangle 5">
-            <a:extLst>
-              <a:ext uri="{FF2B5EF4-FFF2-40B4-BE49-F238E27FC236}">
-                <a16:creationId xmlns:a16="http://schemas.microsoft.com/office/drawing/2014/main" id="{0FE4F11A-7E61-45B5-8950-AB8D471386EE}"/>
+          <p:cNvPr id="7" name="Rectangle 6">
+            <a:extLst>
+              <a:ext uri="{FF2B5EF4-FFF2-40B4-BE49-F238E27FC236}">
+                <a16:creationId xmlns:a16="http://schemas.microsoft.com/office/drawing/2014/main" id="{6BDF5B3D-4EA5-48E3-BD33-F67CB7E22868}"/>
               </a:ext>
             </a:extLst>
           </p:cNvPr>
@@ -3491,59 +6690,7 @@
         </p:nvSpPr>
         <p:spPr>
           <a:xfrm>
-            <a:off x="496111" y="4610912"/>
-            <a:ext cx="2227634" cy="1138136"/>
-          </a:xfrm>
-          <a:prstGeom prst="rect">
-            <a:avLst/>
-          </a:prstGeom>
-          <a:noFill/>
-          <a:ln w="25400">
-            <a:solidFill>
-              <a:srgbClr val="FF0000"/>
-            </a:solidFill>
-          </a:ln>
-        </p:spPr>
-        <p:style>
-          <a:lnRef idx="2">
-            <a:schemeClr val="accent1">
-              <a:shade val="50000"/>
-            </a:schemeClr>
-          </a:lnRef>
-          <a:fillRef idx="1">
-            <a:schemeClr val="accent1"/>
-          </a:fillRef>
-          <a:effectRef idx="0">
-            <a:schemeClr val="accent1"/>
-          </a:effectRef>
-          <a:fontRef idx="minor">
-            <a:schemeClr val="lt1"/>
-          </a:fontRef>
-        </p:style>
-        <p:txBody>
-          <a:bodyPr rtlCol="0" anchor="ctr"/>
-          <a:lstStyle/>
-          <a:p>
-            <a:pPr algn="ctr"/>
-            <a:endParaRPr lang="en-IN"/>
-          </a:p>
-        </p:txBody>
-      </p:sp>
-      <p:sp>
-        <p:nvSpPr>
-          <p:cNvPr id="7" name="Rectangle 6">
-            <a:extLst>
-              <a:ext uri="{FF2B5EF4-FFF2-40B4-BE49-F238E27FC236}">
-                <a16:creationId xmlns:a16="http://schemas.microsoft.com/office/drawing/2014/main" id="{6BDF5B3D-4EA5-48E3-BD33-F67CB7E22868}"/>
-              </a:ext>
-            </a:extLst>
-          </p:cNvPr>
-          <p:cNvSpPr/>
-          <p:nvPr/>
-        </p:nvSpPr>
-        <p:spPr>
-          <a:xfrm>
-            <a:off x="4980561" y="4012662"/>
+            <a:off x="5194571" y="4012662"/>
             <a:ext cx="739303" cy="1969850"/>
           </a:xfrm>
           <a:prstGeom prst="rect">
@@ -3583,6 +6730,83 @@
       </p:sp>
       <p:sp>
         <p:nvSpPr>
+          <p:cNvPr id="10" name="TextBox 9">
+            <a:extLst>
+              <a:ext uri="{FF2B5EF4-FFF2-40B4-BE49-F238E27FC236}">
+                <a16:creationId xmlns:a16="http://schemas.microsoft.com/office/drawing/2014/main" id="{EBFE2FD3-B260-45CA-B982-F2D4952747DC}"/>
+              </a:ext>
+            </a:extLst>
+          </p:cNvPr>
+          <p:cNvSpPr txBox="1"/>
+          <p:nvPr/>
+        </p:nvSpPr>
+        <p:spPr>
+          <a:xfrm>
+            <a:off x="107000" y="87868"/>
+            <a:ext cx="2601738" cy="338554"/>
+          </a:xfrm>
+          <a:prstGeom prst="rect">
+            <a:avLst/>
+          </a:prstGeom>
+          <a:solidFill>
+            <a:srgbClr val="FFFF00"/>
+          </a:solidFill>
+          <a:ln>
+            <a:solidFill>
+              <a:schemeClr val="tx1"/>
+            </a:solidFill>
+          </a:ln>
+        </p:spPr>
+        <p:txBody>
+          <a:bodyPr wrap="none" rtlCol="0">
+            <a:spAutoFit/>
+          </a:bodyPr>
+          <a:lstStyle/>
+          <a:p>
+            <a:r>
+              <a:rPr lang="en-IN" sz="1600" dirty="0"/>
+              <a:t>1) DIU (Data integration unit)</a:t>
+            </a:r>
+          </a:p>
+        </p:txBody>
+      </p:sp>
+      <p:pic>
+        <p:nvPicPr>
+          <p:cNvPr id="4" name="Picture 3">
+            <a:extLst>
+              <a:ext uri="{FF2B5EF4-FFF2-40B4-BE49-F238E27FC236}">
+                <a16:creationId xmlns:a16="http://schemas.microsoft.com/office/drawing/2014/main" id="{8B523CE8-A304-4E35-8756-2A462FBA85C7}"/>
+              </a:ext>
+            </a:extLst>
+          </p:cNvPr>
+          <p:cNvPicPr>
+            <a:picLocks noChangeAspect="1"/>
+          </p:cNvPicPr>
+          <p:nvPr/>
+        </p:nvPicPr>
+        <p:blipFill>
+          <a:blip r:embed="rId3"/>
+          <a:stretch>
+            <a:fillRect/>
+          </a:stretch>
+        </p:blipFill>
+        <p:spPr>
+          <a:xfrm>
+            <a:off x="3132308" y="126780"/>
+            <a:ext cx="8959174" cy="6623334"/>
+          </a:xfrm>
+          <a:prstGeom prst="rect">
+            <a:avLst/>
+          </a:prstGeom>
+          <a:ln w="15875">
+            <a:solidFill>
+              <a:schemeClr val="tx1"/>
+            </a:solidFill>
+          </a:ln>
+        </p:spPr>
+      </p:pic>
+      <p:sp>
+        <p:nvSpPr>
           <p:cNvPr id="8" name="Rectangle 7">
             <a:extLst>
               <a:ext uri="{FF2B5EF4-FFF2-40B4-BE49-F238E27FC236}">
@@ -3595,7 +6819,7 @@
         </p:nvSpPr>
         <p:spPr>
           <a:xfrm>
-            <a:off x="2811294" y="3365772"/>
+            <a:off x="5729595" y="2068012"/>
             <a:ext cx="642025" cy="301557"/>
           </a:xfrm>
           <a:prstGeom prst="rect">
@@ -3647,8 +6871,8 @@
         </p:nvSpPr>
         <p:spPr>
           <a:xfrm>
-            <a:off x="214007" y="4286656"/>
-            <a:ext cx="1536972" cy="256164"/>
+            <a:off x="3132308" y="2920801"/>
+            <a:ext cx="4746426" cy="301557"/>
           </a:xfrm>
           <a:prstGeom prst="rect">
             <a:avLst/>
@@ -3685,48 +6909,293 @@
           </a:p>
         </p:txBody>
       </p:sp>
-      <p:sp>
-        <p:nvSpPr>
-          <p:cNvPr id="10" name="TextBox 9">
-            <a:extLst>
-              <a:ext uri="{FF2B5EF4-FFF2-40B4-BE49-F238E27FC236}">
-                <a16:creationId xmlns:a16="http://schemas.microsoft.com/office/drawing/2014/main" id="{EBFE2FD3-B260-45CA-B982-F2D4952747DC}"/>
-              </a:ext>
-            </a:extLst>
-          </p:cNvPr>
-          <p:cNvSpPr txBox="1"/>
+      <p:pic>
+        <p:nvPicPr>
+          <p:cNvPr id="12" name="Picture 11">
+            <a:extLst>
+              <a:ext uri="{FF2B5EF4-FFF2-40B4-BE49-F238E27FC236}">
+                <a16:creationId xmlns:a16="http://schemas.microsoft.com/office/drawing/2014/main" id="{F54D90DB-BA5E-474A-9E50-1B6B95F38226}"/>
+              </a:ext>
+            </a:extLst>
+          </p:cNvPr>
+          <p:cNvPicPr>
+            <a:picLocks noChangeAspect="1"/>
+          </p:cNvPicPr>
           <p:nvPr/>
-        </p:nvSpPr>
+        </p:nvPicPr>
+        <p:blipFill rotWithShape="1">
+          <a:blip r:embed="rId4"/>
+          <a:srcRect l="51448" t="55317" r="31354" b="21277"/>
+          <a:stretch/>
+        </p:blipFill>
         <p:spPr>
           <a:xfrm>
-            <a:off x="214007" y="126780"/>
-            <a:ext cx="2601738" cy="338554"/>
+            <a:off x="8350523" y="2920801"/>
+            <a:ext cx="2515933" cy="2140085"/>
           </a:xfrm>
           <a:prstGeom prst="rect">
             <a:avLst/>
           </a:prstGeom>
-          <a:solidFill>
-            <a:srgbClr val="FFFF00"/>
-          </a:solidFill>
-          <a:ln>
+          <a:ln w="15875">
             <a:solidFill>
               <a:schemeClr val="tx1"/>
             </a:solidFill>
           </a:ln>
         </p:spPr>
-        <p:txBody>
-          <a:bodyPr wrap="none" rtlCol="0">
-            <a:spAutoFit/>
-          </a:bodyPr>
-          <a:lstStyle/>
-          <a:p>
-            <a:r>
-              <a:rPr lang="en-IN" sz="1600" dirty="0"/>
-              <a:t>1) DIU (Data integration unit)</a:t>
-            </a:r>
-          </a:p>
-        </p:txBody>
-      </p:sp>
+      </p:pic>
+      <p:cxnSp>
+        <p:nvCxnSpPr>
+          <p:cNvPr id="14" name="Straight Arrow Connector 13">
+            <a:extLst>
+              <a:ext uri="{FF2B5EF4-FFF2-40B4-BE49-F238E27FC236}">
+                <a16:creationId xmlns:a16="http://schemas.microsoft.com/office/drawing/2014/main" id="{4DF6A8D3-86CC-40B9-9B49-BA64F63F10F9}"/>
+              </a:ext>
+            </a:extLst>
+          </p:cNvPr>
+          <p:cNvCxnSpPr>
+            <a:stCxn id="9" idx="3"/>
+          </p:cNvCxnSpPr>
+          <p:nvPr/>
+        </p:nvCxnSpPr>
+        <p:spPr>
+          <a:xfrm flipV="1">
+            <a:off x="7878734" y="3071579"/>
+            <a:ext cx="471789" cy="1"/>
+          </a:xfrm>
+          <a:prstGeom prst="straightConnector1">
+            <a:avLst/>
+          </a:prstGeom>
+          <a:ln w="19050">
+            <a:solidFill>
+              <a:srgbClr val="FF0000"/>
+            </a:solidFill>
+            <a:tailEnd type="arrow"/>
+          </a:ln>
+        </p:spPr>
+        <p:style>
+          <a:lnRef idx="1">
+            <a:schemeClr val="accent1"/>
+          </a:lnRef>
+          <a:fillRef idx="0">
+            <a:schemeClr val="accent1"/>
+          </a:fillRef>
+          <a:effectRef idx="0">
+            <a:schemeClr val="accent1"/>
+          </a:effectRef>
+          <a:fontRef idx="minor">
+            <a:schemeClr val="tx1"/>
+          </a:fontRef>
+        </p:style>
+      </p:cxnSp>
+      <p:pic>
+        <p:nvPicPr>
+          <p:cNvPr id="16" name="Picture 15">
+            <a:extLst>
+              <a:ext uri="{FF2B5EF4-FFF2-40B4-BE49-F238E27FC236}">
+                <a16:creationId xmlns:a16="http://schemas.microsoft.com/office/drawing/2014/main" id="{7C72EE48-CA6B-4319-AF1E-DA787B96D2F1}"/>
+              </a:ext>
+            </a:extLst>
+          </p:cNvPr>
+          <p:cNvPicPr>
+            <a:picLocks noChangeAspect="1"/>
+          </p:cNvPicPr>
+          <p:nvPr/>
+        </p:nvPicPr>
+        <p:blipFill rotWithShape="1">
+          <a:blip r:embed="rId5"/>
+          <a:srcRect l="42849" t="53835" r="42567" b="35461"/>
+          <a:stretch/>
+        </p:blipFill>
+        <p:spPr>
+          <a:xfrm>
+            <a:off x="81723" y="1327538"/>
+            <a:ext cx="2875486" cy="1319075"/>
+          </a:xfrm>
+          <a:prstGeom prst="rect">
+            <a:avLst/>
+          </a:prstGeom>
+          <a:ln w="12700">
+            <a:solidFill>
+              <a:schemeClr val="tx1"/>
+            </a:solidFill>
+          </a:ln>
+        </p:spPr>
+      </p:pic>
+      <p:cxnSp>
+        <p:nvCxnSpPr>
+          <p:cNvPr id="18" name="Straight Arrow Connector 17">
+            <a:extLst>
+              <a:ext uri="{FF2B5EF4-FFF2-40B4-BE49-F238E27FC236}">
+                <a16:creationId xmlns:a16="http://schemas.microsoft.com/office/drawing/2014/main" id="{B542C6C2-A190-4929-90BE-9A6503A2A495}"/>
+              </a:ext>
+            </a:extLst>
+          </p:cNvPr>
+          <p:cNvCxnSpPr>
+            <a:cxnSpLocks/>
+            <a:stCxn id="9" idx="1"/>
+          </p:cNvCxnSpPr>
+          <p:nvPr/>
+        </p:nvCxnSpPr>
+        <p:spPr>
+          <a:xfrm flipH="1" flipV="1">
+            <a:off x="2708738" y="2700117"/>
+            <a:ext cx="423570" cy="371463"/>
+          </a:xfrm>
+          <a:prstGeom prst="straightConnector1">
+            <a:avLst/>
+          </a:prstGeom>
+          <a:ln w="15875">
+            <a:solidFill>
+              <a:srgbClr val="FF0000"/>
+            </a:solidFill>
+            <a:tailEnd type="arrow"/>
+          </a:ln>
+        </p:spPr>
+        <p:style>
+          <a:lnRef idx="1">
+            <a:schemeClr val="accent1"/>
+          </a:lnRef>
+          <a:fillRef idx="0">
+            <a:schemeClr val="accent1"/>
+          </a:fillRef>
+          <a:effectRef idx="0">
+            <a:schemeClr val="accent1"/>
+          </a:effectRef>
+          <a:fontRef idx="minor">
+            <a:schemeClr val="tx1"/>
+          </a:fontRef>
+        </p:style>
+      </p:cxnSp>
+      <p:sp>
+        <p:nvSpPr>
+          <p:cNvPr id="19" name="Rectangle 18">
+            <a:extLst>
+              <a:ext uri="{FF2B5EF4-FFF2-40B4-BE49-F238E27FC236}">
+                <a16:creationId xmlns:a16="http://schemas.microsoft.com/office/drawing/2014/main" id="{0229EA63-A473-421D-B838-22BFBFD3F628}"/>
+              </a:ext>
+            </a:extLst>
+          </p:cNvPr>
+          <p:cNvSpPr/>
+          <p:nvPr/>
+        </p:nvSpPr>
+        <p:spPr>
+          <a:xfrm>
+            <a:off x="3122580" y="3681920"/>
+            <a:ext cx="4746426" cy="301557"/>
+          </a:xfrm>
+          <a:prstGeom prst="rect">
+            <a:avLst/>
+          </a:prstGeom>
+          <a:noFill/>
+          <a:ln w="25400">
+            <a:solidFill>
+              <a:srgbClr val="FF0000"/>
+            </a:solidFill>
+          </a:ln>
+        </p:spPr>
+        <p:style>
+          <a:lnRef idx="2">
+            <a:schemeClr val="accent1">
+              <a:shade val="50000"/>
+            </a:schemeClr>
+          </a:lnRef>
+          <a:fillRef idx="1">
+            <a:schemeClr val="accent1"/>
+          </a:fillRef>
+          <a:effectRef idx="0">
+            <a:schemeClr val="accent1"/>
+          </a:effectRef>
+          <a:fontRef idx="minor">
+            <a:schemeClr val="lt1"/>
+          </a:fontRef>
+        </p:style>
+        <p:txBody>
+          <a:bodyPr rtlCol="0" anchor="ctr"/>
+          <a:lstStyle/>
+          <a:p>
+            <a:pPr algn="ctr"/>
+            <a:endParaRPr lang="en-IN"/>
+          </a:p>
+        </p:txBody>
+      </p:sp>
+      <p:pic>
+        <p:nvPicPr>
+          <p:cNvPr id="23" name="Picture 22">
+            <a:extLst>
+              <a:ext uri="{FF2B5EF4-FFF2-40B4-BE49-F238E27FC236}">
+                <a16:creationId xmlns:a16="http://schemas.microsoft.com/office/drawing/2014/main" id="{0D895D06-E812-45B9-ABA6-623DC1A35DB1}"/>
+              </a:ext>
+            </a:extLst>
+          </p:cNvPr>
+          <p:cNvPicPr>
+            <a:picLocks noChangeAspect="1"/>
+          </p:cNvPicPr>
+          <p:nvPr/>
+        </p:nvPicPr>
+        <p:blipFill rotWithShape="1">
+          <a:blip r:embed="rId6"/>
+          <a:srcRect l="40987" t="60802" r="45518" b="35612"/>
+          <a:stretch/>
+        </p:blipFill>
+        <p:spPr>
+          <a:xfrm>
+            <a:off x="81723" y="4211388"/>
+            <a:ext cx="2752932" cy="457200"/>
+          </a:xfrm>
+          <a:prstGeom prst="rect">
+            <a:avLst/>
+          </a:prstGeom>
+          <a:ln w="12700">
+            <a:solidFill>
+              <a:schemeClr val="tx1"/>
+            </a:solidFill>
+          </a:ln>
+        </p:spPr>
+      </p:pic>
+      <p:cxnSp>
+        <p:nvCxnSpPr>
+          <p:cNvPr id="24" name="Straight Arrow Connector 23">
+            <a:extLst>
+              <a:ext uri="{FF2B5EF4-FFF2-40B4-BE49-F238E27FC236}">
+                <a16:creationId xmlns:a16="http://schemas.microsoft.com/office/drawing/2014/main" id="{756AEE13-224A-4855-B8E6-9AE37B225A0A}"/>
+              </a:ext>
+            </a:extLst>
+          </p:cNvPr>
+          <p:cNvCxnSpPr>
+            <a:cxnSpLocks/>
+          </p:cNvCxnSpPr>
+          <p:nvPr/>
+        </p:nvCxnSpPr>
+        <p:spPr>
+          <a:xfrm flipH="1">
+            <a:off x="2832974" y="3867651"/>
+            <a:ext cx="284742" cy="343737"/>
+          </a:xfrm>
+          <a:prstGeom prst="straightConnector1">
+            <a:avLst/>
+          </a:prstGeom>
+          <a:ln w="15875">
+            <a:solidFill>
+              <a:srgbClr val="FF0000"/>
+            </a:solidFill>
+            <a:tailEnd type="arrow"/>
+          </a:ln>
+        </p:spPr>
+        <p:style>
+          <a:lnRef idx="1">
+            <a:schemeClr val="accent1"/>
+          </a:lnRef>
+          <a:fillRef idx="0">
+            <a:schemeClr val="accent1"/>
+          </a:fillRef>
+          <a:effectRef idx="0">
+            <a:schemeClr val="accent1"/>
+          </a:effectRef>
+          <a:fontRef idx="minor">
+            <a:schemeClr val="tx1"/>
+          </a:fontRef>
+        </p:style>
+      </p:cxnSp>
     </p:spTree>
     <p:extLst>
       <p:ext uri="{BB962C8B-B14F-4D97-AF65-F5344CB8AC3E}">
@@ -3759,10 +7228,10 @@
       </p:grpSpPr>
       <p:pic>
         <p:nvPicPr>
-          <p:cNvPr id="5" name="Picture 4">
-            <a:extLst>
-              <a:ext uri="{FF2B5EF4-FFF2-40B4-BE49-F238E27FC236}">
-                <a16:creationId xmlns:a16="http://schemas.microsoft.com/office/drawing/2014/main" id="{EB6BD0D8-67DA-45FB-9C2D-C769FED32034}"/>
+          <p:cNvPr id="4" name="Picture 3">
+            <a:extLst>
+              <a:ext uri="{FF2B5EF4-FFF2-40B4-BE49-F238E27FC236}">
+                <a16:creationId xmlns:a16="http://schemas.microsoft.com/office/drawing/2014/main" id="{F0FA19C0-5610-47A3-8DDD-4A8B8276769F}"/>
               </a:ext>
             </a:extLst>
           </p:cNvPr>
@@ -3771,15 +7240,16 @@
           </p:cNvPicPr>
           <p:nvPr/>
         </p:nvPicPr>
-        <p:blipFill rotWithShape="1">
+        <p:blipFill>
           <a:blip r:embed="rId2"/>
-          <a:srcRect l="40898" t="28652" r="5467" b="15745"/>
-          <a:stretch/>
+          <a:stretch>
+            <a:fillRect/>
+          </a:stretch>
         </p:blipFill>
         <p:spPr>
           <a:xfrm>
-            <a:off x="214007" y="632296"/>
-            <a:ext cx="7912038" cy="5126478"/>
+            <a:off x="2411243" y="206423"/>
+            <a:ext cx="9624022" cy="6445154"/>
           </a:xfrm>
           <a:prstGeom prst="rect">
             <a:avLst/>
@@ -3793,62 +7263,20 @@
       </p:pic>
       <p:sp>
         <p:nvSpPr>
-          <p:cNvPr id="6" name="TextBox 5">
-            <a:extLst>
-              <a:ext uri="{FF2B5EF4-FFF2-40B4-BE49-F238E27FC236}">
-                <a16:creationId xmlns:a16="http://schemas.microsoft.com/office/drawing/2014/main" id="{FCC35435-364A-4AE5-975E-D7FFF69D7E7D}"/>
-              </a:ext>
-            </a:extLst>
-          </p:cNvPr>
-          <p:cNvSpPr txBox="1"/>
+          <p:cNvPr id="6" name="Rectangle 5">
+            <a:extLst>
+              <a:ext uri="{FF2B5EF4-FFF2-40B4-BE49-F238E27FC236}">
+                <a16:creationId xmlns:a16="http://schemas.microsoft.com/office/drawing/2014/main" id="{A41B2AD3-74D5-4010-A156-09CE8BE838A1}"/>
+              </a:ext>
+            </a:extLst>
+          </p:cNvPr>
+          <p:cNvSpPr/>
           <p:nvPr/>
         </p:nvSpPr>
         <p:spPr>
           <a:xfrm>
-            <a:off x="214007" y="126780"/>
-            <a:ext cx="1002903" cy="338554"/>
-          </a:xfrm>
-          <a:prstGeom prst="rect">
-            <a:avLst/>
-          </a:prstGeom>
-          <a:solidFill>
-            <a:srgbClr val="FFFF00"/>
-          </a:solidFill>
-          <a:ln>
-            <a:solidFill>
-              <a:schemeClr val="tx1"/>
-            </a:solidFill>
-          </a:ln>
-        </p:spPr>
-        <p:txBody>
-          <a:bodyPr wrap="none" rtlCol="0">
-            <a:spAutoFit/>
-          </a:bodyPr>
-          <a:lstStyle/>
-          <a:p>
-            <a:r>
-              <a:rPr lang="en-IN" sz="1600" dirty="0"/>
-              <a:t>2) Staging</a:t>
-            </a:r>
-          </a:p>
-        </p:txBody>
-      </p:sp>
-      <p:sp>
-        <p:nvSpPr>
-          <p:cNvPr id="7" name="Rectangle 6">
-            <a:extLst>
-              <a:ext uri="{FF2B5EF4-FFF2-40B4-BE49-F238E27FC236}">
-                <a16:creationId xmlns:a16="http://schemas.microsoft.com/office/drawing/2014/main" id="{6D7CED0C-3955-4C4A-8994-60E5B3B39980}"/>
-              </a:ext>
-            </a:extLst>
-          </p:cNvPr>
-          <p:cNvSpPr/>
-          <p:nvPr/>
-        </p:nvSpPr>
-        <p:spPr>
-          <a:xfrm>
-            <a:off x="3044755" y="2986391"/>
-            <a:ext cx="690666" cy="356682"/>
+            <a:off x="5121773" y="2128175"/>
+            <a:ext cx="685645" cy="335272"/>
           </a:xfrm>
           <a:prstGeom prst="rect">
             <a:avLst/>
@@ -3880,17 +7308,46 @@
           <a:bodyPr rtlCol="0" anchor="ctr"/>
           <a:lstStyle/>
           <a:p>
-            <a:pPr algn="ctr"/>
-            <a:endParaRPr lang="en-IN"/>
-          </a:p>
-        </p:txBody>
-      </p:sp>
-      <p:sp>
-        <p:nvSpPr>
-          <p:cNvPr id="8" name="Rectangle 7">
-            <a:extLst>
-              <a:ext uri="{FF2B5EF4-FFF2-40B4-BE49-F238E27FC236}">
-                <a16:creationId xmlns:a16="http://schemas.microsoft.com/office/drawing/2014/main" id="{F991A6A3-FF4E-4E9F-90D9-AED43398F3D9}"/>
+            <a:pPr marL="0" marR="0" lvl="0" indent="0" algn="ctr" defTabSz="914400" rtl="0" eaLnBrk="1" fontAlgn="auto" latinLnBrk="0" hangingPunct="1">
+              <a:lnSpc>
+                <a:spcPct val="100000"/>
+              </a:lnSpc>
+              <a:spcBef>
+                <a:spcPts val="0"/>
+              </a:spcBef>
+              <a:spcAft>
+                <a:spcPts val="0"/>
+              </a:spcAft>
+              <a:buClrTx/>
+              <a:buSzTx/>
+              <a:buFontTx/>
+              <a:buNone/>
+              <a:tabLst/>
+              <a:defRPr/>
+            </a:pPr>
+            <a:endParaRPr kumimoji="0" lang="en-IN" sz="1800" b="0" i="0" u="none" strike="noStrike" kern="1200" cap="none" spc="0" normalizeH="0" baseline="0" noProof="0">
+              <a:ln>
+                <a:noFill/>
+              </a:ln>
+              <a:solidFill>
+                <a:prstClr val="white"/>
+              </a:solidFill>
+              <a:effectLst/>
+              <a:uLnTx/>
+              <a:uFillTx/>
+              <a:latin typeface="Calibri" panose="020F0502020204030204"/>
+              <a:ea typeface="+mn-ea"/>
+              <a:cs typeface="+mn-cs"/>
+            </a:endParaRPr>
+          </a:p>
+        </p:txBody>
+      </p:sp>
+      <p:sp>
+        <p:nvSpPr>
+          <p:cNvPr id="7" name="Rectangle 6">
+            <a:extLst>
+              <a:ext uri="{FF2B5EF4-FFF2-40B4-BE49-F238E27FC236}">
+                <a16:creationId xmlns:a16="http://schemas.microsoft.com/office/drawing/2014/main" id="{07C4376B-C011-4094-8FBB-64C1076F9AAF}"/>
               </a:ext>
             </a:extLst>
           </p:cNvPr>
@@ -3899,8 +7356,8 @@
         </p:nvSpPr>
         <p:spPr>
           <a:xfrm>
-            <a:off x="292300" y="5405335"/>
-            <a:ext cx="1234941" cy="275618"/>
+            <a:off x="2411243" y="4826644"/>
+            <a:ext cx="2569269" cy="309560"/>
           </a:xfrm>
           <a:prstGeom prst="rect">
             <a:avLst/>
@@ -3932,8 +7389,37 @@
           <a:bodyPr rtlCol="0" anchor="ctr"/>
           <a:lstStyle/>
           <a:p>
-            <a:pPr algn="ctr"/>
-            <a:endParaRPr lang="en-IN"/>
+            <a:pPr marL="0" marR="0" lvl="0" indent="0" algn="ctr" defTabSz="914400" rtl="0" eaLnBrk="1" fontAlgn="auto" latinLnBrk="0" hangingPunct="1">
+              <a:lnSpc>
+                <a:spcPct val="100000"/>
+              </a:lnSpc>
+              <a:spcBef>
+                <a:spcPts val="0"/>
+              </a:spcBef>
+              <a:spcAft>
+                <a:spcPts val="0"/>
+              </a:spcAft>
+              <a:buClrTx/>
+              <a:buSzTx/>
+              <a:buFontTx/>
+              <a:buNone/>
+              <a:tabLst/>
+              <a:defRPr/>
+            </a:pPr>
+            <a:endParaRPr kumimoji="0" lang="en-IN" sz="1800" b="0" i="0" u="none" strike="noStrike" kern="1200" cap="none" spc="0" normalizeH="0" baseline="0" noProof="0">
+              <a:ln>
+                <a:noFill/>
+              </a:ln>
+              <a:solidFill>
+                <a:prstClr val="white"/>
+              </a:solidFill>
+              <a:effectLst/>
+              <a:uLnTx/>
+              <a:uFillTx/>
+              <a:latin typeface="Calibri" panose="020F0502020204030204"/>
+              <a:ea typeface="+mn-ea"/>
+              <a:cs typeface="+mn-cs"/>
+            </a:endParaRPr>
           </a:p>
         </p:txBody>
       </p:sp>
@@ -3942,7 +7428,7 @@
           <p:cNvPr id="9" name="Rectangle 8">
             <a:extLst>
               <a:ext uri="{FF2B5EF4-FFF2-40B4-BE49-F238E27FC236}">
-                <a16:creationId xmlns:a16="http://schemas.microsoft.com/office/drawing/2014/main" id="{F65F7BCC-CEDF-4865-84D3-5B002AD52D31}"/>
+                <a16:creationId xmlns:a16="http://schemas.microsoft.com/office/drawing/2014/main" id="{43ADCC5E-D46D-4054-8E92-9F3D1079AA54}"/>
               </a:ext>
             </a:extLst>
           </p:cNvPr>
@@ -3951,8 +7437,8 @@
         </p:nvSpPr>
         <p:spPr>
           <a:xfrm>
-            <a:off x="214007" y="3835938"/>
-            <a:ext cx="2247091" cy="1491576"/>
+            <a:off x="4777385" y="5958741"/>
+            <a:ext cx="2635097" cy="237778"/>
           </a:xfrm>
           <a:prstGeom prst="rect">
             <a:avLst/>
@@ -3984,61 +7470,56 @@
           <a:bodyPr rtlCol="0" anchor="ctr"/>
           <a:lstStyle/>
           <a:p>
-            <a:pPr algn="ctr"/>
-            <a:endParaRPr lang="en-IN"/>
-          </a:p>
-        </p:txBody>
-      </p:sp>
-      <p:pic>
-        <p:nvPicPr>
-          <p:cNvPr id="11" name="Picture 10">
-            <a:extLst>
-              <a:ext uri="{FF2B5EF4-FFF2-40B4-BE49-F238E27FC236}">
-                <a16:creationId xmlns:a16="http://schemas.microsoft.com/office/drawing/2014/main" id="{095D6155-FCB6-4D6A-8DFF-EEAF2F5D54B8}"/>
-              </a:ext>
-            </a:extLst>
-          </p:cNvPr>
-          <p:cNvPicPr>
-            <a:picLocks noChangeAspect="1"/>
-          </p:cNvPicPr>
+            <a:pPr marL="0" marR="0" lvl="0" indent="0" algn="ctr" defTabSz="914400" rtl="0" eaLnBrk="1" fontAlgn="auto" latinLnBrk="0" hangingPunct="1">
+              <a:lnSpc>
+                <a:spcPct val="100000"/>
+              </a:lnSpc>
+              <a:spcBef>
+                <a:spcPts val="0"/>
+              </a:spcBef>
+              <a:spcAft>
+                <a:spcPts val="0"/>
+              </a:spcAft>
+              <a:buClrTx/>
+              <a:buSzTx/>
+              <a:buFontTx/>
+              <a:buNone/>
+              <a:tabLst/>
+              <a:defRPr/>
+            </a:pPr>
+            <a:endParaRPr kumimoji="0" lang="en-IN" sz="1800" b="0" i="0" u="none" strike="noStrike" kern="1200" cap="none" spc="0" normalizeH="0" baseline="0" noProof="0">
+              <a:ln>
+                <a:noFill/>
+              </a:ln>
+              <a:solidFill>
+                <a:prstClr val="white"/>
+              </a:solidFill>
+              <a:effectLst/>
+              <a:uLnTx/>
+              <a:uFillTx/>
+              <a:latin typeface="Calibri" panose="020F0502020204030204"/>
+              <a:ea typeface="+mn-ea"/>
+              <a:cs typeface="+mn-cs"/>
+            </a:endParaRPr>
+          </a:p>
+        </p:txBody>
+      </p:sp>
+      <p:sp>
+        <p:nvSpPr>
+          <p:cNvPr id="11" name="Rectangle 10">
+            <a:extLst>
+              <a:ext uri="{FF2B5EF4-FFF2-40B4-BE49-F238E27FC236}">
+                <a16:creationId xmlns:a16="http://schemas.microsoft.com/office/drawing/2014/main" id="{43CFC097-4623-4324-ADC8-D50391A57286}"/>
+              </a:ext>
+            </a:extLst>
+          </p:cNvPr>
+          <p:cNvSpPr/>
           <p:nvPr/>
-        </p:nvPicPr>
-        <p:blipFill rotWithShape="1">
-          <a:blip r:embed="rId3"/>
-          <a:srcRect l="41164" t="67943" r="18943" b="13594"/>
-          <a:stretch/>
-        </p:blipFill>
+        </p:nvSpPr>
         <p:spPr>
           <a:xfrm>
-            <a:off x="2879386" y="5277221"/>
-            <a:ext cx="5246659" cy="1517610"/>
-          </a:xfrm>
-          <a:prstGeom prst="rect">
-            <a:avLst/>
-          </a:prstGeom>
-          <a:ln w="15875">
-            <a:solidFill>
-              <a:schemeClr val="tx1"/>
-            </a:solidFill>
-          </a:ln>
-        </p:spPr>
-      </p:pic>
-      <p:sp>
-        <p:nvSpPr>
-          <p:cNvPr id="12" name="Rectangle 11">
-            <a:extLst>
-              <a:ext uri="{FF2B5EF4-FFF2-40B4-BE49-F238E27FC236}">
-                <a16:creationId xmlns:a16="http://schemas.microsoft.com/office/drawing/2014/main" id="{FB5746F0-E8DF-4EBF-9D10-D9EC5C382F79}"/>
-              </a:ext>
-            </a:extLst>
-          </p:cNvPr>
-          <p:cNvSpPr/>
-          <p:nvPr/>
-        </p:nvSpPr>
-        <p:spPr>
-          <a:xfrm>
-            <a:off x="2996115" y="5950085"/>
-            <a:ext cx="1391059" cy="470169"/>
+            <a:off x="2564500" y="6274340"/>
+            <a:ext cx="2484162" cy="309561"/>
           </a:xfrm>
           <a:prstGeom prst="rect">
             <a:avLst/>
@@ -4070,15 +7551,914 @@
           <a:bodyPr rtlCol="0" anchor="ctr"/>
           <a:lstStyle/>
           <a:p>
-            <a:pPr algn="ctr"/>
-            <a:endParaRPr lang="en-IN"/>
-          </a:p>
-        </p:txBody>
-      </p:sp>
+            <a:pPr marL="0" marR="0" lvl="0" indent="0" algn="ctr" defTabSz="914400" rtl="0" eaLnBrk="1" fontAlgn="auto" latinLnBrk="0" hangingPunct="1">
+              <a:lnSpc>
+                <a:spcPct val="100000"/>
+              </a:lnSpc>
+              <a:spcBef>
+                <a:spcPts val="0"/>
+              </a:spcBef>
+              <a:spcAft>
+                <a:spcPts val="0"/>
+              </a:spcAft>
+              <a:buClrTx/>
+              <a:buSzTx/>
+              <a:buFontTx/>
+              <a:buNone/>
+              <a:tabLst/>
+              <a:defRPr/>
+            </a:pPr>
+            <a:endParaRPr kumimoji="0" lang="en-IN" sz="1800" b="0" i="0" u="none" strike="noStrike" kern="1200" cap="none" spc="0" normalizeH="0" baseline="0" noProof="0">
+              <a:ln>
+                <a:noFill/>
+              </a:ln>
+              <a:solidFill>
+                <a:prstClr val="white"/>
+              </a:solidFill>
+              <a:effectLst/>
+              <a:uLnTx/>
+              <a:uFillTx/>
+              <a:latin typeface="Calibri" panose="020F0502020204030204"/>
+              <a:ea typeface="+mn-ea"/>
+              <a:cs typeface="+mn-cs"/>
+            </a:endParaRPr>
+          </a:p>
+        </p:txBody>
+      </p:sp>
+      <p:sp>
+        <p:nvSpPr>
+          <p:cNvPr id="14" name="TextBox 13">
+            <a:extLst>
+              <a:ext uri="{FF2B5EF4-FFF2-40B4-BE49-F238E27FC236}">
+                <a16:creationId xmlns:a16="http://schemas.microsoft.com/office/drawing/2014/main" id="{1DB1406A-1536-4C59-8663-946F7E9D4FA4}"/>
+              </a:ext>
+            </a:extLst>
+          </p:cNvPr>
+          <p:cNvSpPr txBox="1"/>
+          <p:nvPr/>
+        </p:nvSpPr>
+        <p:spPr>
+          <a:xfrm>
+            <a:off x="183603" y="192368"/>
+            <a:ext cx="2110386" cy="1162113"/>
+          </a:xfrm>
+          <a:prstGeom prst="rect">
+            <a:avLst/>
+          </a:prstGeom>
+          <a:solidFill>
+            <a:srgbClr val="FFFF00"/>
+          </a:solidFill>
+          <a:ln>
+            <a:solidFill>
+              <a:schemeClr val="tx1"/>
+            </a:solidFill>
+          </a:ln>
+        </p:spPr>
+        <p:txBody>
+          <a:bodyPr wrap="none" rtlCol="0">
+            <a:spAutoFit/>
+          </a:bodyPr>
+          <a:lstStyle/>
+          <a:p>
+            <a:pPr>
+              <a:lnSpc>
+                <a:spcPct val="150000"/>
+              </a:lnSpc>
+            </a:pPr>
+            <a:r>
+              <a:rPr lang="en-IN" sz="1600" dirty="0"/>
+              <a:t>2) Staging</a:t>
+            </a:r>
+          </a:p>
+          <a:p>
+            <a:pPr>
+              <a:lnSpc>
+                <a:spcPct val="150000"/>
+              </a:lnSpc>
+            </a:pPr>
+            <a:r>
+              <a:rPr lang="en-IN" sz="1600" dirty="0"/>
+              <a:t>     Enable staging</a:t>
+            </a:r>
+          </a:p>
+          <a:p>
+            <a:pPr>
+              <a:lnSpc>
+                <a:spcPct val="150000"/>
+              </a:lnSpc>
+            </a:pPr>
+            <a:r>
+              <a:rPr lang="en-IN" sz="1600" dirty="0"/>
+              <a:t>     Enable Compression</a:t>
+            </a:r>
+          </a:p>
+        </p:txBody>
+      </p:sp>
+      <p:sp>
+        <p:nvSpPr>
+          <p:cNvPr id="10" name="TextBox 9">
+            <a:extLst>
+              <a:ext uri="{FF2B5EF4-FFF2-40B4-BE49-F238E27FC236}">
+                <a16:creationId xmlns:a16="http://schemas.microsoft.com/office/drawing/2014/main" id="{0452FACD-FF4B-4D39-825B-57F7DA6BB89D}"/>
+              </a:ext>
+            </a:extLst>
+          </p:cNvPr>
+          <p:cNvSpPr txBox="1"/>
+          <p:nvPr/>
+        </p:nvSpPr>
+        <p:spPr>
+          <a:xfrm>
+            <a:off x="6530082" y="714072"/>
+            <a:ext cx="5503366" cy="1171731"/>
+          </a:xfrm>
+          <a:prstGeom prst="rect">
+            <a:avLst/>
+          </a:prstGeom>
+          <a:solidFill>
+            <a:schemeClr val="accent4">
+              <a:lumMod val="40000"/>
+              <a:lumOff val="60000"/>
+            </a:schemeClr>
+          </a:solidFill>
+          <a:ln>
+            <a:solidFill>
+              <a:schemeClr val="tx1"/>
+            </a:solidFill>
+          </a:ln>
+        </p:spPr>
+        <p:txBody>
+          <a:bodyPr wrap="none" rtlCol="0">
+            <a:spAutoFit/>
+          </a:bodyPr>
+          <a:lstStyle/>
+          <a:p>
+            <a:pPr marL="0" marR="0" lvl="0" indent="0" algn="l" defTabSz="914400" rtl="0" eaLnBrk="1" fontAlgn="auto" latinLnBrk="0" hangingPunct="1">
+              <a:lnSpc>
+                <a:spcPct val="150000"/>
+              </a:lnSpc>
+              <a:spcBef>
+                <a:spcPts val="0"/>
+              </a:spcBef>
+              <a:spcAft>
+                <a:spcPts val="0"/>
+              </a:spcAft>
+              <a:buClrTx/>
+              <a:buSzTx/>
+              <a:buFontTx/>
+              <a:buNone/>
+              <a:tabLst/>
+              <a:defRPr/>
+            </a:pPr>
+            <a:r>
+              <a:rPr kumimoji="0" lang="en-IN" sz="1200" b="0" i="0" u="none" strike="noStrike" kern="1200" cap="none" spc="0" normalizeH="0" baseline="0" noProof="0" dirty="0">
+                <a:ln>
+                  <a:noFill/>
+                </a:ln>
+                <a:solidFill>
+                  <a:prstClr val="black"/>
+                </a:solidFill>
+                <a:effectLst/>
+                <a:uLnTx/>
+                <a:uFillTx/>
+                <a:latin typeface="Calibri" panose="020F0502020204030204"/>
+                <a:ea typeface="+mn-ea"/>
+                <a:cs typeface="+mn-cs"/>
+              </a:rPr>
+              <a:t>Suppose am copying data from SQL server to ADLS GEN2</a:t>
+            </a:r>
+          </a:p>
+          <a:p>
+            <a:pPr marL="0" marR="0" lvl="0" indent="0" algn="l" defTabSz="914400" rtl="0" eaLnBrk="1" fontAlgn="auto" latinLnBrk="0" hangingPunct="1">
+              <a:lnSpc>
+                <a:spcPct val="150000"/>
+              </a:lnSpc>
+              <a:spcBef>
+                <a:spcPts val="0"/>
+              </a:spcBef>
+              <a:spcAft>
+                <a:spcPts val="0"/>
+              </a:spcAft>
+              <a:buClrTx/>
+              <a:buSzTx/>
+              <a:buFontTx/>
+              <a:buNone/>
+              <a:tabLst/>
+              <a:defRPr/>
+            </a:pPr>
+            <a:r>
+              <a:rPr kumimoji="0" lang="en-IN" sz="1200" b="0" i="0" u="none" strike="noStrike" kern="1200" cap="none" spc="0" normalizeH="0" baseline="0" noProof="0" dirty="0">
+                <a:ln>
+                  <a:noFill/>
+                </a:ln>
+                <a:solidFill>
+                  <a:prstClr val="black"/>
+                </a:solidFill>
+                <a:effectLst/>
+                <a:uLnTx/>
+                <a:uFillTx/>
+                <a:latin typeface="Calibri" panose="020F0502020204030204"/>
+                <a:ea typeface="+mn-ea"/>
+                <a:cs typeface="+mn-cs"/>
+              </a:rPr>
+              <a:t>Source : SQL Server</a:t>
+            </a:r>
+          </a:p>
+          <a:p>
+            <a:pPr marL="0" marR="0" lvl="0" indent="0" algn="l" defTabSz="914400" rtl="0" eaLnBrk="1" fontAlgn="auto" latinLnBrk="0" hangingPunct="1">
+              <a:lnSpc>
+                <a:spcPct val="150000"/>
+              </a:lnSpc>
+              <a:spcBef>
+                <a:spcPts val="0"/>
+              </a:spcBef>
+              <a:spcAft>
+                <a:spcPts val="0"/>
+              </a:spcAft>
+              <a:buClrTx/>
+              <a:buSzTx/>
+              <a:buFontTx/>
+              <a:buNone/>
+              <a:tabLst/>
+              <a:defRPr/>
+            </a:pPr>
+            <a:r>
+              <a:rPr kumimoji="0" lang="en-IN" sz="1200" b="0" i="0" u="none" strike="noStrike" kern="1200" cap="none" spc="0" normalizeH="0" baseline="0" noProof="0" dirty="0">
+                <a:ln>
+                  <a:noFill/>
+                </a:ln>
+                <a:solidFill>
+                  <a:prstClr val="black"/>
+                </a:solidFill>
+                <a:effectLst/>
+                <a:uLnTx/>
+                <a:uFillTx/>
+                <a:latin typeface="Calibri" panose="020F0502020204030204"/>
+                <a:ea typeface="+mn-ea"/>
+                <a:cs typeface="+mn-cs"/>
+              </a:rPr>
+              <a:t>Sink : ADLS GEN2</a:t>
+            </a:r>
+          </a:p>
+          <a:p>
+            <a:pPr marL="0" marR="0" lvl="0" indent="0" algn="l" defTabSz="914400" rtl="0" eaLnBrk="1" fontAlgn="auto" latinLnBrk="0" hangingPunct="1">
+              <a:lnSpc>
+                <a:spcPct val="150000"/>
+              </a:lnSpc>
+              <a:spcBef>
+                <a:spcPts val="0"/>
+              </a:spcBef>
+              <a:spcAft>
+                <a:spcPts val="0"/>
+              </a:spcAft>
+              <a:buClrTx/>
+              <a:buSzTx/>
+              <a:buFontTx/>
+              <a:buNone/>
+              <a:tabLst/>
+              <a:defRPr/>
+            </a:pPr>
+            <a:r>
+              <a:rPr kumimoji="0" lang="en-IN" sz="1200" b="0" i="0" u="none" strike="noStrike" kern="1200" cap="none" spc="0" normalizeH="0" baseline="0" noProof="0" dirty="0">
+                <a:ln>
+                  <a:noFill/>
+                </a:ln>
+                <a:solidFill>
+                  <a:prstClr val="black"/>
+                </a:solidFill>
+                <a:effectLst/>
+                <a:uLnTx/>
+                <a:uFillTx/>
+                <a:latin typeface="Calibri" panose="020F0502020204030204"/>
+                <a:ea typeface="+mn-ea"/>
+                <a:cs typeface="+mn-cs"/>
+              </a:rPr>
+              <a:t>1) This copy will be slow no matter what; on-prem to any cloud will definitely be slow</a:t>
+            </a:r>
+          </a:p>
+        </p:txBody>
+      </p:sp>
+      <p:sp>
+        <p:nvSpPr>
+          <p:cNvPr id="8" name="Rectangle 7">
+            <a:extLst>
+              <a:ext uri="{FF2B5EF4-FFF2-40B4-BE49-F238E27FC236}">
+                <a16:creationId xmlns:a16="http://schemas.microsoft.com/office/drawing/2014/main" id="{BEAA2F18-9D62-46A7-92E6-2EED6C716572}"/>
+              </a:ext>
+            </a:extLst>
+          </p:cNvPr>
+          <p:cNvSpPr/>
+          <p:nvPr/>
+        </p:nvSpPr>
+        <p:spPr>
+          <a:xfrm>
+            <a:off x="4777385" y="5585034"/>
+            <a:ext cx="2615642" cy="212651"/>
+          </a:xfrm>
+          <a:prstGeom prst="rect">
+            <a:avLst/>
+          </a:prstGeom>
+          <a:noFill/>
+          <a:ln w="25400">
+            <a:solidFill>
+              <a:srgbClr val="FF0000"/>
+            </a:solidFill>
+          </a:ln>
+        </p:spPr>
+        <p:style>
+          <a:lnRef idx="2">
+            <a:schemeClr val="accent1">
+              <a:shade val="50000"/>
+            </a:schemeClr>
+          </a:lnRef>
+          <a:fillRef idx="1">
+            <a:schemeClr val="accent1"/>
+          </a:fillRef>
+          <a:effectRef idx="0">
+            <a:schemeClr val="accent1"/>
+          </a:effectRef>
+          <a:fontRef idx="minor">
+            <a:schemeClr val="lt1"/>
+          </a:fontRef>
+        </p:style>
+        <p:txBody>
+          <a:bodyPr rtlCol="0" anchor="ctr"/>
+          <a:lstStyle/>
+          <a:p>
+            <a:pPr marL="0" marR="0" lvl="0" indent="0" algn="ctr" defTabSz="914400" rtl="0" eaLnBrk="1" fontAlgn="auto" latinLnBrk="0" hangingPunct="1">
+              <a:lnSpc>
+                <a:spcPct val="100000"/>
+              </a:lnSpc>
+              <a:spcBef>
+                <a:spcPts val="0"/>
+              </a:spcBef>
+              <a:spcAft>
+                <a:spcPts val="0"/>
+              </a:spcAft>
+              <a:buClrTx/>
+              <a:buSzTx/>
+              <a:buFontTx/>
+              <a:buNone/>
+              <a:tabLst/>
+              <a:defRPr/>
+            </a:pPr>
+            <a:endParaRPr kumimoji="0" lang="en-IN" sz="1800" b="0" i="0" u="none" strike="noStrike" kern="1200" cap="none" spc="0" normalizeH="0" baseline="0" noProof="0">
+              <a:ln>
+                <a:noFill/>
+              </a:ln>
+              <a:solidFill>
+                <a:prstClr val="white"/>
+              </a:solidFill>
+              <a:effectLst/>
+              <a:uLnTx/>
+              <a:uFillTx/>
+              <a:latin typeface="Calibri" panose="020F0502020204030204"/>
+              <a:ea typeface="+mn-ea"/>
+              <a:cs typeface="+mn-cs"/>
+            </a:endParaRPr>
+          </a:p>
+        </p:txBody>
+      </p:sp>
+      <p:sp>
+        <p:nvSpPr>
+          <p:cNvPr id="17" name="TextBox 16">
+            <a:extLst>
+              <a:ext uri="{FF2B5EF4-FFF2-40B4-BE49-F238E27FC236}">
+                <a16:creationId xmlns:a16="http://schemas.microsoft.com/office/drawing/2014/main" id="{1F39FCA3-D63C-46AB-AC08-8CF6D7BA4BC0}"/>
+              </a:ext>
+            </a:extLst>
+          </p:cNvPr>
+          <p:cNvSpPr txBox="1"/>
+          <p:nvPr/>
+        </p:nvSpPr>
+        <p:spPr>
+          <a:xfrm>
+            <a:off x="6633843" y="3941659"/>
+            <a:ext cx="5399605" cy="1448730"/>
+          </a:xfrm>
+          <a:prstGeom prst="rect">
+            <a:avLst/>
+          </a:prstGeom>
+          <a:solidFill>
+            <a:schemeClr val="accent4">
+              <a:lumMod val="40000"/>
+              <a:lumOff val="60000"/>
+            </a:schemeClr>
+          </a:solidFill>
+          <a:ln>
+            <a:solidFill>
+              <a:schemeClr val="tx1"/>
+            </a:solidFill>
+          </a:ln>
+        </p:spPr>
+        <p:txBody>
+          <a:bodyPr wrap="square" rtlCol="0">
+            <a:spAutoFit/>
+          </a:bodyPr>
+          <a:lstStyle/>
+          <a:p>
+            <a:pPr marL="0" marR="0" lvl="0" indent="0" algn="l" defTabSz="914400" rtl="0" eaLnBrk="1" fontAlgn="auto" latinLnBrk="0" hangingPunct="1">
+              <a:lnSpc>
+                <a:spcPct val="150000"/>
+              </a:lnSpc>
+              <a:spcBef>
+                <a:spcPts val="0"/>
+              </a:spcBef>
+              <a:spcAft>
+                <a:spcPts val="0"/>
+              </a:spcAft>
+              <a:buClrTx/>
+              <a:buSzTx/>
+              <a:buFontTx/>
+              <a:buNone/>
+              <a:tabLst/>
+              <a:defRPr/>
+            </a:pPr>
+            <a:r>
+              <a:rPr kumimoji="0" lang="en-IN" sz="1200" b="0" i="0" u="none" strike="noStrike" kern="1200" cap="none" spc="0" normalizeH="0" baseline="0" noProof="0" dirty="0">
+                <a:ln>
+                  <a:noFill/>
+                </a:ln>
+                <a:solidFill>
+                  <a:prstClr val="black"/>
+                </a:solidFill>
+                <a:effectLst/>
+                <a:uLnTx/>
+                <a:uFillTx/>
+                <a:latin typeface="Calibri" panose="020F0502020204030204"/>
+                <a:ea typeface="+mn-ea"/>
+                <a:cs typeface="+mn-cs"/>
+              </a:rPr>
+              <a:t>Whenever it is trying to copy your data from on-prem, it will compress your files and when loading it back  into your ADLS GEN2, it will decompressed. Now your data transfer in compressed mode because of that the speed of data transfer will be very high. Now because of compression &amp; decompression is happening in b/n ADF needs staging area. It just needs a storage account to store the files temporarily. </a:t>
+            </a:r>
+          </a:p>
+        </p:txBody>
+      </p:sp>
+      <p:cxnSp>
+        <p:nvCxnSpPr>
+          <p:cNvPr id="19" name="Straight Connector 18">
+            <a:extLst>
+              <a:ext uri="{FF2B5EF4-FFF2-40B4-BE49-F238E27FC236}">
+                <a16:creationId xmlns:a16="http://schemas.microsoft.com/office/drawing/2014/main" id="{73490A28-C0DF-4C0E-B7DA-397C4A7E549B}"/>
+              </a:ext>
+            </a:extLst>
+          </p:cNvPr>
+          <p:cNvCxnSpPr>
+            <a:stCxn id="11" idx="3"/>
+          </p:cNvCxnSpPr>
+          <p:nvPr/>
+        </p:nvCxnSpPr>
+        <p:spPr>
+          <a:xfrm flipV="1">
+            <a:off x="5048662" y="6429120"/>
+            <a:ext cx="5379391" cy="1"/>
+          </a:xfrm>
+          <a:prstGeom prst="line">
+            <a:avLst/>
+          </a:prstGeom>
+          <a:ln w="19050">
+            <a:solidFill>
+              <a:srgbClr val="FF0000"/>
+            </a:solidFill>
+          </a:ln>
+        </p:spPr>
+        <p:style>
+          <a:lnRef idx="1">
+            <a:schemeClr val="accent1"/>
+          </a:lnRef>
+          <a:fillRef idx="0">
+            <a:schemeClr val="accent1"/>
+          </a:fillRef>
+          <a:effectRef idx="0">
+            <a:schemeClr val="accent1"/>
+          </a:effectRef>
+          <a:fontRef idx="minor">
+            <a:schemeClr val="tx1"/>
+          </a:fontRef>
+        </p:style>
+      </p:cxnSp>
+      <p:cxnSp>
+        <p:nvCxnSpPr>
+          <p:cNvPr id="21" name="Straight Arrow Connector 20">
+            <a:extLst>
+              <a:ext uri="{FF2B5EF4-FFF2-40B4-BE49-F238E27FC236}">
+                <a16:creationId xmlns:a16="http://schemas.microsoft.com/office/drawing/2014/main" id="{83FAA64B-164B-41B1-87EE-20FAD9088353}"/>
+              </a:ext>
+            </a:extLst>
+          </p:cNvPr>
+          <p:cNvCxnSpPr/>
+          <p:nvPr/>
+        </p:nvCxnSpPr>
+        <p:spPr>
+          <a:xfrm flipV="1">
+            <a:off x="10428053" y="5390389"/>
+            <a:ext cx="0" cy="1038731"/>
+          </a:xfrm>
+          <a:prstGeom prst="straightConnector1">
+            <a:avLst/>
+          </a:prstGeom>
+          <a:ln w="15875">
+            <a:solidFill>
+              <a:srgbClr val="FF0000"/>
+            </a:solidFill>
+            <a:tailEnd type="arrow"/>
+          </a:ln>
+        </p:spPr>
+        <p:style>
+          <a:lnRef idx="1">
+            <a:schemeClr val="accent1"/>
+          </a:lnRef>
+          <a:fillRef idx="0">
+            <a:schemeClr val="accent1"/>
+          </a:fillRef>
+          <a:effectRef idx="0">
+            <a:schemeClr val="accent1"/>
+          </a:effectRef>
+          <a:fontRef idx="minor">
+            <a:schemeClr val="tx1"/>
+          </a:fontRef>
+        </p:style>
+      </p:cxnSp>
     </p:spTree>
     <p:extLst>
       <p:ext uri="{BB962C8B-B14F-4D97-AF65-F5344CB8AC3E}">
-        <p14:creationId xmlns:p14="http://schemas.microsoft.com/office/powerpoint/2010/main" val="3702430959"/>
+        <p14:creationId xmlns:p14="http://schemas.microsoft.com/office/powerpoint/2010/main" val="1202622300"/>
+      </p:ext>
+    </p:extLst>
+  </p:cSld>
+  <p:clrMapOvr>
+    <a:masterClrMapping/>
+  </p:clrMapOvr>
+</p:sld>
+</file>
+
+<file path=ppt/slides/slide4.xml><?xml version="1.0" encoding="utf-8"?>
+<p:sld xmlns:a="http://schemas.openxmlformats.org/drawingml/2006/main" xmlns:r="http://schemas.openxmlformats.org/officeDocument/2006/relationships" xmlns:p="http://schemas.openxmlformats.org/presentationml/2006/main">
+  <p:cSld>
+    <p:spTree>
+      <p:nvGrpSpPr>
+        <p:cNvPr id="1" name=""/>
+        <p:cNvGrpSpPr/>
+        <p:nvPr/>
+      </p:nvGrpSpPr>
+      <p:grpSpPr>
+        <a:xfrm>
+          <a:off x="0" y="0"/>
+          <a:ext cx="0" cy="0"/>
+          <a:chOff x="0" y="0"/>
+          <a:chExt cx="0" cy="0"/>
+        </a:xfrm>
+      </p:grpSpPr>
+      <p:pic>
+        <p:nvPicPr>
+          <p:cNvPr id="4" name="Picture 3">
+            <a:extLst>
+              <a:ext uri="{FF2B5EF4-FFF2-40B4-BE49-F238E27FC236}">
+                <a16:creationId xmlns:a16="http://schemas.microsoft.com/office/drawing/2014/main" id="{8C309C8E-F2CD-40CC-8231-4838571C3AD0}"/>
+              </a:ext>
+            </a:extLst>
+          </p:cNvPr>
+          <p:cNvPicPr>
+            <a:picLocks noChangeAspect="1"/>
+          </p:cNvPicPr>
+          <p:nvPr/>
+        </p:nvPicPr>
+        <p:blipFill rotWithShape="1">
+          <a:blip r:embed="rId2"/>
+          <a:srcRect t="30153" r="21046"/>
+          <a:stretch/>
+        </p:blipFill>
+        <p:spPr>
+          <a:xfrm>
+            <a:off x="4454047" y="1167316"/>
+            <a:ext cx="7598523" cy="4501764"/>
+          </a:xfrm>
+          <a:prstGeom prst="rect">
+            <a:avLst/>
+          </a:prstGeom>
+          <a:ln w="15875">
+            <a:solidFill>
+              <a:schemeClr val="tx1"/>
+            </a:solidFill>
+          </a:ln>
+        </p:spPr>
+      </p:pic>
+      <p:pic>
+        <p:nvPicPr>
+          <p:cNvPr id="5" name="Picture 4">
+            <a:extLst>
+              <a:ext uri="{FF2B5EF4-FFF2-40B4-BE49-F238E27FC236}">
+                <a16:creationId xmlns:a16="http://schemas.microsoft.com/office/drawing/2014/main" id="{5397D4B8-3126-4C6E-A82D-31DE57A41CD8}"/>
+              </a:ext>
+            </a:extLst>
+          </p:cNvPr>
+          <p:cNvPicPr>
+            <a:picLocks noChangeAspect="1"/>
+          </p:cNvPicPr>
+          <p:nvPr/>
+        </p:nvPicPr>
+        <p:blipFill rotWithShape="1">
+          <a:blip r:embed="rId3"/>
+          <a:srcRect l="39214" t="79873" r="46956" b="12698"/>
+          <a:stretch/>
+        </p:blipFill>
+        <p:spPr>
+          <a:xfrm>
+            <a:off x="1167319" y="5778230"/>
+            <a:ext cx="2853547" cy="958071"/>
+          </a:xfrm>
+          <a:prstGeom prst="rect">
+            <a:avLst/>
+          </a:prstGeom>
+          <a:ln w="15875">
+            <a:solidFill>
+              <a:schemeClr val="tx1"/>
+            </a:solidFill>
+          </a:ln>
+        </p:spPr>
+      </p:pic>
+      <p:cxnSp>
+        <p:nvCxnSpPr>
+          <p:cNvPr id="7" name="Straight Arrow Connector 6">
+            <a:extLst>
+              <a:ext uri="{FF2B5EF4-FFF2-40B4-BE49-F238E27FC236}">
+                <a16:creationId xmlns:a16="http://schemas.microsoft.com/office/drawing/2014/main" id="{3CF2E9C5-F154-47E4-ABFE-2F15D96DC4E4}"/>
+              </a:ext>
+            </a:extLst>
+          </p:cNvPr>
+          <p:cNvCxnSpPr>
+            <a:cxnSpLocks/>
+            <a:endCxn id="5" idx="3"/>
+          </p:cNvCxnSpPr>
+          <p:nvPr/>
+        </p:nvCxnSpPr>
+        <p:spPr>
+          <a:xfrm flipH="1">
+            <a:off x="4020866" y="5541313"/>
+            <a:ext cx="599772" cy="715953"/>
+          </a:xfrm>
+          <a:prstGeom prst="straightConnector1">
+            <a:avLst/>
+          </a:prstGeom>
+          <a:ln w="15875">
+            <a:solidFill>
+              <a:srgbClr val="FF0000"/>
+            </a:solidFill>
+            <a:tailEnd type="arrow"/>
+          </a:ln>
+        </p:spPr>
+        <p:style>
+          <a:lnRef idx="1">
+            <a:schemeClr val="accent1"/>
+          </a:lnRef>
+          <a:fillRef idx="0">
+            <a:schemeClr val="accent1"/>
+          </a:fillRef>
+          <a:effectRef idx="0">
+            <a:schemeClr val="accent1"/>
+          </a:effectRef>
+          <a:fontRef idx="minor">
+            <a:schemeClr val="tx1"/>
+          </a:fontRef>
+        </p:style>
+      </p:cxnSp>
+      <p:pic>
+        <p:nvPicPr>
+          <p:cNvPr id="9" name="Picture 8">
+            <a:extLst>
+              <a:ext uri="{FF2B5EF4-FFF2-40B4-BE49-F238E27FC236}">
+                <a16:creationId xmlns:a16="http://schemas.microsoft.com/office/drawing/2014/main" id="{F3D53E4F-CDA3-4491-95EB-BC4FEA32C03F}"/>
+              </a:ext>
+            </a:extLst>
+          </p:cNvPr>
+          <p:cNvPicPr>
+            <a:picLocks noChangeAspect="1"/>
+          </p:cNvPicPr>
+          <p:nvPr/>
+        </p:nvPicPr>
+        <p:blipFill rotWithShape="1">
+          <a:blip r:embed="rId4"/>
+          <a:srcRect l="36555" t="67092" r="48640" b="18298"/>
+          <a:stretch/>
+        </p:blipFill>
+        <p:spPr>
+          <a:xfrm>
+            <a:off x="908015" y="3722742"/>
+            <a:ext cx="3112851" cy="1919904"/>
+          </a:xfrm>
+          <a:prstGeom prst="rect">
+            <a:avLst/>
+          </a:prstGeom>
+          <a:ln w="12700">
+            <a:solidFill>
+              <a:schemeClr val="tx1"/>
+            </a:solidFill>
+          </a:ln>
+        </p:spPr>
+      </p:pic>
+      <p:cxnSp>
+        <p:nvCxnSpPr>
+          <p:cNvPr id="10" name="Straight Arrow Connector 9">
+            <a:extLst>
+              <a:ext uri="{FF2B5EF4-FFF2-40B4-BE49-F238E27FC236}">
+                <a16:creationId xmlns:a16="http://schemas.microsoft.com/office/drawing/2014/main" id="{8349C53C-94C3-4E17-8F8F-03E9F7CFA84A}"/>
+              </a:ext>
+            </a:extLst>
+          </p:cNvPr>
+          <p:cNvCxnSpPr>
+            <a:cxnSpLocks/>
+          </p:cNvCxnSpPr>
+          <p:nvPr/>
+        </p:nvCxnSpPr>
+        <p:spPr>
+          <a:xfrm flipH="1" flipV="1">
+            <a:off x="4020866" y="4563428"/>
+            <a:ext cx="599772" cy="548811"/>
+          </a:xfrm>
+          <a:prstGeom prst="straightConnector1">
+            <a:avLst/>
+          </a:prstGeom>
+          <a:ln w="15875">
+            <a:solidFill>
+              <a:srgbClr val="FF0000"/>
+            </a:solidFill>
+            <a:tailEnd type="arrow"/>
+          </a:ln>
+        </p:spPr>
+        <p:style>
+          <a:lnRef idx="1">
+            <a:schemeClr val="accent1"/>
+          </a:lnRef>
+          <a:fillRef idx="0">
+            <a:schemeClr val="accent1"/>
+          </a:fillRef>
+          <a:effectRef idx="0">
+            <a:schemeClr val="accent1"/>
+          </a:effectRef>
+          <a:fontRef idx="minor">
+            <a:schemeClr val="tx1"/>
+          </a:fontRef>
+        </p:style>
+      </p:cxnSp>
+      <p:pic>
+        <p:nvPicPr>
+          <p:cNvPr id="13" name="Picture 12">
+            <a:extLst>
+              <a:ext uri="{FF2B5EF4-FFF2-40B4-BE49-F238E27FC236}">
+                <a16:creationId xmlns:a16="http://schemas.microsoft.com/office/drawing/2014/main" id="{5DE41415-FE53-4B32-A379-FB5F42B84181}"/>
+              </a:ext>
+            </a:extLst>
+          </p:cNvPr>
+          <p:cNvPicPr>
+            <a:picLocks noChangeAspect="1"/>
+          </p:cNvPicPr>
+          <p:nvPr/>
+        </p:nvPicPr>
+        <p:blipFill rotWithShape="1">
+          <a:blip r:embed="rId5"/>
+          <a:srcRect l="43931" t="63120" r="42080" b="23138"/>
+          <a:stretch/>
+        </p:blipFill>
+        <p:spPr>
+          <a:xfrm>
+            <a:off x="9130928" y="2653798"/>
+            <a:ext cx="2921642" cy="1793756"/>
+          </a:xfrm>
+          <a:prstGeom prst="rect">
+            <a:avLst/>
+          </a:prstGeom>
+          <a:ln w="12700">
+            <a:solidFill>
+              <a:schemeClr val="tx1"/>
+            </a:solidFill>
+          </a:ln>
+        </p:spPr>
+      </p:pic>
+      <p:cxnSp>
+        <p:nvCxnSpPr>
+          <p:cNvPr id="14" name="Straight Arrow Connector 13">
+            <a:extLst>
+              <a:ext uri="{FF2B5EF4-FFF2-40B4-BE49-F238E27FC236}">
+                <a16:creationId xmlns:a16="http://schemas.microsoft.com/office/drawing/2014/main" id="{A9F784F4-C129-4CC6-B1FD-A006D24DE30B}"/>
+              </a:ext>
+            </a:extLst>
+          </p:cNvPr>
+          <p:cNvCxnSpPr>
+            <a:cxnSpLocks/>
+          </p:cNvCxnSpPr>
+          <p:nvPr/>
+        </p:nvCxnSpPr>
+        <p:spPr>
+          <a:xfrm flipV="1">
+            <a:off x="6695772" y="3700197"/>
+            <a:ext cx="2435156" cy="885529"/>
+          </a:xfrm>
+          <a:prstGeom prst="straightConnector1">
+            <a:avLst/>
+          </a:prstGeom>
+          <a:ln w="15875">
+            <a:solidFill>
+              <a:srgbClr val="FF0000"/>
+            </a:solidFill>
+            <a:tailEnd type="arrow"/>
+          </a:ln>
+        </p:spPr>
+        <p:style>
+          <a:lnRef idx="1">
+            <a:schemeClr val="accent1"/>
+          </a:lnRef>
+          <a:fillRef idx="0">
+            <a:schemeClr val="accent1"/>
+          </a:fillRef>
+          <a:effectRef idx="0">
+            <a:schemeClr val="accent1"/>
+          </a:effectRef>
+          <a:fontRef idx="minor">
+            <a:schemeClr val="tx1"/>
+          </a:fontRef>
+        </p:style>
+      </p:cxnSp>
+      <p:pic>
+        <p:nvPicPr>
+          <p:cNvPr id="17" name="Picture 16">
+            <a:extLst>
+              <a:ext uri="{FF2B5EF4-FFF2-40B4-BE49-F238E27FC236}">
+                <a16:creationId xmlns:a16="http://schemas.microsoft.com/office/drawing/2014/main" id="{196A05FA-CE31-41EA-A9E5-3CDBF1C055BF}"/>
+              </a:ext>
+            </a:extLst>
+          </p:cNvPr>
+          <p:cNvPicPr>
+            <a:picLocks noChangeAspect="1"/>
+          </p:cNvPicPr>
+          <p:nvPr/>
+        </p:nvPicPr>
+        <p:blipFill rotWithShape="1">
+          <a:blip r:embed="rId6"/>
+          <a:srcRect l="36555" t="64369" r="49490" b="22128"/>
+          <a:stretch/>
+        </p:blipFill>
+        <p:spPr>
+          <a:xfrm>
+            <a:off x="1117659" y="1831529"/>
+            <a:ext cx="2903207" cy="1755629"/>
+          </a:xfrm>
+          <a:prstGeom prst="rect">
+            <a:avLst/>
+          </a:prstGeom>
+          <a:ln w="12700">
+            <a:solidFill>
+              <a:schemeClr val="tx1"/>
+            </a:solidFill>
+          </a:ln>
+        </p:spPr>
+      </p:pic>
+      <p:cxnSp>
+        <p:nvCxnSpPr>
+          <p:cNvPr id="18" name="Straight Arrow Connector 17">
+            <a:extLst>
+              <a:ext uri="{FF2B5EF4-FFF2-40B4-BE49-F238E27FC236}">
+                <a16:creationId xmlns:a16="http://schemas.microsoft.com/office/drawing/2014/main" id="{A1421120-DA05-47E7-ACCC-471E113D50A9}"/>
+              </a:ext>
+            </a:extLst>
+          </p:cNvPr>
+          <p:cNvCxnSpPr>
+            <a:cxnSpLocks/>
+          </p:cNvCxnSpPr>
+          <p:nvPr/>
+        </p:nvCxnSpPr>
+        <p:spPr>
+          <a:xfrm flipH="1" flipV="1">
+            <a:off x="4057446" y="3121471"/>
+            <a:ext cx="475643" cy="885529"/>
+          </a:xfrm>
+          <a:prstGeom prst="straightConnector1">
+            <a:avLst/>
+          </a:prstGeom>
+          <a:ln w="15875">
+            <a:solidFill>
+              <a:srgbClr val="FF0000"/>
+            </a:solidFill>
+            <a:tailEnd type="arrow"/>
+          </a:ln>
+        </p:spPr>
+        <p:style>
+          <a:lnRef idx="1">
+            <a:schemeClr val="accent1"/>
+          </a:lnRef>
+          <a:fillRef idx="0">
+            <a:schemeClr val="accent1"/>
+          </a:fillRef>
+          <a:effectRef idx="0">
+            <a:schemeClr val="accent1"/>
+          </a:effectRef>
+          <a:fontRef idx="minor">
+            <a:schemeClr val="tx1"/>
+          </a:fontRef>
+        </p:style>
+      </p:cxnSp>
+    </p:spTree>
+    <p:extLst>
+      <p:ext uri="{BB962C8B-B14F-4D97-AF65-F5344CB8AC3E}">
+        <p14:creationId xmlns:p14="http://schemas.microsoft.com/office/powerpoint/2010/main" val="1616513883"/>
       </p:ext>
     </p:extLst>
   </p:cSld>
@@ -4381,4 +8761,299 @@
     </a:ext>
   </a:extLst>
 </a:theme>
+</file>
+
+<file path=ppt/theme/theme2.xml><?xml version="1.0" encoding="utf-8"?>
+<a:theme xmlns:a="http://schemas.openxmlformats.org/drawingml/2006/main" name="1_Office Theme">
+  <a:themeElements>
+    <a:clrScheme name="Office">
+      <a:dk1>
+        <a:sysClr val="windowText" lastClr="000000"/>
+      </a:dk1>
+      <a:lt1>
+        <a:sysClr val="window" lastClr="FFFFFF"/>
+      </a:lt1>
+      <a:dk2>
+        <a:srgbClr val="44546A"/>
+      </a:dk2>
+      <a:lt2>
+        <a:srgbClr val="E7E6E6"/>
+      </a:lt2>
+      <a:accent1>
+        <a:srgbClr val="4472C4"/>
+      </a:accent1>
+      <a:accent2>
+        <a:srgbClr val="ED7D31"/>
+      </a:accent2>
+      <a:accent3>
+        <a:srgbClr val="A5A5A5"/>
+      </a:accent3>
+      <a:accent4>
+        <a:srgbClr val="FFC000"/>
+      </a:accent4>
+      <a:accent5>
+        <a:srgbClr val="5B9BD5"/>
+      </a:accent5>
+      <a:accent6>
+        <a:srgbClr val="70AD47"/>
+      </a:accent6>
+      <a:hlink>
+        <a:srgbClr val="0563C1"/>
+      </a:hlink>
+      <a:folHlink>
+        <a:srgbClr val="954F72"/>
+      </a:folHlink>
+    </a:clrScheme>
+    <a:fontScheme name="Office">
+      <a:majorFont>
+        <a:latin typeface="Calibri Light" panose="020F0302020204030204"/>
+        <a:ea typeface=""/>
+        <a:cs typeface=""/>
+        <a:font script="Jpan" typeface="游ゴシック Light"/>
+        <a:font script="Hang" typeface="맑은 고딕"/>
+        <a:font script="Hans" typeface="等线 Light"/>
+        <a:font script="Hant" typeface="新細明體"/>
+        <a:font script="Arab" typeface="Times New Roman"/>
+        <a:font script="Hebr" typeface="Times New Roman"/>
+        <a:font script="Thai" typeface="Angsana New"/>
+        <a:font script="Ethi" typeface="Nyala"/>
+        <a:font script="Beng" typeface="Vrinda"/>
+        <a:font script="Gujr" typeface="Shruti"/>
+        <a:font script="Khmr" typeface="MoolBoran"/>
+        <a:font script="Knda" typeface="Tunga"/>
+        <a:font script="Guru" typeface="Raavi"/>
+        <a:font script="Cans" typeface="Euphemia"/>
+        <a:font script="Cher" typeface="Plantagenet Cherokee"/>
+        <a:font script="Yiii" typeface="Microsoft Yi Baiti"/>
+        <a:font script="Tibt" typeface="Microsoft Himalaya"/>
+        <a:font script="Thaa" typeface="MV Boli"/>
+        <a:font script="Deva" typeface="Mangal"/>
+        <a:font script="Telu" typeface="Gautami"/>
+        <a:font script="Taml" typeface="Latha"/>
+        <a:font script="Syrc" typeface="Estrangelo Edessa"/>
+        <a:font script="Orya" typeface="Kalinga"/>
+        <a:font script="Mlym" typeface="Kartika"/>
+        <a:font script="Laoo" typeface="DokChampa"/>
+        <a:font script="Sinh" typeface="Iskoola Pota"/>
+        <a:font script="Mong" typeface="Mongolian Baiti"/>
+        <a:font script="Viet" typeface="Times New Roman"/>
+        <a:font script="Uigh" typeface="Microsoft Uighur"/>
+        <a:font script="Geor" typeface="Sylfaen"/>
+        <a:font script="Armn" typeface="Arial"/>
+        <a:font script="Bugi" typeface="Leelawadee UI"/>
+        <a:font script="Bopo" typeface="Microsoft JhengHei"/>
+        <a:font script="Java" typeface="Javanese Text"/>
+        <a:font script="Lisu" typeface="Segoe UI"/>
+        <a:font script="Mymr" typeface="Myanmar Text"/>
+        <a:font script="Nkoo" typeface="Ebrima"/>
+        <a:font script="Olck" typeface="Nirmala UI"/>
+        <a:font script="Osma" typeface="Ebrima"/>
+        <a:font script="Phag" typeface="Phagspa"/>
+        <a:font script="Syrn" typeface="Estrangelo Edessa"/>
+        <a:font script="Syrj" typeface="Estrangelo Edessa"/>
+        <a:font script="Syre" typeface="Estrangelo Edessa"/>
+        <a:font script="Sora" typeface="Nirmala UI"/>
+        <a:font script="Tale" typeface="Microsoft Tai Le"/>
+        <a:font script="Talu" typeface="Microsoft New Tai Lue"/>
+        <a:font script="Tfng" typeface="Ebrima"/>
+      </a:majorFont>
+      <a:minorFont>
+        <a:latin typeface="Calibri" panose="020F0502020204030204"/>
+        <a:ea typeface=""/>
+        <a:cs typeface=""/>
+        <a:font script="Jpan" typeface="游ゴシック"/>
+        <a:font script="Hang" typeface="맑은 고딕"/>
+        <a:font script="Hans" typeface="等线"/>
+        <a:font script="Hant" typeface="新細明體"/>
+        <a:font script="Arab" typeface="Arial"/>
+        <a:font script="Hebr" typeface="Arial"/>
+        <a:font script="Thai" typeface="Cordia New"/>
+        <a:font script="Ethi" typeface="Nyala"/>
+        <a:font script="Beng" typeface="Vrinda"/>
+        <a:font script="Gujr" typeface="Shruti"/>
+        <a:font script="Khmr" typeface="DaunPenh"/>
+        <a:font script="Knda" typeface="Tunga"/>
+        <a:font script="Guru" typeface="Raavi"/>
+        <a:font script="Cans" typeface="Euphemia"/>
+        <a:font script="Cher" typeface="Plantagenet Cherokee"/>
+        <a:font script="Yiii" typeface="Microsoft Yi Baiti"/>
+        <a:font script="Tibt" typeface="Microsoft Himalaya"/>
+        <a:font script="Thaa" typeface="MV Boli"/>
+        <a:font script="Deva" typeface="Mangal"/>
+        <a:font script="Telu" typeface="Gautami"/>
+        <a:font script="Taml" typeface="Latha"/>
+        <a:font script="Syrc" typeface="Estrangelo Edessa"/>
+        <a:font script="Orya" typeface="Kalinga"/>
+        <a:font script="Mlym" typeface="Kartika"/>
+        <a:font script="Laoo" typeface="DokChampa"/>
+        <a:font script="Sinh" typeface="Iskoola Pota"/>
+        <a:font script="Mong" typeface="Mongolian Baiti"/>
+        <a:font script="Viet" typeface="Arial"/>
+        <a:font script="Uigh" typeface="Microsoft Uighur"/>
+        <a:font script="Geor" typeface="Sylfaen"/>
+        <a:font script="Armn" typeface="Arial"/>
+        <a:font script="Bugi" typeface="Leelawadee UI"/>
+        <a:font script="Bopo" typeface="Microsoft JhengHei"/>
+        <a:font script="Java" typeface="Javanese Text"/>
+        <a:font script="Lisu" typeface="Segoe UI"/>
+        <a:font script="Mymr" typeface="Myanmar Text"/>
+        <a:font script="Nkoo" typeface="Ebrima"/>
+        <a:font script="Olck" typeface="Nirmala UI"/>
+        <a:font script="Osma" typeface="Ebrima"/>
+        <a:font script="Phag" typeface="Phagspa"/>
+        <a:font script="Syrn" typeface="Estrangelo Edessa"/>
+        <a:font script="Syrj" typeface="Estrangelo Edessa"/>
+        <a:font script="Syre" typeface="Estrangelo Edessa"/>
+        <a:font script="Sora" typeface="Nirmala UI"/>
+        <a:font script="Tale" typeface="Microsoft Tai Le"/>
+        <a:font script="Talu" typeface="Microsoft New Tai Lue"/>
+        <a:font script="Tfng" typeface="Ebrima"/>
+      </a:minorFont>
+    </a:fontScheme>
+    <a:fmtScheme name="Office">
+      <a:fillStyleLst>
+        <a:solidFill>
+          <a:schemeClr val="phClr"/>
+        </a:solidFill>
+        <a:gradFill rotWithShape="1">
+          <a:gsLst>
+            <a:gs pos="0">
+              <a:schemeClr val="phClr">
+                <a:lumMod val="110000"/>
+                <a:satMod val="105000"/>
+                <a:tint val="67000"/>
+              </a:schemeClr>
+            </a:gs>
+            <a:gs pos="50000">
+              <a:schemeClr val="phClr">
+                <a:lumMod val="105000"/>
+                <a:satMod val="103000"/>
+                <a:tint val="73000"/>
+              </a:schemeClr>
+            </a:gs>
+            <a:gs pos="100000">
+              <a:schemeClr val="phClr">
+                <a:lumMod val="105000"/>
+                <a:satMod val="109000"/>
+                <a:tint val="81000"/>
+              </a:schemeClr>
+            </a:gs>
+          </a:gsLst>
+          <a:lin ang="5400000" scaled="0"/>
+        </a:gradFill>
+        <a:gradFill rotWithShape="1">
+          <a:gsLst>
+            <a:gs pos="0">
+              <a:schemeClr val="phClr">
+                <a:satMod val="103000"/>
+                <a:lumMod val="102000"/>
+                <a:tint val="94000"/>
+              </a:schemeClr>
+            </a:gs>
+            <a:gs pos="50000">
+              <a:schemeClr val="phClr">
+                <a:satMod val="110000"/>
+                <a:lumMod val="100000"/>
+                <a:shade val="100000"/>
+              </a:schemeClr>
+            </a:gs>
+            <a:gs pos="100000">
+              <a:schemeClr val="phClr">
+                <a:lumMod val="99000"/>
+                <a:satMod val="120000"/>
+                <a:shade val="78000"/>
+              </a:schemeClr>
+            </a:gs>
+          </a:gsLst>
+          <a:lin ang="5400000" scaled="0"/>
+        </a:gradFill>
+      </a:fillStyleLst>
+      <a:lnStyleLst>
+        <a:ln w="6350" cap="flat" cmpd="sng" algn="ctr">
+          <a:solidFill>
+            <a:schemeClr val="phClr"/>
+          </a:solidFill>
+          <a:prstDash val="solid"/>
+          <a:miter lim="800000"/>
+        </a:ln>
+        <a:ln w="12700" cap="flat" cmpd="sng" algn="ctr">
+          <a:solidFill>
+            <a:schemeClr val="phClr"/>
+          </a:solidFill>
+          <a:prstDash val="solid"/>
+          <a:miter lim="800000"/>
+        </a:ln>
+        <a:ln w="19050" cap="flat" cmpd="sng" algn="ctr">
+          <a:solidFill>
+            <a:schemeClr val="phClr"/>
+          </a:solidFill>
+          <a:prstDash val="solid"/>
+          <a:miter lim="800000"/>
+        </a:ln>
+      </a:lnStyleLst>
+      <a:effectStyleLst>
+        <a:effectStyle>
+          <a:effectLst/>
+        </a:effectStyle>
+        <a:effectStyle>
+          <a:effectLst/>
+        </a:effectStyle>
+        <a:effectStyle>
+          <a:effectLst>
+            <a:outerShdw blurRad="57150" dist="19050" dir="5400000" algn="ctr" rotWithShape="0">
+              <a:srgbClr val="000000">
+                <a:alpha val="63000"/>
+              </a:srgbClr>
+            </a:outerShdw>
+          </a:effectLst>
+        </a:effectStyle>
+      </a:effectStyleLst>
+      <a:bgFillStyleLst>
+        <a:solidFill>
+          <a:schemeClr val="phClr"/>
+        </a:solidFill>
+        <a:solidFill>
+          <a:schemeClr val="phClr">
+            <a:tint val="95000"/>
+            <a:satMod val="170000"/>
+          </a:schemeClr>
+        </a:solidFill>
+        <a:gradFill rotWithShape="1">
+          <a:gsLst>
+            <a:gs pos="0">
+              <a:schemeClr val="phClr">
+                <a:tint val="93000"/>
+                <a:satMod val="150000"/>
+                <a:shade val="98000"/>
+                <a:lumMod val="102000"/>
+              </a:schemeClr>
+            </a:gs>
+            <a:gs pos="50000">
+              <a:schemeClr val="phClr">
+                <a:tint val="98000"/>
+                <a:satMod val="130000"/>
+                <a:shade val="90000"/>
+                <a:lumMod val="103000"/>
+              </a:schemeClr>
+            </a:gs>
+            <a:gs pos="100000">
+              <a:schemeClr val="phClr">
+                <a:shade val="63000"/>
+                <a:satMod val="120000"/>
+              </a:schemeClr>
+            </a:gs>
+          </a:gsLst>
+          <a:lin ang="5400000" scaled="0"/>
+        </a:gradFill>
+      </a:bgFillStyleLst>
+    </a:fmtScheme>
+  </a:themeElements>
+  <a:objectDefaults/>
+  <a:extraClrSchemeLst/>
+  <a:extLst>
+    <a:ext uri="{05A4C25C-085E-4340-85A3-A5531E510DB2}">
+      <thm15:themeFamily xmlns:thm15="http://schemas.microsoft.com/office/thememl/2012/main" name="Office Theme" id="{62F939B6-93AF-4DB8-9C6B-D6C7DFDC589F}" vid="{4A3C46E8-61CC-4603-A589-7422A47A8E4A}"/>
+    </a:ext>
+  </a:extLst>
+</a:theme>
 </file>